--- a/OPEN SOURCE AUDITS IN MERGER AND ACQUISITION TRANSACTIONS/Figures_M&A_paper_JP.pptx
+++ b/OPEN SOURCE AUDITS IN MERGER AND ACQUISITION TRANSACTIONS/Figures_M&A_paper_JP.pptx
@@ -5,10 +5,10 @@
     <p:sldMasterId id="2147483659" r:id="rId1"/>
   </p:sldMasterIdLst>
   <p:notesMasterIdLst>
-    <p:notesMasterId r:id="rId15"/>
+    <p:notesMasterId r:id="rId16"/>
   </p:notesMasterIdLst>
   <p:handoutMasterIdLst>
-    <p:handoutMasterId r:id="rId16"/>
+    <p:handoutMasterId r:id="rId17"/>
   </p:handoutMasterIdLst>
   <p:sldIdLst>
     <p:sldId id="538" r:id="rId2"/>
@@ -18,12 +18,13 @@
     <p:sldId id="532" r:id="rId6"/>
     <p:sldId id="539" r:id="rId7"/>
     <p:sldId id="537" r:id="rId8"/>
-    <p:sldId id="531" r:id="rId9"/>
-    <p:sldId id="541" r:id="rId10"/>
-    <p:sldId id="529" r:id="rId11"/>
-    <p:sldId id="540" r:id="rId12"/>
-    <p:sldId id="530" r:id="rId13"/>
-    <p:sldId id="542" r:id="rId14"/>
+    <p:sldId id="543" r:id="rId9"/>
+    <p:sldId id="531" r:id="rId10"/>
+    <p:sldId id="541" r:id="rId11"/>
+    <p:sldId id="529" r:id="rId12"/>
+    <p:sldId id="540" r:id="rId13"/>
+    <p:sldId id="530" r:id="rId14"/>
+    <p:sldId id="542" r:id="rId15"/>
   </p:sldIdLst>
   <p:sldSz cx="12192000" cy="6858000"/>
   <p:notesSz cx="6858000" cy="9144000"/>
@@ -124,7 +125,7 @@
   </p:defaultTextStyle>
   <p:extLst>
     <p:ext uri="{EFAFB233-063F-42B5-8137-9DF3F51BA10A}">
-      <p15:sldGuideLst xmlns="" xmlns:p15="http://schemas.microsoft.com/office/powerpoint/2012/main">
+      <p15:sldGuideLst xmlns:p15="http://schemas.microsoft.com/office/powerpoint/2012/main" xmlns="">
         <p15:guide id="1" orient="horz" pos="2296" userDrawn="1">
           <p15:clr>
             <a:srgbClr val="A4A3A4"/>
@@ -138,7 +139,7 @@
       </p15:sldGuideLst>
     </p:ext>
     <p:ext uri="{2D200454-40CA-4A62-9FC3-DE9A4176ACB9}">
-      <p15:notesGuideLst xmlns="" xmlns:p15="http://schemas.microsoft.com/office/powerpoint/2012/main"/>
+      <p15:notesGuideLst xmlns:p15="http://schemas.microsoft.com/office/powerpoint/2012/main" xmlns=""/>
     </p:ext>
   </p:extLst>
 </p:presentation>
@@ -226,7 +227,7 @@
           <a:p>
             <a:fld id="{E6FDABA1-4B5D-4D1A-B9E0-E772E7058171}" type="datetimeFigureOut">
               <a:rPr lang="sv-SE" smtClean="0"/>
-              <a:t>2017-11-19</a:t>
+              <a:t>2017-11-23</a:t>
             </a:fld>
             <a:endParaRPr lang="sv-SE"/>
           </a:p>
@@ -391,7 +392,7 @@
           <a:p>
             <a:fld id="{DE46D2F7-F797-442B-A22D-84CBF0D5BA4F}" type="datetimeFigureOut">
               <a:rPr lang="sv-SE" smtClean="0"/>
-              <a:t>2017-11-19</a:t>
+              <a:t>2017-11-23</a:t>
             </a:fld>
             <a:endParaRPr lang="sv-SE"/>
           </a:p>
@@ -1503,7 +1504,7 @@
           <a:p>
             <a:fld id="{89949FCC-B783-48EB-A7FB-879B9C32ECE4}" type="slidenum">
               <a:rPr lang="sv-SE" smtClean="0"/>
-              <a:t>8</a:t>
+              <a:t>9</a:t>
             </a:fld>
             <a:endParaRPr lang="sv-SE"/>
           </a:p>
@@ -1593,7 +1594,7 @@
           <a:p>
             <a:fld id="{89949FCC-B783-48EB-A7FB-879B9C32ECE4}" type="slidenum">
               <a:rPr lang="sv-SE" smtClean="0"/>
-              <a:t>9</a:t>
+              <a:t>10</a:t>
             </a:fld>
             <a:endParaRPr lang="sv-SE"/>
           </a:p>
@@ -1683,7 +1684,7 @@
           <a:p>
             <a:fld id="{89949FCC-B783-48EB-A7FB-879B9C32ECE4}" type="slidenum">
               <a:rPr lang="sv-SE" smtClean="0"/>
-              <a:t>10</a:t>
+              <a:t>11</a:t>
             </a:fld>
             <a:endParaRPr lang="sv-SE"/>
           </a:p>
@@ -1773,7 +1774,7 @@
           <a:p>
             <a:fld id="{89949FCC-B783-48EB-A7FB-879B9C32ECE4}" type="slidenum">
               <a:rPr lang="sv-SE" smtClean="0"/>
-              <a:t>11</a:t>
+              <a:t>12</a:t>
             </a:fld>
             <a:endParaRPr lang="sv-SE"/>
           </a:p>
@@ -1863,7 +1864,7 @@
           <a:p>
             <a:fld id="{89949FCC-B783-48EB-A7FB-879B9C32ECE4}" type="slidenum">
               <a:rPr lang="sv-SE" smtClean="0"/>
-              <a:t>12</a:t>
+              <a:t>13</a:t>
             </a:fld>
             <a:endParaRPr lang="sv-SE"/>
           </a:p>
@@ -1953,7 +1954,7 @@
           <a:p>
             <a:fld id="{89949FCC-B783-48EB-A7FB-879B9C32ECE4}" type="slidenum">
               <a:rPr lang="sv-SE" smtClean="0"/>
-              <a:t>13</a:t>
+              <a:t>14</a:t>
             </a:fld>
             <a:endParaRPr lang="sv-SE"/>
           </a:p>
@@ -2103,7 +2104,7 @@
           <a:p>
             <a:fld id="{644446D9-CA4E-47F7-ADA0-1C514647DC66}" type="datetimeFigureOut">
               <a:rPr lang="en-US" smtClean="0"/>
-              <a:t>11/19/2017</a:t>
+              <a:t>11/23/2017</a:t>
             </a:fld>
             <a:endParaRPr lang="en-US"/>
           </a:p>
@@ -2273,7 +2274,7 @@
           <a:p>
             <a:fld id="{644446D9-CA4E-47F7-ADA0-1C514647DC66}" type="datetimeFigureOut">
               <a:rPr lang="en-US" smtClean="0"/>
-              <a:t>11/19/2017</a:t>
+              <a:t>11/23/2017</a:t>
             </a:fld>
             <a:endParaRPr lang="en-US"/>
           </a:p>
@@ -2453,7 +2454,7 @@
           <a:p>
             <a:fld id="{644446D9-CA4E-47F7-ADA0-1C514647DC66}" type="datetimeFigureOut">
               <a:rPr lang="en-US" smtClean="0"/>
-              <a:t>11/19/2017</a:t>
+              <a:t>11/23/2017</a:t>
             </a:fld>
             <a:endParaRPr lang="en-US"/>
           </a:p>
@@ -2623,7 +2624,7 @@
           <a:p>
             <a:fld id="{644446D9-CA4E-47F7-ADA0-1C514647DC66}" type="datetimeFigureOut">
               <a:rPr lang="en-US" smtClean="0"/>
-              <a:t>11/19/2017</a:t>
+              <a:t>11/23/2017</a:t>
             </a:fld>
             <a:endParaRPr lang="en-US"/>
           </a:p>
@@ -2869,7 +2870,7 @@
           <a:p>
             <a:fld id="{644446D9-CA4E-47F7-ADA0-1C514647DC66}" type="datetimeFigureOut">
               <a:rPr lang="en-US" smtClean="0"/>
-              <a:t>11/19/2017</a:t>
+              <a:t>11/23/2017</a:t>
             </a:fld>
             <a:endParaRPr lang="en-US"/>
           </a:p>
@@ -3101,7 +3102,7 @@
           <a:p>
             <a:fld id="{644446D9-CA4E-47F7-ADA0-1C514647DC66}" type="datetimeFigureOut">
               <a:rPr lang="en-US" smtClean="0"/>
-              <a:t>11/19/2017</a:t>
+              <a:t>11/23/2017</a:t>
             </a:fld>
             <a:endParaRPr lang="en-US"/>
           </a:p>
@@ -3468,7 +3469,7 @@
           <a:p>
             <a:fld id="{644446D9-CA4E-47F7-ADA0-1C514647DC66}" type="datetimeFigureOut">
               <a:rPr lang="en-US" smtClean="0"/>
-              <a:t>11/19/2017</a:t>
+              <a:t>11/23/2017</a:t>
             </a:fld>
             <a:endParaRPr lang="en-US"/>
           </a:p>
@@ -3586,7 +3587,7 @@
           <a:p>
             <a:fld id="{644446D9-CA4E-47F7-ADA0-1C514647DC66}" type="datetimeFigureOut">
               <a:rPr lang="en-US" smtClean="0"/>
-              <a:t>11/19/2017</a:t>
+              <a:t>11/23/2017</a:t>
             </a:fld>
             <a:endParaRPr lang="en-US"/>
           </a:p>
@@ -3681,7 +3682,7 @@
           <a:p>
             <a:fld id="{644446D9-CA4E-47F7-ADA0-1C514647DC66}" type="datetimeFigureOut">
               <a:rPr lang="en-US" smtClean="0"/>
-              <a:t>11/19/2017</a:t>
+              <a:t>11/23/2017</a:t>
             </a:fld>
             <a:endParaRPr lang="en-US"/>
           </a:p>
@@ -3958,7 +3959,7 @@
           <a:p>
             <a:fld id="{644446D9-CA4E-47F7-ADA0-1C514647DC66}" type="datetimeFigureOut">
               <a:rPr lang="en-US" smtClean="0"/>
-              <a:t>11/19/2017</a:t>
+              <a:t>11/23/2017</a:t>
             </a:fld>
             <a:endParaRPr lang="en-US"/>
           </a:p>
@@ -4211,7 +4212,7 @@
           <a:p>
             <a:fld id="{644446D9-CA4E-47F7-ADA0-1C514647DC66}" type="datetimeFigureOut">
               <a:rPr lang="en-US" smtClean="0"/>
-              <a:t>11/19/2017</a:t>
+              <a:t>11/23/2017</a:t>
             </a:fld>
             <a:endParaRPr lang="en-US"/>
           </a:p>
@@ -4424,7 +4425,7 @@
           <a:p>
             <a:fld id="{644446D9-CA4E-47F7-ADA0-1C514647DC66}" type="datetimeFigureOut">
               <a:rPr lang="en-US" smtClean="0"/>
-              <a:t>11/19/2017</a:t>
+              <a:t>11/23/2017</a:t>
             </a:fld>
             <a:endParaRPr lang="en-US"/>
           </a:p>
@@ -4927,6 +4928,1575 @@
       </p:grpSpPr>
       <p:sp>
         <p:nvSpPr>
+          <p:cNvPr id="40" name="Rectangle 39"/>
+          <p:cNvSpPr/>
+          <p:nvPr/>
+        </p:nvSpPr>
+        <p:spPr>
+          <a:xfrm>
+            <a:off x="1819275" y="209550"/>
+            <a:ext cx="7458076" cy="6286500"/>
+          </a:xfrm>
+          <a:prstGeom prst="rect">
+            <a:avLst/>
+          </a:prstGeom>
+          <a:ln w="28575">
+            <a:solidFill>
+              <a:srgbClr val="2CA4F2"/>
+            </a:solidFill>
+          </a:ln>
+        </p:spPr>
+        <p:style>
+          <a:lnRef idx="2">
+            <a:schemeClr val="accent1"/>
+          </a:lnRef>
+          <a:fillRef idx="1">
+            <a:schemeClr val="lt1"/>
+          </a:fillRef>
+          <a:effectRef idx="0">
+            <a:schemeClr val="accent1"/>
+          </a:effectRef>
+          <a:fontRef idx="minor">
+            <a:schemeClr val="dk1"/>
+          </a:fontRef>
+        </p:style>
+        <p:txBody>
+          <a:bodyPr rtlCol="0" anchor="ctr"/>
+          <a:lstStyle/>
+          <a:p>
+            <a:pPr algn="ctr"/>
+            <a:endParaRPr lang="en-US"/>
+          </a:p>
+        </p:txBody>
+      </p:sp>
+      <p:pic>
+        <p:nvPicPr>
+          <p:cNvPr id="12" name="Picture 11"/>
+          <p:cNvPicPr>
+            <a:picLocks noChangeAspect="1"/>
+          </p:cNvPicPr>
+          <p:nvPr/>
+        </p:nvPicPr>
+        <p:blipFill>
+          <a:blip r:embed="rId3" cstate="print">
+            <a:extLst>
+              <a:ext uri="{28A0092B-C50C-407E-A947-70E740481C1C}">
+                <a14:useLocalDpi xmlns:a14="http://schemas.microsoft.com/office/drawing/2010/main" val="0"/>
+              </a:ext>
+            </a:extLst>
+          </a:blip>
+          <a:stretch>
+            <a:fillRect/>
+          </a:stretch>
+        </p:blipFill>
+        <p:spPr>
+          <a:xfrm>
+            <a:off x="7004681" y="300949"/>
+            <a:ext cx="599948" cy="599948"/>
+          </a:xfrm>
+          <a:prstGeom prst="rect">
+            <a:avLst/>
+          </a:prstGeom>
+        </p:spPr>
+      </p:pic>
+      <p:sp>
+        <p:nvSpPr>
+          <p:cNvPr id="2" name="Arc 1"/>
+          <p:cNvSpPr/>
+          <p:nvPr/>
+        </p:nvSpPr>
+        <p:spPr>
+          <a:xfrm>
+            <a:off x="8346563" y="1148862"/>
+            <a:ext cx="588397" cy="633889"/>
+          </a:xfrm>
+          <a:prstGeom prst="arc">
+            <a:avLst/>
+          </a:prstGeom>
+          <a:ln w="19050">
+            <a:solidFill>
+              <a:schemeClr val="tx1"/>
+            </a:solidFill>
+          </a:ln>
+        </p:spPr>
+        <p:style>
+          <a:lnRef idx="1">
+            <a:schemeClr val="accent1"/>
+          </a:lnRef>
+          <a:fillRef idx="0">
+            <a:schemeClr val="accent1"/>
+          </a:fillRef>
+          <a:effectRef idx="0">
+            <a:schemeClr val="accent1"/>
+          </a:effectRef>
+          <a:fontRef idx="minor">
+            <a:schemeClr val="tx1"/>
+          </a:fontRef>
+        </p:style>
+        <p:txBody>
+          <a:bodyPr rtlCol="0" anchor="ctr"/>
+          <a:lstStyle/>
+          <a:p>
+            <a:pPr algn="ctr"/>
+            <a:endParaRPr lang="en-US"/>
+          </a:p>
+        </p:txBody>
+      </p:sp>
+      <p:cxnSp>
+        <p:nvCxnSpPr>
+          <p:cNvPr id="15" name="Straight Connector 14"/>
+          <p:cNvCxnSpPr>
+            <a:cxnSpLocks/>
+            <a:stCxn id="2" idx="0"/>
+            <a:endCxn id="21" idx="3"/>
+          </p:cNvCxnSpPr>
+          <p:nvPr/>
+        </p:nvCxnSpPr>
+        <p:spPr>
+          <a:xfrm flipH="1">
+            <a:off x="2760184" y="1148862"/>
+            <a:ext cx="5880577" cy="3714"/>
+          </a:xfrm>
+          <a:prstGeom prst="line">
+            <a:avLst/>
+          </a:prstGeom>
+          <a:ln w="19050">
+            <a:solidFill>
+              <a:schemeClr val="tx1"/>
+            </a:solidFill>
+          </a:ln>
+        </p:spPr>
+        <p:style>
+          <a:lnRef idx="1">
+            <a:schemeClr val="accent1"/>
+          </a:lnRef>
+          <a:fillRef idx="0">
+            <a:schemeClr val="accent1"/>
+          </a:fillRef>
+          <a:effectRef idx="0">
+            <a:schemeClr val="accent1"/>
+          </a:effectRef>
+          <a:fontRef idx="minor">
+            <a:schemeClr val="tx1"/>
+          </a:fontRef>
+        </p:style>
+      </p:cxnSp>
+      <p:cxnSp>
+        <p:nvCxnSpPr>
+          <p:cNvPr id="20" name="Straight Connector 19"/>
+          <p:cNvCxnSpPr>
+            <a:cxnSpLocks/>
+          </p:cNvCxnSpPr>
+          <p:nvPr/>
+        </p:nvCxnSpPr>
+        <p:spPr>
+          <a:xfrm>
+            <a:off x="8933023" y="1444382"/>
+            <a:ext cx="0" cy="1482681"/>
+          </a:xfrm>
+          <a:prstGeom prst="line">
+            <a:avLst/>
+          </a:prstGeom>
+          <a:ln w="19050">
+            <a:solidFill>
+              <a:schemeClr val="tx1"/>
+            </a:solidFill>
+          </a:ln>
+        </p:spPr>
+        <p:style>
+          <a:lnRef idx="1">
+            <a:schemeClr val="accent1"/>
+          </a:lnRef>
+          <a:fillRef idx="0">
+            <a:schemeClr val="accent1"/>
+          </a:fillRef>
+          <a:effectRef idx="0">
+            <a:schemeClr val="accent1"/>
+          </a:effectRef>
+          <a:fontRef idx="minor">
+            <a:schemeClr val="tx1"/>
+          </a:fontRef>
+        </p:style>
+      </p:cxnSp>
+      <p:sp>
+        <p:nvSpPr>
+          <p:cNvPr id="23" name="Arc 22"/>
+          <p:cNvSpPr/>
+          <p:nvPr/>
+        </p:nvSpPr>
+        <p:spPr>
+          <a:xfrm rot="5400000">
+            <a:off x="8321880" y="2607437"/>
+            <a:ext cx="588397" cy="633889"/>
+          </a:xfrm>
+          <a:prstGeom prst="arc">
+            <a:avLst/>
+          </a:prstGeom>
+          <a:ln w="19050">
+            <a:solidFill>
+              <a:schemeClr val="tx1"/>
+            </a:solidFill>
+          </a:ln>
+        </p:spPr>
+        <p:style>
+          <a:lnRef idx="1">
+            <a:schemeClr val="accent1"/>
+          </a:lnRef>
+          <a:fillRef idx="0">
+            <a:schemeClr val="accent1"/>
+          </a:fillRef>
+          <a:effectRef idx="0">
+            <a:schemeClr val="accent1"/>
+          </a:effectRef>
+          <a:fontRef idx="minor">
+            <a:schemeClr val="tx1"/>
+          </a:fontRef>
+        </p:style>
+        <p:txBody>
+          <a:bodyPr rtlCol="0" anchor="ctr"/>
+          <a:lstStyle/>
+          <a:p>
+            <a:pPr algn="ctr"/>
+            <a:endParaRPr lang="en-US"/>
+          </a:p>
+        </p:txBody>
+      </p:sp>
+      <p:cxnSp>
+        <p:nvCxnSpPr>
+          <p:cNvPr id="24" name="Straight Connector 23"/>
+          <p:cNvCxnSpPr>
+            <a:cxnSpLocks/>
+            <a:stCxn id="23" idx="2"/>
+          </p:cNvCxnSpPr>
+          <p:nvPr/>
+        </p:nvCxnSpPr>
+        <p:spPr>
+          <a:xfrm flipH="1">
+            <a:off x="2767674" y="3218580"/>
+            <a:ext cx="5848404" cy="0"/>
+          </a:xfrm>
+          <a:prstGeom prst="line">
+            <a:avLst/>
+          </a:prstGeom>
+          <a:ln w="19050">
+            <a:solidFill>
+              <a:schemeClr val="tx1"/>
+            </a:solidFill>
+          </a:ln>
+        </p:spPr>
+        <p:style>
+          <a:lnRef idx="1">
+            <a:schemeClr val="accent1"/>
+          </a:lnRef>
+          <a:fillRef idx="0">
+            <a:schemeClr val="accent1"/>
+          </a:fillRef>
+          <a:effectRef idx="0">
+            <a:schemeClr val="accent1"/>
+          </a:effectRef>
+          <a:fontRef idx="minor">
+            <a:schemeClr val="tx1"/>
+          </a:fontRef>
+        </p:style>
+      </p:cxnSp>
+      <p:sp>
+        <p:nvSpPr>
+          <p:cNvPr id="29" name="Arc 28"/>
+          <p:cNvSpPr/>
+          <p:nvPr/>
+        </p:nvSpPr>
+        <p:spPr>
+          <a:xfrm rot="16452913">
+            <a:off x="2473475" y="3193454"/>
+            <a:ext cx="588397" cy="633889"/>
+          </a:xfrm>
+          <a:prstGeom prst="arc">
+            <a:avLst/>
+          </a:prstGeom>
+          <a:ln w="19050">
+            <a:solidFill>
+              <a:schemeClr val="tx1"/>
+            </a:solidFill>
+          </a:ln>
+        </p:spPr>
+        <p:style>
+          <a:lnRef idx="1">
+            <a:schemeClr val="accent1"/>
+          </a:lnRef>
+          <a:fillRef idx="0">
+            <a:schemeClr val="accent1"/>
+          </a:fillRef>
+          <a:effectRef idx="0">
+            <a:schemeClr val="accent1"/>
+          </a:effectRef>
+          <a:fontRef idx="minor">
+            <a:schemeClr val="tx1"/>
+          </a:fontRef>
+        </p:style>
+        <p:txBody>
+          <a:bodyPr rtlCol="0" anchor="ctr"/>
+          <a:lstStyle/>
+          <a:p>
+            <a:pPr algn="ctr"/>
+            <a:endParaRPr lang="en-US" dirty="0"/>
+          </a:p>
+        </p:txBody>
+      </p:sp>
+      <p:cxnSp>
+        <p:nvCxnSpPr>
+          <p:cNvPr id="16" name="Straight Connector 15"/>
+          <p:cNvCxnSpPr>
+            <a:cxnSpLocks/>
+          </p:cNvCxnSpPr>
+          <p:nvPr/>
+        </p:nvCxnSpPr>
+        <p:spPr>
+          <a:xfrm>
+            <a:off x="2463461" y="3487103"/>
+            <a:ext cx="0" cy="1720278"/>
+          </a:xfrm>
+          <a:prstGeom prst="line">
+            <a:avLst/>
+          </a:prstGeom>
+          <a:ln w="19050">
+            <a:solidFill>
+              <a:schemeClr val="tx1"/>
+            </a:solidFill>
+          </a:ln>
+        </p:spPr>
+        <p:style>
+          <a:lnRef idx="1">
+            <a:schemeClr val="accent1"/>
+          </a:lnRef>
+          <a:fillRef idx="0">
+            <a:schemeClr val="accent1"/>
+          </a:fillRef>
+          <a:effectRef idx="0">
+            <a:schemeClr val="accent1"/>
+          </a:effectRef>
+          <a:fontRef idx="minor">
+            <a:schemeClr val="tx1"/>
+          </a:fontRef>
+        </p:style>
+      </p:cxnSp>
+      <p:pic>
+        <p:nvPicPr>
+          <p:cNvPr id="8" name="Picture 7"/>
+          <p:cNvPicPr>
+            <a:picLocks noChangeAspect="1"/>
+          </p:cNvPicPr>
+          <p:nvPr/>
+        </p:nvPicPr>
+        <p:blipFill>
+          <a:blip r:embed="rId4" cstate="print">
+            <a:extLst>
+              <a:ext uri="{28A0092B-C50C-407E-A947-70E740481C1C}">
+                <a14:useLocalDpi xmlns:a14="http://schemas.microsoft.com/office/drawing/2010/main" val="0"/>
+              </a:ext>
+            </a:extLst>
+          </a:blip>
+          <a:stretch>
+            <a:fillRect/>
+          </a:stretch>
+        </p:blipFill>
+        <p:spPr>
+          <a:xfrm>
+            <a:off x="3647446" y="398024"/>
+            <a:ext cx="674022" cy="674022"/>
+          </a:xfrm>
+          <a:prstGeom prst="rect">
+            <a:avLst/>
+          </a:prstGeom>
+        </p:spPr>
+      </p:pic>
+      <p:sp>
+        <p:nvSpPr>
+          <p:cNvPr id="58" name="TextBox 57"/>
+          <p:cNvSpPr txBox="1"/>
+          <p:nvPr/>
+        </p:nvSpPr>
+        <p:spPr>
+          <a:xfrm>
+            <a:off x="5798401" y="1445670"/>
+            <a:ext cx="2873914" cy="938719"/>
+          </a:xfrm>
+          <a:prstGeom prst="rect">
+            <a:avLst/>
+          </a:prstGeom>
+          <a:noFill/>
+        </p:spPr>
+        <p:txBody>
+          <a:bodyPr wrap="square" rtlCol="0">
+            <a:spAutoFit/>
+          </a:bodyPr>
+          <a:lstStyle>
+            <a:defPPr>
+              <a:defRPr lang="sv-SE"/>
+            </a:defPPr>
+            <a:lvl1pPr>
+              <a:defRPr sz="1100">
+                <a:latin typeface="メイリオ" panose="020B0604030504040204" pitchFamily="50" charset="-128"/>
+                <a:ea typeface="メイリオ" panose="020B0604030504040204" pitchFamily="50" charset="-128"/>
+                <a:cs typeface="メイリオ" panose="020B0604030504040204" pitchFamily="50" charset="-128"/>
+              </a:defRPr>
+            </a:lvl1pPr>
+          </a:lstStyle>
+          <a:p>
+            <a:r>
+              <a:rPr lang="ja-JP" altLang="en-US" dirty="0" smtClean="0"/>
+              <a:t>クラウドサーバーへのアップロードもしくは、監査人を招き実地作業によりソースコードを監査人に渡します（実地の場合、スキャン実施にローカルサーバの準備が必要となります）。</a:t>
+            </a:r>
+            <a:endParaRPr lang="sv-SE" dirty="0"/>
+          </a:p>
+        </p:txBody>
+      </p:sp>
+      <p:sp>
+        <p:nvSpPr>
+          <p:cNvPr id="59" name="TextBox 58"/>
+          <p:cNvSpPr txBox="1"/>
+          <p:nvPr/>
+        </p:nvSpPr>
+        <p:spPr>
+          <a:xfrm>
+            <a:off x="5998816" y="1224552"/>
+            <a:ext cx="2617261" cy="276999"/>
+          </a:xfrm>
+          <a:prstGeom prst="rect">
+            <a:avLst/>
+          </a:prstGeom>
+          <a:noFill/>
+        </p:spPr>
+        <p:txBody>
+          <a:bodyPr wrap="square" rtlCol="0">
+            <a:spAutoFit/>
+          </a:bodyPr>
+          <a:lstStyle>
+            <a:defPPr>
+              <a:defRPr lang="sv-SE"/>
+            </a:defPPr>
+            <a:lvl1pPr algn="ctr">
+              <a:defRPr sz="1200" b="1">
+                <a:latin typeface="メイリオ" panose="020B0604030504040204" pitchFamily="50" charset="-128"/>
+                <a:ea typeface="メイリオ" panose="020B0604030504040204" pitchFamily="50" charset="-128"/>
+                <a:cs typeface="メイリオ" panose="020B0604030504040204" pitchFamily="50" charset="-128"/>
+              </a:defRPr>
+            </a:lvl1pPr>
+          </a:lstStyle>
+          <a:p>
+            <a:r>
+              <a:rPr lang="ja-JP" altLang="en-US" dirty="0" smtClean="0"/>
+              <a:t>監査人へのコードの送付</a:t>
+            </a:r>
+            <a:endParaRPr lang="sv-SE" dirty="0"/>
+          </a:p>
+        </p:txBody>
+      </p:sp>
+      <p:pic>
+        <p:nvPicPr>
+          <p:cNvPr id="65" name="Picture 64"/>
+          <p:cNvPicPr>
+            <a:picLocks noChangeAspect="1"/>
+          </p:cNvPicPr>
+          <p:nvPr/>
+        </p:nvPicPr>
+        <p:blipFill>
+          <a:blip r:embed="rId5" cstate="print">
+            <a:extLst>
+              <a:ext uri="{28A0092B-C50C-407E-A947-70E740481C1C}">
+                <a14:useLocalDpi xmlns:a14="http://schemas.microsoft.com/office/drawing/2010/main" val="0"/>
+              </a:ext>
+            </a:extLst>
+          </a:blip>
+          <a:stretch>
+            <a:fillRect/>
+          </a:stretch>
+        </p:blipFill>
+        <p:spPr>
+          <a:xfrm>
+            <a:off x="6601603" y="539323"/>
+            <a:ext cx="569047" cy="569047"/>
+          </a:xfrm>
+          <a:prstGeom prst="rect">
+            <a:avLst/>
+          </a:prstGeom>
+        </p:spPr>
+      </p:pic>
+      <p:pic>
+        <p:nvPicPr>
+          <p:cNvPr id="94" name="Picture 93"/>
+          <p:cNvPicPr>
+            <a:picLocks noChangeAspect="1"/>
+          </p:cNvPicPr>
+          <p:nvPr/>
+        </p:nvPicPr>
+        <p:blipFill>
+          <a:blip r:embed="rId6" cstate="print">
+            <a:extLst>
+              <a:ext uri="{28A0092B-C50C-407E-A947-70E740481C1C}">
+                <a14:useLocalDpi xmlns:a14="http://schemas.microsoft.com/office/drawing/2010/main" val="0"/>
+              </a:ext>
+            </a:extLst>
+          </a:blip>
+          <a:stretch>
+            <a:fillRect/>
+          </a:stretch>
+        </p:blipFill>
+        <p:spPr>
+          <a:xfrm>
+            <a:off x="7210738" y="465346"/>
+            <a:ext cx="325707" cy="325707"/>
+          </a:xfrm>
+          <a:prstGeom prst="rect">
+            <a:avLst/>
+          </a:prstGeom>
+        </p:spPr>
+      </p:pic>
+      <p:pic>
+        <p:nvPicPr>
+          <p:cNvPr id="88" name="Picture 87"/>
+          <p:cNvPicPr>
+            <a:picLocks noChangeAspect="1"/>
+          </p:cNvPicPr>
+          <p:nvPr/>
+        </p:nvPicPr>
+        <p:blipFill>
+          <a:blip r:embed="rId7"/>
+          <a:stretch>
+            <a:fillRect/>
+          </a:stretch>
+        </p:blipFill>
+        <p:spPr>
+          <a:xfrm rot="2749760">
+            <a:off x="6912477" y="596873"/>
+            <a:ext cx="377309" cy="342273"/>
+          </a:xfrm>
+          <a:prstGeom prst="rect">
+            <a:avLst/>
+          </a:prstGeom>
+        </p:spPr>
+      </p:pic>
+      <p:pic>
+        <p:nvPicPr>
+          <p:cNvPr id="48" name="Picture 47"/>
+          <p:cNvPicPr>
+            <a:picLocks noChangeAspect="1"/>
+          </p:cNvPicPr>
+          <p:nvPr/>
+        </p:nvPicPr>
+        <p:blipFill>
+          <a:blip r:embed="rId8" cstate="print">
+            <a:extLst>
+              <a:ext uri="{28A0092B-C50C-407E-A947-70E740481C1C}">
+                <a14:useLocalDpi xmlns:a14="http://schemas.microsoft.com/office/drawing/2010/main" val="0"/>
+              </a:ext>
+            </a:extLst>
+          </a:blip>
+          <a:stretch>
+            <a:fillRect/>
+          </a:stretch>
+        </p:blipFill>
+        <p:spPr>
+          <a:xfrm>
+            <a:off x="6816845" y="2456549"/>
+            <a:ext cx="761204" cy="761204"/>
+          </a:xfrm>
+          <a:prstGeom prst="rect">
+            <a:avLst/>
+          </a:prstGeom>
+        </p:spPr>
+      </p:pic>
+      <p:sp>
+        <p:nvSpPr>
+          <p:cNvPr id="53" name="TextBox 52"/>
+          <p:cNvSpPr txBox="1"/>
+          <p:nvPr/>
+        </p:nvSpPr>
+        <p:spPr>
+          <a:xfrm>
+            <a:off x="6336386" y="3241240"/>
+            <a:ext cx="1797945" cy="276999"/>
+          </a:xfrm>
+          <a:prstGeom prst="rect">
+            <a:avLst/>
+          </a:prstGeom>
+          <a:noFill/>
+        </p:spPr>
+        <p:txBody>
+          <a:bodyPr wrap="square" rtlCol="0">
+            <a:spAutoFit/>
+          </a:bodyPr>
+          <a:lstStyle>
+            <a:defPPr>
+              <a:defRPr lang="sv-SE"/>
+            </a:defPPr>
+            <a:lvl1pPr algn="ctr">
+              <a:defRPr sz="1200" b="1">
+                <a:latin typeface="メイリオ" panose="020B0604030504040204" pitchFamily="50" charset="-128"/>
+                <a:ea typeface="メイリオ" panose="020B0604030504040204" pitchFamily="50" charset="-128"/>
+                <a:cs typeface="メイリオ" panose="020B0604030504040204" pitchFamily="50" charset="-128"/>
+              </a:defRPr>
+            </a:lvl1pPr>
+          </a:lstStyle>
+          <a:p>
+            <a:r>
+              <a:rPr lang="ja-JP" altLang="en-US" dirty="0" smtClean="0"/>
+              <a:t>監査の実行</a:t>
+            </a:r>
+            <a:endParaRPr lang="sv-SE" dirty="0"/>
+          </a:p>
+        </p:txBody>
+      </p:sp>
+      <p:sp>
+        <p:nvSpPr>
+          <p:cNvPr id="64" name="TextBox 63"/>
+          <p:cNvSpPr txBox="1"/>
+          <p:nvPr/>
+        </p:nvSpPr>
+        <p:spPr>
+          <a:xfrm>
+            <a:off x="5759364" y="3467762"/>
+            <a:ext cx="3173660" cy="784830"/>
+          </a:xfrm>
+          <a:prstGeom prst="rect">
+            <a:avLst/>
+          </a:prstGeom>
+          <a:noFill/>
+        </p:spPr>
+        <p:txBody>
+          <a:bodyPr wrap="square" rtlCol="0">
+            <a:spAutoFit/>
+          </a:bodyPr>
+          <a:lstStyle>
+            <a:defPPr>
+              <a:defRPr lang="sv-SE"/>
+            </a:defPPr>
+            <a:lvl1pPr>
+              <a:defRPr sz="1100">
+                <a:latin typeface="メイリオ" panose="020B0604030504040204" pitchFamily="50" charset="-128"/>
+                <a:ea typeface="メイリオ" panose="020B0604030504040204" pitchFamily="50" charset="-128"/>
+                <a:cs typeface="メイリオ" panose="020B0604030504040204" pitchFamily="50" charset="-128"/>
+              </a:defRPr>
+            </a:lvl1pPr>
+          </a:lstStyle>
+          <a:p>
+            <a:r>
+              <a:rPr lang="ja-JP" altLang="en-US" dirty="0"/>
+              <a:t>監査人はコードベースに対し監査を実施します。彼らは、オープンソースでない、コンポーネントから、オープンソースのコンポーネント、スニペットの起源やライセンスを特定します</a:t>
+            </a:r>
+            <a:r>
+              <a:rPr lang="en-US" altLang="ja-JP" dirty="0">
+                <a:solidFill>
+                  <a:srgbClr val="FF0000"/>
+                </a:solidFill>
+              </a:rPr>
+              <a:t>* </a:t>
+            </a:r>
+            <a:r>
+              <a:rPr lang="ja-JP" altLang="en-US" dirty="0" err="1"/>
+              <a:t>。</a:t>
+            </a:r>
+            <a:endParaRPr lang="sv-SE" dirty="0"/>
+          </a:p>
+        </p:txBody>
+      </p:sp>
+      <p:grpSp>
+        <p:nvGrpSpPr>
+          <p:cNvPr id="4" name="Group 3"/>
+          <p:cNvGrpSpPr/>
+          <p:nvPr/>
+        </p:nvGrpSpPr>
+        <p:grpSpPr>
+          <a:xfrm>
+            <a:off x="3573261" y="2455321"/>
+            <a:ext cx="711813" cy="657309"/>
+            <a:chOff x="4552630" y="2268979"/>
+            <a:chExt cx="788638" cy="798292"/>
+          </a:xfrm>
+        </p:grpSpPr>
+        <p:pic>
+          <p:nvPicPr>
+            <p:cNvPr id="67" name="Picture 66"/>
+            <p:cNvPicPr>
+              <a:picLocks noChangeAspect="1"/>
+            </p:cNvPicPr>
+            <p:nvPr/>
+          </p:nvPicPr>
+          <p:blipFill>
+            <a:blip r:embed="rId9" cstate="print">
+              <a:extLst>
+                <a:ext uri="{28A0092B-C50C-407E-A947-70E740481C1C}">
+                  <a14:useLocalDpi xmlns:a14="http://schemas.microsoft.com/office/drawing/2010/main" val="0"/>
+                </a:ext>
+              </a:extLst>
+            </a:blip>
+            <a:stretch>
+              <a:fillRect/>
+            </a:stretch>
+          </p:blipFill>
+          <p:spPr>
+            <a:xfrm>
+              <a:off x="4552630" y="2345745"/>
+              <a:ext cx="721526" cy="721526"/>
+            </a:xfrm>
+            <a:prstGeom prst="rect">
+              <a:avLst/>
+            </a:prstGeom>
+          </p:spPr>
+        </p:pic>
+        <p:pic>
+          <p:nvPicPr>
+            <p:cNvPr id="68" name="Picture 67"/>
+            <p:cNvPicPr>
+              <a:picLocks noChangeAspect="1"/>
+            </p:cNvPicPr>
+            <p:nvPr/>
+          </p:nvPicPr>
+          <p:blipFill>
+            <a:blip r:embed="rId10" cstate="print">
+              <a:extLst>
+                <a:ext uri="{28A0092B-C50C-407E-A947-70E740481C1C}">
+                  <a14:useLocalDpi xmlns:a14="http://schemas.microsoft.com/office/drawing/2010/main" val="0"/>
+                </a:ext>
+              </a:extLst>
+            </a:blip>
+            <a:stretch>
+              <a:fillRect/>
+            </a:stretch>
+          </p:blipFill>
+          <p:spPr>
+            <a:xfrm>
+              <a:off x="4938559" y="2268979"/>
+              <a:ext cx="402709" cy="402709"/>
+            </a:xfrm>
+            <a:prstGeom prst="rect">
+              <a:avLst/>
+            </a:prstGeom>
+          </p:spPr>
+        </p:pic>
+      </p:grpSp>
+      <p:pic>
+        <p:nvPicPr>
+          <p:cNvPr id="74" name="Picture 73"/>
+          <p:cNvPicPr>
+            <a:picLocks noChangeAspect="1"/>
+          </p:cNvPicPr>
+          <p:nvPr/>
+        </p:nvPicPr>
+        <p:blipFill>
+          <a:blip r:embed="rId11" cstate="print">
+            <a:extLst>
+              <a:ext uri="{28A0092B-C50C-407E-A947-70E740481C1C}">
+                <a14:useLocalDpi xmlns:a14="http://schemas.microsoft.com/office/drawing/2010/main" val="0"/>
+              </a:ext>
+            </a:extLst>
+          </a:blip>
+          <a:stretch>
+            <a:fillRect/>
+          </a:stretch>
+        </p:blipFill>
+        <p:spPr>
+          <a:xfrm>
+            <a:off x="3680976" y="4821479"/>
+            <a:ext cx="570655" cy="570655"/>
+          </a:xfrm>
+          <a:prstGeom prst="rect">
+            <a:avLst/>
+          </a:prstGeom>
+        </p:spPr>
+      </p:pic>
+      <p:sp>
+        <p:nvSpPr>
+          <p:cNvPr id="21" name="Rounded Rectangle 20"/>
+          <p:cNvSpPr/>
+          <p:nvPr/>
+        </p:nvSpPr>
+        <p:spPr>
+          <a:xfrm>
+            <a:off x="2021718" y="869547"/>
+            <a:ext cx="738466" cy="566057"/>
+          </a:xfrm>
+          <a:prstGeom prst="roundRect">
+            <a:avLst/>
+          </a:prstGeom>
+          <a:ln w="28575">
+            <a:solidFill>
+              <a:srgbClr val="2CA4F2"/>
+            </a:solidFill>
+          </a:ln>
+        </p:spPr>
+        <p:style>
+          <a:lnRef idx="2">
+            <a:schemeClr val="accent1"/>
+          </a:lnRef>
+          <a:fillRef idx="1">
+            <a:schemeClr val="lt1"/>
+          </a:fillRef>
+          <a:effectRef idx="0">
+            <a:schemeClr val="accent1"/>
+          </a:effectRef>
+          <a:fontRef idx="minor">
+            <a:schemeClr val="dk1"/>
+          </a:fontRef>
+        </p:style>
+        <p:txBody>
+          <a:bodyPr rtlCol="0" anchor="ctr"/>
+          <a:lstStyle/>
+          <a:p>
+            <a:pPr algn="ctr"/>
+            <a:r>
+              <a:rPr lang="ja-JP" altLang="en-US" sz="1400" b="1" dirty="0">
+                <a:solidFill>
+                  <a:schemeClr val="dk1"/>
+                </a:solidFill>
+                <a:latin typeface="メイリオ" panose="020B0604030504040204" pitchFamily="50" charset="-128"/>
+                <a:ea typeface="メイリオ" panose="020B0604030504040204" pitchFamily="50" charset="-128"/>
+                <a:cs typeface="メイリオ" panose="020B0604030504040204" pitchFamily="50" charset="-128"/>
+              </a:rPr>
+              <a:t>開始</a:t>
+            </a:r>
+            <a:endParaRPr lang="en-US" sz="1400" b="1" dirty="0">
+              <a:solidFill>
+                <a:schemeClr val="dk1"/>
+              </a:solidFill>
+              <a:latin typeface="メイリオ" panose="020B0604030504040204" pitchFamily="50" charset="-128"/>
+              <a:ea typeface="メイリオ" panose="020B0604030504040204" pitchFamily="50" charset="-128"/>
+              <a:cs typeface="メイリオ" panose="020B0604030504040204" pitchFamily="50" charset="-128"/>
+            </a:endParaRPr>
+          </a:p>
+        </p:txBody>
+      </p:sp>
+      <p:pic>
+        <p:nvPicPr>
+          <p:cNvPr id="32" name="Picture 2" descr="http://carrot-top.com/media/catalog/product/cache/1/image/9df78eab33525d08d6e5fb8d27136e95/a/s/as150_checkered.jpg"/>
+          <p:cNvPicPr>
+            <a:picLocks noChangeAspect="1" noChangeArrowheads="1"/>
+          </p:cNvPicPr>
+          <p:nvPr/>
+        </p:nvPicPr>
+        <p:blipFill>
+          <a:blip r:embed="rId12" cstate="print">
+            <a:extLst>
+              <a:ext uri="{28A0092B-C50C-407E-A947-70E740481C1C}">
+                <a14:useLocalDpi xmlns:a14="http://schemas.microsoft.com/office/drawing/2010/main" val="0"/>
+              </a:ext>
+            </a:extLst>
+          </a:blip>
+          <a:srcRect/>
+          <a:stretch>
+            <a:fillRect/>
+          </a:stretch>
+        </p:blipFill>
+        <p:spPr bwMode="auto">
+          <a:xfrm>
+            <a:off x="5523415" y="4535578"/>
+            <a:ext cx="740229" cy="740229"/>
+          </a:xfrm>
+          <a:prstGeom prst="rect">
+            <a:avLst/>
+          </a:prstGeom>
+          <a:noFill/>
+          <a:extLst>
+            <a:ext uri="{909E8E84-426E-40DD-AFC4-6F175D3DCCD1}">
+              <a14:hiddenFill xmlns:a14="http://schemas.microsoft.com/office/drawing/2010/main">
+                <a:solidFill>
+                  <a:srgbClr val="FFFFFF"/>
+                </a:solidFill>
+              </a14:hiddenFill>
+            </a:ext>
+          </a:extLst>
+        </p:spPr>
+      </p:pic>
+      <p:sp>
+        <p:nvSpPr>
+          <p:cNvPr id="33" name="Isosceles Triangle 32"/>
+          <p:cNvSpPr/>
+          <p:nvPr/>
+        </p:nvSpPr>
+        <p:spPr>
+          <a:xfrm rot="10800000">
+            <a:off x="8737080" y="2018970"/>
+            <a:ext cx="391886" cy="393374"/>
+          </a:xfrm>
+          <a:prstGeom prst="triangle">
+            <a:avLst/>
+          </a:prstGeom>
+          <a:solidFill>
+            <a:srgbClr val="2CA4F2"/>
+          </a:solidFill>
+          <a:ln w="28575">
+            <a:solidFill>
+              <a:schemeClr val="tx1"/>
+            </a:solidFill>
+          </a:ln>
+        </p:spPr>
+        <p:style>
+          <a:lnRef idx="2">
+            <a:schemeClr val="accent1">
+              <a:shade val="50000"/>
+            </a:schemeClr>
+          </a:lnRef>
+          <a:fillRef idx="1">
+            <a:schemeClr val="accent1"/>
+          </a:fillRef>
+          <a:effectRef idx="0">
+            <a:schemeClr val="accent1"/>
+          </a:effectRef>
+          <a:fontRef idx="minor">
+            <a:schemeClr val="lt1"/>
+          </a:fontRef>
+        </p:style>
+        <p:txBody>
+          <a:bodyPr rtlCol="0" anchor="ctr"/>
+          <a:lstStyle/>
+          <a:p>
+            <a:pPr algn="ctr"/>
+            <a:endParaRPr lang="en-US"/>
+          </a:p>
+        </p:txBody>
+      </p:sp>
+      <p:sp>
+        <p:nvSpPr>
+          <p:cNvPr id="35" name="Isosceles Triangle 34"/>
+          <p:cNvSpPr/>
+          <p:nvPr/>
+        </p:nvSpPr>
+        <p:spPr>
+          <a:xfrm rot="10800000">
+            <a:off x="2264017" y="4332186"/>
+            <a:ext cx="391886" cy="393374"/>
+          </a:xfrm>
+          <a:prstGeom prst="triangle">
+            <a:avLst/>
+          </a:prstGeom>
+          <a:solidFill>
+            <a:srgbClr val="2CA4F2"/>
+          </a:solidFill>
+          <a:ln w="28575">
+            <a:solidFill>
+              <a:schemeClr val="tx1"/>
+            </a:solidFill>
+          </a:ln>
+        </p:spPr>
+        <p:style>
+          <a:lnRef idx="2">
+            <a:schemeClr val="accent1">
+              <a:shade val="50000"/>
+            </a:schemeClr>
+          </a:lnRef>
+          <a:fillRef idx="1">
+            <a:schemeClr val="accent1"/>
+          </a:fillRef>
+          <a:effectRef idx="0">
+            <a:schemeClr val="accent1"/>
+          </a:effectRef>
+          <a:fontRef idx="minor">
+            <a:schemeClr val="lt1"/>
+          </a:fontRef>
+        </p:style>
+        <p:txBody>
+          <a:bodyPr rtlCol="0" anchor="ctr"/>
+          <a:lstStyle/>
+          <a:p>
+            <a:pPr algn="ctr"/>
+            <a:endParaRPr lang="en-US"/>
+          </a:p>
+        </p:txBody>
+      </p:sp>
+      <p:pic>
+        <p:nvPicPr>
+          <p:cNvPr id="36" name="Graphic 46"/>
+          <p:cNvPicPr>
+            <a:picLocks noChangeAspect="1"/>
+          </p:cNvPicPr>
+          <p:nvPr/>
+        </p:nvPicPr>
+        <p:blipFill>
+          <a:blip r:embed="rId13" cstate="print">
+            <a:extLst>
+              <a:ext uri="{28A0092B-C50C-407E-A947-70E740481C1C}">
+                <a14:useLocalDpi xmlns:a14="http://schemas.microsoft.com/office/drawing/2010/main" val="0"/>
+              </a:ext>
+              <a:ext uri="{96DAC541-7B7A-43D3-8B79-37D633B846F1}">
+                <asvg:svgBlip xmlns:asvg="http://schemas.microsoft.com/office/drawing/2016/SVG/main" xmlns="" r:embed="rId25"/>
+              </a:ext>
+            </a:extLst>
+          </a:blip>
+          <a:stretch>
+            <a:fillRect/>
+          </a:stretch>
+        </p:blipFill>
+        <p:spPr>
+          <a:xfrm>
+            <a:off x="7061566" y="2890048"/>
+            <a:ext cx="271762" cy="271762"/>
+          </a:xfrm>
+          <a:prstGeom prst="rect">
+            <a:avLst/>
+          </a:prstGeom>
+        </p:spPr>
+      </p:pic>
+      <p:cxnSp>
+        <p:nvCxnSpPr>
+          <p:cNvPr id="39" name="Straight Connector 38"/>
+          <p:cNvCxnSpPr>
+            <a:cxnSpLocks/>
+          </p:cNvCxnSpPr>
+          <p:nvPr/>
+        </p:nvCxnSpPr>
+        <p:spPr>
+          <a:xfrm flipH="1">
+            <a:off x="2725707" y="5502285"/>
+            <a:ext cx="2797708" cy="0"/>
+          </a:xfrm>
+          <a:prstGeom prst="line">
+            <a:avLst/>
+          </a:prstGeom>
+          <a:ln w="19050">
+            <a:solidFill>
+              <a:schemeClr val="tx1"/>
+            </a:solidFill>
+          </a:ln>
+        </p:spPr>
+        <p:style>
+          <a:lnRef idx="1">
+            <a:schemeClr val="accent1"/>
+          </a:lnRef>
+          <a:fillRef idx="0">
+            <a:schemeClr val="accent1"/>
+          </a:fillRef>
+          <a:effectRef idx="0">
+            <a:schemeClr val="accent1"/>
+          </a:effectRef>
+          <a:fontRef idx="minor">
+            <a:schemeClr val="tx1"/>
+          </a:fontRef>
+        </p:style>
+      </p:cxnSp>
+      <p:sp>
+        <p:nvSpPr>
+          <p:cNvPr id="42" name="TextBox 41"/>
+          <p:cNvSpPr txBox="1"/>
+          <p:nvPr/>
+        </p:nvSpPr>
+        <p:spPr>
+          <a:xfrm>
+            <a:off x="6816845" y="5833683"/>
+            <a:ext cx="2116178" cy="530915"/>
+          </a:xfrm>
+          <a:prstGeom prst="rect">
+            <a:avLst/>
+          </a:prstGeom>
+          <a:noFill/>
+          <a:ln w="12700">
+            <a:solidFill>
+              <a:schemeClr val="tx1">
+                <a:lumMod val="50000"/>
+                <a:lumOff val="50000"/>
+              </a:schemeClr>
+            </a:solidFill>
+            <a:prstDash val="sysDash"/>
+          </a:ln>
+        </p:spPr>
+        <p:txBody>
+          <a:bodyPr wrap="square" rtlCol="0">
+            <a:spAutoFit/>
+          </a:bodyPr>
+          <a:lstStyle/>
+          <a:p>
+            <a:r>
+              <a:rPr lang="en-US" sz="1050" i="1" dirty="0" smtClean="0">
+                <a:solidFill>
+                  <a:srgbClr val="FF0000"/>
+                </a:solidFill>
+                <a:latin typeface="メイリオ" panose="020B0604030504040204" pitchFamily="50" charset="-128"/>
+                <a:ea typeface="メイリオ" panose="020B0604030504040204" pitchFamily="50" charset="-128"/>
+                <a:cs typeface="メイリオ" panose="020B0604030504040204" pitchFamily="50" charset="-128"/>
+              </a:rPr>
+              <a:t>*</a:t>
+            </a:r>
+            <a:r>
+              <a:rPr lang="en-US" sz="900" i="1" dirty="0" smtClean="0">
+                <a:solidFill>
+                  <a:srgbClr val="FF0000"/>
+                </a:solidFill>
+                <a:latin typeface="メイリオ" panose="020B0604030504040204" pitchFamily="50" charset="-128"/>
+                <a:ea typeface="メイリオ" panose="020B0604030504040204" pitchFamily="50" charset="-128"/>
+                <a:cs typeface="メイリオ" panose="020B0604030504040204" pitchFamily="50" charset="-128"/>
+              </a:rPr>
+              <a:t> </a:t>
+            </a:r>
+            <a:r>
+              <a:rPr lang="ja-JP" altLang="en-US" sz="900" i="1" dirty="0" smtClean="0">
+                <a:latin typeface="メイリオ" panose="020B0604030504040204" pitchFamily="50" charset="-128"/>
+                <a:ea typeface="メイリオ" panose="020B0604030504040204" pitchFamily="50" charset="-128"/>
+                <a:cs typeface="メイリオ" panose="020B0604030504040204" pitchFamily="50" charset="-128"/>
+              </a:rPr>
+              <a:t>監査人によって対応できないものがあります。監査サービスプロバイダに確認ください。</a:t>
+            </a:r>
+            <a:endParaRPr lang="en-US" sz="900" i="1" dirty="0" smtClean="0">
+              <a:latin typeface="メイリオ" panose="020B0604030504040204" pitchFamily="50" charset="-128"/>
+              <a:ea typeface="メイリオ" panose="020B0604030504040204" pitchFamily="50" charset="-128"/>
+              <a:cs typeface="メイリオ" panose="020B0604030504040204" pitchFamily="50" charset="-128"/>
+            </a:endParaRPr>
+          </a:p>
+        </p:txBody>
+      </p:sp>
+      <p:sp>
+        <p:nvSpPr>
+          <p:cNvPr id="49" name="Rounded Rectangle 48"/>
+          <p:cNvSpPr/>
+          <p:nvPr/>
+        </p:nvSpPr>
+        <p:spPr>
+          <a:xfrm>
+            <a:off x="5523415" y="5207381"/>
+            <a:ext cx="602067" cy="566057"/>
+          </a:xfrm>
+          <a:prstGeom prst="roundRect">
+            <a:avLst/>
+          </a:prstGeom>
+          <a:ln w="28575">
+            <a:solidFill>
+              <a:srgbClr val="2CA4F2"/>
+            </a:solidFill>
+          </a:ln>
+        </p:spPr>
+        <p:style>
+          <a:lnRef idx="2">
+            <a:schemeClr val="accent1"/>
+          </a:lnRef>
+          <a:fillRef idx="1">
+            <a:schemeClr val="lt1"/>
+          </a:fillRef>
+          <a:effectRef idx="0">
+            <a:schemeClr val="accent1"/>
+          </a:effectRef>
+          <a:fontRef idx="minor">
+            <a:schemeClr val="dk1"/>
+          </a:fontRef>
+        </p:style>
+        <p:txBody>
+          <a:bodyPr rtlCol="0" anchor="ctr"/>
+          <a:lstStyle/>
+          <a:p>
+            <a:pPr algn="ctr"/>
+            <a:r>
+              <a:rPr lang="ja-JP" altLang="en-US" sz="1400" b="1" dirty="0">
+                <a:latin typeface="メイリオ" panose="020B0604030504040204" pitchFamily="50" charset="-128"/>
+                <a:ea typeface="メイリオ" panose="020B0604030504040204" pitchFamily="50" charset="-128"/>
+                <a:cs typeface="メイリオ" panose="020B0604030504040204" pitchFamily="50" charset="-128"/>
+              </a:rPr>
+              <a:t>終了</a:t>
+            </a:r>
+            <a:endParaRPr lang="en-US" sz="1400" b="1" dirty="0">
+              <a:solidFill>
+                <a:schemeClr val="dk1"/>
+              </a:solidFill>
+              <a:latin typeface="メイリオ" panose="020B0604030504040204" pitchFamily="50" charset="-128"/>
+              <a:ea typeface="メイリオ" panose="020B0604030504040204" pitchFamily="50" charset="-128"/>
+              <a:cs typeface="メイリオ" panose="020B0604030504040204" pitchFamily="50" charset="-128"/>
+            </a:endParaRPr>
+          </a:p>
+        </p:txBody>
+      </p:sp>
+      <p:sp>
+        <p:nvSpPr>
+          <p:cNvPr id="43" name="TextBox 39"/>
+          <p:cNvSpPr txBox="1"/>
+          <p:nvPr/>
+        </p:nvSpPr>
+        <p:spPr>
+          <a:xfrm>
+            <a:off x="2896935" y="1445670"/>
+            <a:ext cx="2485216" cy="600164"/>
+          </a:xfrm>
+          <a:prstGeom prst="rect">
+            <a:avLst/>
+          </a:prstGeom>
+          <a:noFill/>
+        </p:spPr>
+        <p:txBody>
+          <a:bodyPr wrap="square" rtlCol="0">
+            <a:spAutoFit/>
+          </a:bodyPr>
+          <a:lstStyle/>
+          <a:p>
+            <a:r>
+              <a:rPr lang="ja-JP" altLang="en-US" sz="1100" dirty="0" smtClean="0">
+                <a:latin typeface="メイリオ" panose="020B0604030504040204" pitchFamily="50" charset="-128"/>
+                <a:ea typeface="メイリオ" panose="020B0604030504040204" pitchFamily="50" charset="-128"/>
+                <a:cs typeface="メイリオ" panose="020B0604030504040204" pitchFamily="50" charset="-128"/>
+              </a:rPr>
+              <a:t>プロジェクトをキックオフし、すべての関係組織の窓口担当を紹介し換算に関する詳細情報を伝えます。</a:t>
+            </a:r>
+            <a:endParaRPr lang="sv-SE" sz="1100" dirty="0">
+              <a:latin typeface="メイリオ" panose="020B0604030504040204" pitchFamily="50" charset="-128"/>
+              <a:ea typeface="メイリオ" panose="020B0604030504040204" pitchFamily="50" charset="-128"/>
+              <a:cs typeface="メイリオ" panose="020B0604030504040204" pitchFamily="50" charset="-128"/>
+            </a:endParaRPr>
+          </a:p>
+        </p:txBody>
+      </p:sp>
+      <p:sp>
+        <p:nvSpPr>
+          <p:cNvPr id="44" name="TextBox 40"/>
+          <p:cNvSpPr txBox="1"/>
+          <p:nvPr/>
+        </p:nvSpPr>
+        <p:spPr>
+          <a:xfrm>
+            <a:off x="2906483" y="1224552"/>
+            <a:ext cx="2397260" cy="276999"/>
+          </a:xfrm>
+          <a:prstGeom prst="rect">
+            <a:avLst/>
+          </a:prstGeom>
+          <a:noFill/>
+        </p:spPr>
+        <p:txBody>
+          <a:bodyPr wrap="square" rtlCol="0">
+            <a:spAutoFit/>
+          </a:bodyPr>
+          <a:lstStyle/>
+          <a:p>
+            <a:pPr algn="ctr"/>
+            <a:r>
+              <a:rPr lang="ja-JP" altLang="en-US" sz="1200" b="1" dirty="0" smtClean="0">
+                <a:latin typeface="メイリオ" panose="020B0604030504040204" pitchFamily="50" charset="-128"/>
+                <a:ea typeface="メイリオ" panose="020B0604030504040204" pitchFamily="50" charset="-128"/>
+                <a:cs typeface="メイリオ" panose="020B0604030504040204" pitchFamily="50" charset="-128"/>
+              </a:rPr>
+              <a:t>立ち上げ時招集、ミーティング</a:t>
+            </a:r>
+            <a:endParaRPr lang="sv-SE" sz="1200" b="1" dirty="0">
+              <a:latin typeface="メイリオ" panose="020B0604030504040204" pitchFamily="50" charset="-128"/>
+              <a:ea typeface="メイリオ" panose="020B0604030504040204" pitchFamily="50" charset="-128"/>
+              <a:cs typeface="メイリオ" panose="020B0604030504040204" pitchFamily="50" charset="-128"/>
+            </a:endParaRPr>
+          </a:p>
+        </p:txBody>
+      </p:sp>
+      <p:sp>
+        <p:nvSpPr>
+          <p:cNvPr id="45" name="テキスト ボックス 44"/>
+          <p:cNvSpPr txBox="1"/>
+          <p:nvPr/>
+        </p:nvSpPr>
+        <p:spPr>
+          <a:xfrm>
+            <a:off x="152400" y="499987"/>
+            <a:ext cx="569387" cy="369332"/>
+          </a:xfrm>
+          <a:prstGeom prst="rect">
+            <a:avLst/>
+          </a:prstGeom>
+          <a:noFill/>
+        </p:spPr>
+        <p:txBody>
+          <a:bodyPr wrap="none" rtlCol="0">
+            <a:spAutoFit/>
+          </a:bodyPr>
+          <a:lstStyle/>
+          <a:p>
+            <a:r>
+              <a:rPr kumimoji="1" lang="en-US" altLang="ja-JP" dirty="0" smtClean="0"/>
+              <a:t>Fig6</a:t>
+            </a:r>
+            <a:endParaRPr kumimoji="1" lang="ja-JP" altLang="en-US" dirty="0"/>
+          </a:p>
+        </p:txBody>
+      </p:sp>
+      <p:sp>
+        <p:nvSpPr>
+          <p:cNvPr id="46" name="TextBox 72"/>
+          <p:cNvSpPr txBox="1"/>
+          <p:nvPr/>
+        </p:nvSpPr>
+        <p:spPr>
+          <a:xfrm>
+            <a:off x="2859457" y="5698487"/>
+            <a:ext cx="2277107" cy="769441"/>
+          </a:xfrm>
+          <a:prstGeom prst="rect">
+            <a:avLst/>
+          </a:prstGeom>
+          <a:noFill/>
+        </p:spPr>
+        <p:txBody>
+          <a:bodyPr wrap="square" rtlCol="0">
+            <a:spAutoFit/>
+          </a:bodyPr>
+          <a:lstStyle>
+            <a:defPPr>
+              <a:defRPr lang="sv-SE"/>
+            </a:defPPr>
+            <a:lvl1pPr>
+              <a:defRPr sz="1100">
+                <a:latin typeface="メイリオ" panose="020B0604030504040204" pitchFamily="50" charset="-128"/>
+                <a:ea typeface="メイリオ" panose="020B0604030504040204" pitchFamily="50" charset="-128"/>
+                <a:cs typeface="メイリオ" panose="020B0604030504040204" pitchFamily="50" charset="-128"/>
+              </a:defRPr>
+            </a:lvl1pPr>
+          </a:lstStyle>
+          <a:p>
+            <a:r>
+              <a:rPr lang="ja-JP" altLang="en-US" dirty="0"/>
+              <a:t>正式に監査結果が将来の買収先へと提示するための最終的な場を開催し、質疑やりとりを</a:t>
+            </a:r>
+            <a:r>
+              <a:rPr lang="ja-JP" altLang="en-US" dirty="0" smtClean="0"/>
+              <a:t>実施</a:t>
+            </a:r>
+            <a:r>
+              <a:rPr lang="ja-JP" altLang="en-US" dirty="0"/>
+              <a:t>します</a:t>
+            </a:r>
+            <a:r>
+              <a:rPr lang="ja-JP" altLang="en-US" dirty="0" smtClean="0"/>
+              <a:t>。</a:t>
+            </a:r>
+            <a:endParaRPr lang="sv-SE" dirty="0"/>
+          </a:p>
+        </p:txBody>
+      </p:sp>
+      <p:sp>
+        <p:nvSpPr>
+          <p:cNvPr id="50" name="TextBox 73"/>
+          <p:cNvSpPr txBox="1"/>
+          <p:nvPr/>
+        </p:nvSpPr>
+        <p:spPr>
+          <a:xfrm>
+            <a:off x="3130946" y="5525162"/>
+            <a:ext cx="1707022" cy="276999"/>
+          </a:xfrm>
+          <a:prstGeom prst="rect">
+            <a:avLst/>
+          </a:prstGeom>
+          <a:noFill/>
+        </p:spPr>
+        <p:txBody>
+          <a:bodyPr wrap="square" rtlCol="0">
+            <a:spAutoFit/>
+          </a:bodyPr>
+          <a:lstStyle>
+            <a:defPPr>
+              <a:defRPr lang="sv-SE"/>
+            </a:defPPr>
+            <a:lvl1pPr algn="ctr">
+              <a:defRPr sz="1200" b="1">
+                <a:latin typeface="メイリオ" panose="020B0604030504040204" pitchFamily="50" charset="-128"/>
+                <a:ea typeface="メイリオ" panose="020B0604030504040204" pitchFamily="50" charset="-128"/>
+                <a:cs typeface="メイリオ" panose="020B0604030504040204" pitchFamily="50" charset="-128"/>
+              </a:defRPr>
+            </a:lvl1pPr>
+          </a:lstStyle>
+          <a:p>
+            <a:r>
+              <a:rPr lang="ja-JP" altLang="en-US" dirty="0"/>
+              <a:t>最終的</a:t>
+            </a:r>
+            <a:r>
+              <a:rPr lang="ja-JP" altLang="en-US" dirty="0" smtClean="0"/>
+              <a:t>な招集</a:t>
+            </a:r>
+            <a:endParaRPr lang="sv-SE" dirty="0"/>
+          </a:p>
+        </p:txBody>
+      </p:sp>
+      <p:sp>
+        <p:nvSpPr>
+          <p:cNvPr id="55" name="TextBox 78"/>
+          <p:cNvSpPr txBox="1"/>
+          <p:nvPr/>
+        </p:nvSpPr>
+        <p:spPr>
+          <a:xfrm>
+            <a:off x="2866861" y="3467762"/>
+            <a:ext cx="2527676" cy="969496"/>
+          </a:xfrm>
+          <a:prstGeom prst="rect">
+            <a:avLst/>
+          </a:prstGeom>
+          <a:noFill/>
+        </p:spPr>
+        <p:txBody>
+          <a:bodyPr wrap="square" rtlCol="0">
+            <a:spAutoFit/>
+          </a:bodyPr>
+          <a:lstStyle>
+            <a:defPPr>
+              <a:defRPr lang="sv-SE"/>
+            </a:defPPr>
+            <a:lvl1pPr>
+              <a:defRPr sz="1100">
+                <a:latin typeface="メイリオ" panose="020B0604030504040204" pitchFamily="50" charset="-128"/>
+                <a:ea typeface="メイリオ" panose="020B0604030504040204" pitchFamily="50" charset="-128"/>
+                <a:cs typeface="メイリオ" panose="020B0604030504040204" pitchFamily="50" charset="-128"/>
+              </a:defRPr>
+            </a:lvl1pPr>
+          </a:lstStyle>
+          <a:p>
+            <a:r>
+              <a:rPr lang="ja-JP" altLang="en-US" dirty="0"/>
+              <a:t>対象企業とのレビュー後、最終的なレポートが将来の買収企業へレポートが、部品表（</a:t>
+            </a:r>
+            <a:r>
+              <a:rPr lang="en-US" altLang="ja-JP" dirty="0"/>
+              <a:t>Bill of Materials</a:t>
+            </a:r>
+            <a:r>
+              <a:rPr lang="ja-JP" altLang="en-US" dirty="0"/>
+              <a:t>）、</a:t>
+            </a:r>
+            <a:r>
+              <a:rPr lang="en-US" altLang="ja-JP" dirty="0"/>
+              <a:t>SPDX</a:t>
+            </a:r>
+            <a:r>
+              <a:rPr lang="ja-JP" altLang="en-US" dirty="0" err="1"/>
+              <a:t>、</a:t>
+            </a:r>
+            <a:r>
+              <a:rPr lang="ja-JP" altLang="en-US" dirty="0"/>
+              <a:t>エグゼクティブサマリと併せ送付</a:t>
+            </a:r>
+            <a:r>
+              <a:rPr lang="ja-JP" altLang="en-US" dirty="0" smtClean="0"/>
+              <a:t>されます。</a:t>
+            </a:r>
+            <a:endParaRPr lang="sv-SE" dirty="0"/>
+          </a:p>
+        </p:txBody>
+      </p:sp>
+      <p:sp>
+        <p:nvSpPr>
+          <p:cNvPr id="56" name="TextBox 79"/>
+          <p:cNvSpPr txBox="1"/>
+          <p:nvPr/>
+        </p:nvSpPr>
+        <p:spPr>
+          <a:xfrm>
+            <a:off x="2800335" y="3241240"/>
+            <a:ext cx="2397260" cy="276999"/>
+          </a:xfrm>
+          <a:prstGeom prst="rect">
+            <a:avLst/>
+          </a:prstGeom>
+          <a:noFill/>
+        </p:spPr>
+        <p:txBody>
+          <a:bodyPr wrap="square" rtlCol="0">
+            <a:spAutoFit/>
+          </a:bodyPr>
+          <a:lstStyle>
+            <a:defPPr>
+              <a:defRPr lang="sv-SE"/>
+            </a:defPPr>
+            <a:lvl1pPr algn="ctr">
+              <a:defRPr sz="1200" b="1">
+                <a:latin typeface="メイリオ" panose="020B0604030504040204" pitchFamily="50" charset="-128"/>
+                <a:ea typeface="メイリオ" panose="020B0604030504040204" pitchFamily="50" charset="-128"/>
+                <a:cs typeface="メイリオ" panose="020B0604030504040204" pitchFamily="50" charset="-128"/>
+              </a:defRPr>
+            </a:lvl1pPr>
+          </a:lstStyle>
+          <a:p>
+            <a:r>
+              <a:rPr lang="ja-JP" altLang="en-US" dirty="0"/>
+              <a:t>レポートの送付</a:t>
+            </a:r>
+            <a:endParaRPr lang="sv-SE" dirty="0"/>
+          </a:p>
+        </p:txBody>
+      </p:sp>
+      <p:sp>
+        <p:nvSpPr>
+          <p:cNvPr id="51" name="Arc 22"/>
+          <p:cNvSpPr>
+            <a:spLocks noChangeAspect="1"/>
+          </p:cNvSpPr>
+          <p:nvPr/>
+        </p:nvSpPr>
+        <p:spPr>
+          <a:xfrm rot="16200000" flipH="1">
+            <a:off x="2453711" y="4925415"/>
+            <a:ext cx="576000" cy="576000"/>
+          </a:xfrm>
+          <a:prstGeom prst="arc">
+            <a:avLst/>
+          </a:prstGeom>
+          <a:ln w="19050">
+            <a:solidFill>
+              <a:schemeClr val="tx1"/>
+            </a:solidFill>
+          </a:ln>
+        </p:spPr>
+        <p:style>
+          <a:lnRef idx="1">
+            <a:schemeClr val="accent1"/>
+          </a:lnRef>
+          <a:fillRef idx="0">
+            <a:schemeClr val="accent1"/>
+          </a:fillRef>
+          <a:effectRef idx="0">
+            <a:schemeClr val="accent1"/>
+          </a:effectRef>
+          <a:fontRef idx="minor">
+            <a:schemeClr val="tx1"/>
+          </a:fontRef>
+        </p:style>
+        <p:txBody>
+          <a:bodyPr rtlCol="0" anchor="ctr"/>
+          <a:lstStyle/>
+          <a:p>
+            <a:pPr algn="ctr"/>
+            <a:endParaRPr lang="en-US"/>
+          </a:p>
+        </p:txBody>
+      </p:sp>
+    </p:spTree>
+    <p:extLst>
+      <p:ext uri="{BB962C8B-B14F-4D97-AF65-F5344CB8AC3E}">
+        <p14:creationId xmlns:p14="http://schemas.microsoft.com/office/powerpoint/2010/main" val="830407156"/>
+      </p:ext>
+    </p:extLst>
+  </p:cSld>
+  <p:clrMapOvr>
+    <a:masterClrMapping/>
+  </p:clrMapOvr>
+  <p:transition spd="slow">
+    <p:push dir="u"/>
+  </p:transition>
+  <p:timing>
+    <p:tnLst>
+      <p:par>
+        <p:cTn id="1" dur="indefinite" restart="never" nodeType="tmRoot"/>
+      </p:par>
+    </p:tnLst>
+  </p:timing>
+</p:sld>
+</file>
+
+<file path=ppt/slides/slide11.xml><?xml version="1.0" encoding="utf-8"?>
+<p:sld xmlns:a="http://schemas.openxmlformats.org/drawingml/2006/main" xmlns:r="http://schemas.openxmlformats.org/officeDocument/2006/relationships" xmlns:p="http://schemas.openxmlformats.org/presentationml/2006/main">
+  <p:cSld>
+    <p:spTree>
+      <p:nvGrpSpPr>
+        <p:cNvPr id="1" name=""/>
+        <p:cNvGrpSpPr/>
+        <p:nvPr/>
+      </p:nvGrpSpPr>
+      <p:grpSpPr>
+        <a:xfrm>
+          <a:off x="0" y="0"/>
+          <a:ext cx="0" cy="0"/>
+          <a:chOff x="0" y="0"/>
+          <a:chExt cx="0" cy="0"/>
+        </a:xfrm>
+      </p:grpSpPr>
+      <p:sp>
+        <p:nvSpPr>
           <p:cNvPr id="65" name="Rectangle 64"/>
           <p:cNvSpPr/>
           <p:nvPr/>
@@ -6685,7 +8255,7 @@
 </p:sld>
 </file>
 
-<file path=ppt/slides/slide11.xml><?xml version="1.0" encoding="utf-8"?>
+<file path=ppt/slides/slide12.xml><?xml version="1.0" encoding="utf-8"?>
 <p:sld xmlns:a="http://schemas.openxmlformats.org/drawingml/2006/main" xmlns:r="http://schemas.openxmlformats.org/officeDocument/2006/relationships" xmlns:p="http://schemas.openxmlformats.org/presentationml/2006/main">
   <p:cSld>
     <p:spTree>
@@ -8689,7 +10259,7 @@
 </p:sld>
 </file>
 
-<file path=ppt/slides/slide12.xml><?xml version="1.0" encoding="utf-8"?>
+<file path=ppt/slides/slide13.xml><?xml version="1.0" encoding="utf-8"?>
 <p:sld xmlns:a="http://schemas.openxmlformats.org/drawingml/2006/main" xmlns:r="http://schemas.openxmlformats.org/officeDocument/2006/relationships" xmlns:p="http://schemas.openxmlformats.org/presentationml/2006/main">
   <p:cSld>
     <p:spTree>
@@ -10555,7 +12125,7 @@
 </p:sld>
 </file>
 
-<file path=ppt/slides/slide13.xml><?xml version="1.0" encoding="utf-8"?>
+<file path=ppt/slides/slide14.xml><?xml version="1.0" encoding="utf-8"?>
 <p:sld xmlns:a="http://schemas.openxmlformats.org/drawingml/2006/main" xmlns:r="http://schemas.openxmlformats.org/officeDocument/2006/relationships" xmlns:p="http://schemas.openxmlformats.org/presentationml/2006/main">
   <p:cSld>
     <p:spTree>
@@ -20922,6 +22492,5586 @@
       </p:grpSpPr>
       <p:sp>
         <p:nvSpPr>
+          <p:cNvPr id="108" name="Rectangle 107"/>
+          <p:cNvSpPr/>
+          <p:nvPr/>
+        </p:nvSpPr>
+        <p:spPr>
+          <a:xfrm>
+            <a:off x="2047874" y="1649651"/>
+            <a:ext cx="7867651" cy="2865200"/>
+          </a:xfrm>
+          <a:prstGeom prst="rect">
+            <a:avLst/>
+          </a:prstGeom>
+          <a:ln w="28575"/>
+        </p:spPr>
+        <p:style>
+          <a:lnRef idx="2">
+            <a:schemeClr val="accent1"/>
+          </a:lnRef>
+          <a:fillRef idx="1">
+            <a:schemeClr val="lt1"/>
+          </a:fillRef>
+          <a:effectRef idx="0">
+            <a:schemeClr val="accent1"/>
+          </a:effectRef>
+          <a:fontRef idx="minor">
+            <a:schemeClr val="dk1"/>
+          </a:fontRef>
+        </p:style>
+        <p:txBody>
+          <a:bodyPr rtlCol="0" anchor="ctr"/>
+          <a:lstStyle/>
+          <a:p>
+            <a:pPr algn="ctr"/>
+            <a:endParaRPr lang="en-US">
+              <a:solidFill>
+                <a:schemeClr val="tx1">
+                  <a:lumMod val="75000"/>
+                  <a:lumOff val="25000"/>
+                </a:schemeClr>
+              </a:solidFill>
+            </a:endParaRPr>
+          </a:p>
+        </p:txBody>
+      </p:sp>
+      <p:sp>
+        <p:nvSpPr>
+          <p:cNvPr id="64" name="Oval 63"/>
+          <p:cNvSpPr/>
+          <p:nvPr/>
+        </p:nvSpPr>
+        <p:spPr bwMode="auto">
+          <a:xfrm>
+            <a:off x="7265989" y="2300288"/>
+            <a:ext cx="536575" cy="538162"/>
+          </a:xfrm>
+          <a:prstGeom prst="ellipse">
+            <a:avLst/>
+          </a:prstGeom>
+          <a:noFill/>
+          <a:ln w="76200">
+            <a:solidFill>
+              <a:srgbClr val="E64C40"/>
+            </a:solidFill>
+          </a:ln>
+        </p:spPr>
+        <p:style>
+          <a:lnRef idx="2">
+            <a:schemeClr val="accent1">
+              <a:shade val="50000"/>
+            </a:schemeClr>
+          </a:lnRef>
+          <a:fillRef idx="1">
+            <a:schemeClr val="accent1"/>
+          </a:fillRef>
+          <a:effectRef idx="0">
+            <a:schemeClr val="accent1"/>
+          </a:effectRef>
+          <a:fontRef idx="minor">
+            <a:schemeClr val="lt1"/>
+          </a:fontRef>
+        </p:style>
+        <p:txBody>
+          <a:bodyPr anchor="ctr"/>
+          <a:lstStyle/>
+          <a:p>
+            <a:pPr algn="ctr">
+              <a:defRPr/>
+            </a:pPr>
+            <a:endParaRPr lang="sv-SE" b="1">
+              <a:solidFill>
+                <a:srgbClr val="0070C0"/>
+              </a:solidFill>
+            </a:endParaRPr>
+          </a:p>
+        </p:txBody>
+      </p:sp>
+      <p:sp>
+        <p:nvSpPr>
+          <p:cNvPr id="65" name="Oval 64"/>
+          <p:cNvSpPr/>
+          <p:nvPr/>
+        </p:nvSpPr>
+        <p:spPr bwMode="auto">
+          <a:xfrm rot="922161">
+            <a:off x="3738564" y="2300288"/>
+            <a:ext cx="536575" cy="538162"/>
+          </a:xfrm>
+          <a:prstGeom prst="ellipse">
+            <a:avLst/>
+          </a:prstGeom>
+          <a:noFill/>
+          <a:ln w="76200">
+            <a:solidFill>
+              <a:srgbClr val="E64C40"/>
+            </a:solidFill>
+          </a:ln>
+        </p:spPr>
+        <p:style>
+          <a:lnRef idx="2">
+            <a:schemeClr val="accent1">
+              <a:shade val="50000"/>
+            </a:schemeClr>
+          </a:lnRef>
+          <a:fillRef idx="1">
+            <a:schemeClr val="accent1"/>
+          </a:fillRef>
+          <a:effectRef idx="0">
+            <a:schemeClr val="accent1"/>
+          </a:effectRef>
+          <a:fontRef idx="minor">
+            <a:schemeClr val="lt1"/>
+          </a:fontRef>
+        </p:style>
+        <p:txBody>
+          <a:bodyPr anchor="ctr"/>
+          <a:lstStyle/>
+          <a:p>
+            <a:pPr algn="ctr">
+              <a:defRPr/>
+            </a:pPr>
+            <a:endParaRPr lang="sv-SE" b="1">
+              <a:solidFill>
+                <a:srgbClr val="0070C0"/>
+              </a:solidFill>
+            </a:endParaRPr>
+          </a:p>
+        </p:txBody>
+      </p:sp>
+      <p:sp>
+        <p:nvSpPr>
+          <p:cNvPr id="66" name="Oval 65"/>
+          <p:cNvSpPr/>
+          <p:nvPr/>
+        </p:nvSpPr>
+        <p:spPr bwMode="auto">
+          <a:xfrm rot="922161">
+            <a:off x="4146551" y="3194051"/>
+            <a:ext cx="536575" cy="538163"/>
+          </a:xfrm>
+          <a:prstGeom prst="ellipse">
+            <a:avLst/>
+          </a:prstGeom>
+          <a:noFill/>
+          <a:ln w="76200">
+            <a:solidFill>
+              <a:srgbClr val="E64C40"/>
+            </a:solidFill>
+          </a:ln>
+        </p:spPr>
+        <p:style>
+          <a:lnRef idx="2">
+            <a:schemeClr val="accent1">
+              <a:shade val="50000"/>
+            </a:schemeClr>
+          </a:lnRef>
+          <a:fillRef idx="1">
+            <a:schemeClr val="accent1"/>
+          </a:fillRef>
+          <a:effectRef idx="0">
+            <a:schemeClr val="accent1"/>
+          </a:effectRef>
+          <a:fontRef idx="minor">
+            <a:schemeClr val="lt1"/>
+          </a:fontRef>
+        </p:style>
+        <p:txBody>
+          <a:bodyPr anchor="ctr"/>
+          <a:lstStyle/>
+          <a:p>
+            <a:pPr algn="ctr">
+              <a:defRPr/>
+            </a:pPr>
+            <a:endParaRPr lang="sv-SE" b="1">
+              <a:solidFill>
+                <a:srgbClr val="0070C0"/>
+              </a:solidFill>
+            </a:endParaRPr>
+          </a:p>
+        </p:txBody>
+      </p:sp>
+      <p:grpSp>
+        <p:nvGrpSpPr>
+          <p:cNvPr id="15367" name="Group 66"/>
+          <p:cNvGrpSpPr>
+            <a:grpSpLocks/>
+          </p:cNvGrpSpPr>
+          <p:nvPr/>
+        </p:nvGrpSpPr>
+        <p:grpSpPr bwMode="auto">
+          <a:xfrm rot="3881581">
+            <a:off x="3950494" y="2836069"/>
+            <a:ext cx="522288" cy="368300"/>
+            <a:chOff x="1631950" y="1183958"/>
+            <a:chExt cx="695960" cy="490646"/>
+          </a:xfrm>
+        </p:grpSpPr>
+        <p:sp>
+          <p:nvSpPr>
+            <p:cNvPr id="68" name="Block Arc 67"/>
+            <p:cNvSpPr/>
+            <p:nvPr/>
+          </p:nvSpPr>
+          <p:spPr>
+            <a:xfrm>
+              <a:off x="1626164" y="1468296"/>
+              <a:ext cx="695959" cy="213600"/>
+            </a:xfrm>
+            <a:prstGeom prst="blockArc">
+              <a:avLst/>
+            </a:prstGeom>
+            <a:solidFill>
+              <a:srgbClr val="E64C40"/>
+            </a:solidFill>
+            <a:ln>
+              <a:solidFill>
+                <a:srgbClr val="E64C40"/>
+              </a:solidFill>
+            </a:ln>
+          </p:spPr>
+          <p:style>
+            <a:lnRef idx="2">
+              <a:schemeClr val="accent1">
+                <a:shade val="50000"/>
+              </a:schemeClr>
+            </a:lnRef>
+            <a:fillRef idx="1">
+              <a:schemeClr val="accent1"/>
+            </a:fillRef>
+            <a:effectRef idx="0">
+              <a:schemeClr val="accent1"/>
+            </a:effectRef>
+            <a:fontRef idx="minor">
+              <a:schemeClr val="lt1"/>
+            </a:fontRef>
+          </p:style>
+          <p:txBody>
+            <a:bodyPr anchor="ctr"/>
+            <a:lstStyle/>
+            <a:p>
+              <a:pPr algn="ctr">
+                <a:defRPr/>
+              </a:pPr>
+              <a:endParaRPr lang="sv-SE" b="1">
+                <a:solidFill>
+                  <a:srgbClr val="0070C0"/>
+                </a:solidFill>
+              </a:endParaRPr>
+            </a:p>
+          </p:txBody>
+        </p:sp>
+        <p:sp>
+          <p:nvSpPr>
+            <p:cNvPr id="69" name="Block Arc 68"/>
+            <p:cNvSpPr/>
+            <p:nvPr/>
+          </p:nvSpPr>
+          <p:spPr>
+            <a:xfrm rot="10800000">
+              <a:off x="1625774" y="1192066"/>
+              <a:ext cx="695959" cy="213600"/>
+            </a:xfrm>
+            <a:prstGeom prst="blockArc">
+              <a:avLst/>
+            </a:prstGeom>
+            <a:solidFill>
+              <a:srgbClr val="E64C40"/>
+            </a:solidFill>
+            <a:ln>
+              <a:solidFill>
+                <a:srgbClr val="E64C40"/>
+              </a:solidFill>
+            </a:ln>
+          </p:spPr>
+          <p:style>
+            <a:lnRef idx="2">
+              <a:schemeClr val="accent1">
+                <a:shade val="50000"/>
+              </a:schemeClr>
+            </a:lnRef>
+            <a:fillRef idx="1">
+              <a:schemeClr val="accent1"/>
+            </a:fillRef>
+            <a:effectRef idx="0">
+              <a:schemeClr val="accent1"/>
+            </a:effectRef>
+            <a:fontRef idx="minor">
+              <a:schemeClr val="lt1"/>
+            </a:fontRef>
+          </p:style>
+          <p:txBody>
+            <a:bodyPr anchor="ctr"/>
+            <a:lstStyle/>
+            <a:p>
+              <a:pPr algn="ctr">
+                <a:defRPr/>
+              </a:pPr>
+              <a:endParaRPr lang="sv-SE" b="1">
+                <a:solidFill>
+                  <a:srgbClr val="0070C0"/>
+                </a:solidFill>
+              </a:endParaRPr>
+            </a:p>
+          </p:txBody>
+        </p:sp>
+        <p:sp>
+          <p:nvSpPr>
+            <p:cNvPr id="70" name="Rectangle 69"/>
+            <p:cNvSpPr/>
+            <p:nvPr/>
+          </p:nvSpPr>
+          <p:spPr>
+            <a:xfrm>
+              <a:off x="1680960" y="1368289"/>
+              <a:ext cx="604998" cy="141696"/>
+            </a:xfrm>
+            <a:prstGeom prst="rect">
+              <a:avLst/>
+            </a:prstGeom>
+            <a:solidFill>
+              <a:srgbClr val="E64C40"/>
+            </a:solidFill>
+            <a:ln>
+              <a:solidFill>
+                <a:srgbClr val="E64C40"/>
+              </a:solidFill>
+            </a:ln>
+          </p:spPr>
+          <p:style>
+            <a:lnRef idx="2">
+              <a:schemeClr val="accent1">
+                <a:shade val="50000"/>
+              </a:schemeClr>
+            </a:lnRef>
+            <a:fillRef idx="1">
+              <a:schemeClr val="accent1"/>
+            </a:fillRef>
+            <a:effectRef idx="0">
+              <a:schemeClr val="accent1"/>
+            </a:effectRef>
+            <a:fontRef idx="minor">
+              <a:schemeClr val="lt1"/>
+            </a:fontRef>
+          </p:style>
+          <p:txBody>
+            <a:bodyPr anchor="ctr"/>
+            <a:lstStyle/>
+            <a:p>
+              <a:pPr algn="ctr">
+                <a:defRPr/>
+              </a:pPr>
+              <a:endParaRPr lang="sv-SE" b="1">
+                <a:solidFill>
+                  <a:srgbClr val="0070C0"/>
+                </a:solidFill>
+              </a:endParaRPr>
+            </a:p>
+          </p:txBody>
+        </p:sp>
+      </p:grpSp>
+      <p:grpSp>
+        <p:nvGrpSpPr>
+          <p:cNvPr id="15368" name="Group 70"/>
+          <p:cNvGrpSpPr>
+            <a:grpSpLocks/>
+          </p:cNvGrpSpPr>
+          <p:nvPr/>
+        </p:nvGrpSpPr>
+        <p:grpSpPr bwMode="auto">
+          <a:xfrm rot="922161">
+            <a:off x="4497389" y="2384425"/>
+            <a:ext cx="1184275" cy="1276350"/>
+            <a:chOff x="3779620" y="3970183"/>
+            <a:chExt cx="1580266" cy="1702647"/>
+          </a:xfrm>
+        </p:grpSpPr>
+        <p:sp>
+          <p:nvSpPr>
+            <p:cNvPr id="72" name="Oval 71"/>
+            <p:cNvSpPr/>
+            <p:nvPr/>
+          </p:nvSpPr>
+          <p:spPr>
+            <a:xfrm>
+              <a:off x="3774442" y="3966672"/>
+              <a:ext cx="715992" cy="717908"/>
+            </a:xfrm>
+            <a:prstGeom prst="ellipse">
+              <a:avLst/>
+            </a:prstGeom>
+            <a:noFill/>
+            <a:ln w="76200">
+              <a:solidFill>
+                <a:srgbClr val="E64C40"/>
+              </a:solidFill>
+            </a:ln>
+          </p:spPr>
+          <p:style>
+            <a:lnRef idx="2">
+              <a:schemeClr val="accent1">
+                <a:shade val="50000"/>
+              </a:schemeClr>
+            </a:lnRef>
+            <a:fillRef idx="1">
+              <a:schemeClr val="accent1"/>
+            </a:fillRef>
+            <a:effectRef idx="0">
+              <a:schemeClr val="accent1"/>
+            </a:effectRef>
+            <a:fontRef idx="minor">
+              <a:schemeClr val="lt1"/>
+            </a:fontRef>
+          </p:style>
+          <p:txBody>
+            <a:bodyPr anchor="ctr"/>
+            <a:lstStyle/>
+            <a:p>
+              <a:pPr algn="ctr">
+                <a:defRPr/>
+              </a:pPr>
+              <a:endParaRPr lang="sv-SE" b="1">
+                <a:solidFill>
+                  <a:srgbClr val="0070C0"/>
+                </a:solidFill>
+              </a:endParaRPr>
+            </a:p>
+          </p:txBody>
+        </p:sp>
+        <p:sp>
+          <p:nvSpPr>
+            <p:cNvPr id="73" name="Oval 72"/>
+            <p:cNvSpPr/>
+            <p:nvPr/>
+          </p:nvSpPr>
+          <p:spPr>
+            <a:xfrm>
+              <a:off x="4639217" y="4954553"/>
+              <a:ext cx="715992" cy="717908"/>
+            </a:xfrm>
+            <a:prstGeom prst="ellipse">
+              <a:avLst/>
+            </a:prstGeom>
+            <a:noFill/>
+            <a:ln w="76200">
+              <a:solidFill>
+                <a:srgbClr val="E64C40"/>
+              </a:solidFill>
+            </a:ln>
+          </p:spPr>
+          <p:style>
+            <a:lnRef idx="2">
+              <a:schemeClr val="accent1">
+                <a:shade val="50000"/>
+              </a:schemeClr>
+            </a:lnRef>
+            <a:fillRef idx="1">
+              <a:schemeClr val="accent1"/>
+            </a:fillRef>
+            <a:effectRef idx="0">
+              <a:schemeClr val="accent1"/>
+            </a:effectRef>
+            <a:fontRef idx="minor">
+              <a:schemeClr val="lt1"/>
+            </a:fontRef>
+          </p:style>
+          <p:txBody>
+            <a:bodyPr anchor="ctr"/>
+            <a:lstStyle/>
+            <a:p>
+              <a:pPr algn="ctr">
+                <a:defRPr/>
+              </a:pPr>
+              <a:endParaRPr lang="sv-SE" b="1">
+                <a:solidFill>
+                  <a:srgbClr val="0070C0"/>
+                </a:solidFill>
+              </a:endParaRPr>
+            </a:p>
+          </p:txBody>
+        </p:sp>
+        <p:grpSp>
+          <p:nvGrpSpPr>
+            <p:cNvPr id="15414" name="Group 73"/>
+            <p:cNvGrpSpPr>
+              <a:grpSpLocks/>
+            </p:cNvGrpSpPr>
+            <p:nvPr/>
+          </p:nvGrpSpPr>
+          <p:grpSpPr bwMode="auto">
+            <a:xfrm rot="2959420">
+              <a:off x="4238250" y="4572266"/>
+              <a:ext cx="695960" cy="490646"/>
+              <a:chOff x="1631950" y="1183958"/>
+              <a:chExt cx="695960" cy="490646"/>
+            </a:xfrm>
+          </p:grpSpPr>
+          <p:sp>
+            <p:nvSpPr>
+              <p:cNvPr id="75" name="Block Arc 74"/>
+              <p:cNvSpPr/>
+              <p:nvPr/>
+            </p:nvSpPr>
+            <p:spPr>
+              <a:xfrm>
+                <a:off x="1629230" y="1466627"/>
+                <a:ext cx="692496" cy="213950"/>
+              </a:xfrm>
+              <a:prstGeom prst="blockArc">
+                <a:avLst/>
+              </a:prstGeom>
+              <a:solidFill>
+                <a:srgbClr val="E64C40"/>
+              </a:solidFill>
+              <a:ln>
+                <a:solidFill>
+                  <a:srgbClr val="E64C40"/>
+                </a:solidFill>
+              </a:ln>
+            </p:spPr>
+            <p:style>
+              <a:lnRef idx="2">
+                <a:schemeClr val="accent1">
+                  <a:shade val="50000"/>
+                </a:schemeClr>
+              </a:lnRef>
+              <a:fillRef idx="1">
+                <a:schemeClr val="accent1"/>
+              </a:fillRef>
+              <a:effectRef idx="0">
+                <a:schemeClr val="accent1"/>
+              </a:effectRef>
+              <a:fontRef idx="minor">
+                <a:schemeClr val="lt1"/>
+              </a:fontRef>
+            </p:style>
+            <p:txBody>
+              <a:bodyPr anchor="ctr"/>
+              <a:lstStyle/>
+              <a:p>
+                <a:pPr algn="ctr">
+                  <a:defRPr/>
+                </a:pPr>
+                <a:endParaRPr lang="sv-SE" b="1">
+                  <a:solidFill>
+                    <a:srgbClr val="0070C0"/>
+                  </a:solidFill>
+                </a:endParaRPr>
+              </a:p>
+            </p:txBody>
+          </p:sp>
+          <p:sp>
+            <p:nvSpPr>
+              <p:cNvPr id="76" name="Block Arc 75"/>
+              <p:cNvSpPr/>
+              <p:nvPr/>
+            </p:nvSpPr>
+            <p:spPr>
+              <a:xfrm rot="10800000">
+                <a:off x="1626925" y="1189039"/>
+                <a:ext cx="692494" cy="213950"/>
+              </a:xfrm>
+              <a:prstGeom prst="blockArc">
+                <a:avLst/>
+              </a:prstGeom>
+              <a:solidFill>
+                <a:srgbClr val="E64C40"/>
+              </a:solidFill>
+              <a:ln>
+                <a:solidFill>
+                  <a:srgbClr val="E64C40"/>
+                </a:solidFill>
+              </a:ln>
+            </p:spPr>
+            <p:style>
+              <a:lnRef idx="2">
+                <a:schemeClr val="accent1">
+                  <a:shade val="50000"/>
+                </a:schemeClr>
+              </a:lnRef>
+              <a:fillRef idx="1">
+                <a:schemeClr val="accent1"/>
+              </a:fillRef>
+              <a:effectRef idx="0">
+                <a:schemeClr val="accent1"/>
+              </a:effectRef>
+              <a:fontRef idx="minor">
+                <a:schemeClr val="lt1"/>
+              </a:fontRef>
+            </p:style>
+            <p:txBody>
+              <a:bodyPr anchor="ctr"/>
+              <a:lstStyle/>
+              <a:p>
+                <a:pPr algn="ctr">
+                  <a:defRPr/>
+                </a:pPr>
+                <a:endParaRPr lang="sv-SE" b="1">
+                  <a:solidFill>
+                    <a:srgbClr val="0070C0"/>
+                  </a:solidFill>
+                </a:endParaRPr>
+              </a:p>
+            </p:txBody>
+          </p:sp>
+          <p:sp>
+            <p:nvSpPr>
+              <p:cNvPr id="77" name="Rectangle 76"/>
+              <p:cNvSpPr/>
+              <p:nvPr/>
+            </p:nvSpPr>
+            <p:spPr>
+              <a:xfrm>
+                <a:off x="1683179" y="1363184"/>
+                <a:ext cx="599315" cy="141927"/>
+              </a:xfrm>
+              <a:prstGeom prst="rect">
+                <a:avLst/>
+              </a:prstGeom>
+              <a:solidFill>
+                <a:srgbClr val="E64C40"/>
+              </a:solidFill>
+              <a:ln>
+                <a:solidFill>
+                  <a:srgbClr val="E64C40"/>
+                </a:solidFill>
+              </a:ln>
+            </p:spPr>
+            <p:style>
+              <a:lnRef idx="2">
+                <a:schemeClr val="accent1">
+                  <a:shade val="50000"/>
+                </a:schemeClr>
+              </a:lnRef>
+              <a:fillRef idx="1">
+                <a:schemeClr val="accent1"/>
+              </a:fillRef>
+              <a:effectRef idx="0">
+                <a:schemeClr val="accent1"/>
+              </a:effectRef>
+              <a:fontRef idx="minor">
+                <a:schemeClr val="lt1"/>
+              </a:fontRef>
+            </p:style>
+            <p:txBody>
+              <a:bodyPr anchor="ctr"/>
+              <a:lstStyle/>
+              <a:p>
+                <a:pPr algn="ctr">
+                  <a:defRPr/>
+                </a:pPr>
+                <a:endParaRPr lang="sv-SE" b="1">
+                  <a:solidFill>
+                    <a:srgbClr val="0070C0"/>
+                  </a:solidFill>
+                </a:endParaRPr>
+              </a:p>
+            </p:txBody>
+          </p:sp>
+        </p:grpSp>
+      </p:grpSp>
+      <p:grpSp>
+        <p:nvGrpSpPr>
+          <p:cNvPr id="15369" name="Group 77"/>
+          <p:cNvGrpSpPr>
+            <a:grpSpLocks/>
+          </p:cNvGrpSpPr>
+          <p:nvPr/>
+        </p:nvGrpSpPr>
+        <p:grpSpPr bwMode="auto">
+          <a:xfrm rot="7110064">
+            <a:off x="4385469" y="2836069"/>
+            <a:ext cx="522288" cy="368300"/>
+            <a:chOff x="1631950" y="1183958"/>
+            <a:chExt cx="695960" cy="490646"/>
+          </a:xfrm>
+        </p:grpSpPr>
+        <p:sp>
+          <p:nvSpPr>
+            <p:cNvPr id="79" name="Block Arc 78"/>
+            <p:cNvSpPr/>
+            <p:nvPr/>
+          </p:nvSpPr>
+          <p:spPr>
+            <a:xfrm>
+              <a:off x="1632682" y="1470085"/>
+              <a:ext cx="695959" cy="213600"/>
+            </a:xfrm>
+            <a:prstGeom prst="blockArc">
+              <a:avLst/>
+            </a:prstGeom>
+            <a:solidFill>
+              <a:srgbClr val="E64C40"/>
+            </a:solidFill>
+            <a:ln>
+              <a:solidFill>
+                <a:srgbClr val="E64C40"/>
+              </a:solidFill>
+            </a:ln>
+          </p:spPr>
+          <p:style>
+            <a:lnRef idx="2">
+              <a:schemeClr val="accent1">
+                <a:shade val="50000"/>
+              </a:schemeClr>
+            </a:lnRef>
+            <a:fillRef idx="1">
+              <a:schemeClr val="accent1"/>
+            </a:fillRef>
+            <a:effectRef idx="0">
+              <a:schemeClr val="accent1"/>
+            </a:effectRef>
+            <a:fontRef idx="minor">
+              <a:schemeClr val="lt1"/>
+            </a:fontRef>
+          </p:style>
+          <p:txBody>
+            <a:bodyPr anchor="ctr"/>
+            <a:lstStyle/>
+            <a:p>
+              <a:pPr algn="ctr">
+                <a:defRPr/>
+              </a:pPr>
+              <a:endParaRPr lang="sv-SE" b="1">
+                <a:solidFill>
+                  <a:srgbClr val="0070C0"/>
+                </a:solidFill>
+              </a:endParaRPr>
+            </a:p>
+          </p:txBody>
+        </p:sp>
+        <p:sp>
+          <p:nvSpPr>
+            <p:cNvPr id="80" name="Block Arc 79"/>
+            <p:cNvSpPr/>
+            <p:nvPr/>
+          </p:nvSpPr>
+          <p:spPr>
+            <a:xfrm rot="10800000">
+              <a:off x="1632707" y="1190916"/>
+              <a:ext cx="695960" cy="213600"/>
+            </a:xfrm>
+            <a:prstGeom prst="blockArc">
+              <a:avLst/>
+            </a:prstGeom>
+            <a:solidFill>
+              <a:srgbClr val="E64C40"/>
+            </a:solidFill>
+            <a:ln>
+              <a:solidFill>
+                <a:srgbClr val="E64C40"/>
+              </a:solidFill>
+            </a:ln>
+          </p:spPr>
+          <p:style>
+            <a:lnRef idx="2">
+              <a:schemeClr val="accent1">
+                <a:shade val="50000"/>
+              </a:schemeClr>
+            </a:lnRef>
+            <a:fillRef idx="1">
+              <a:schemeClr val="accent1"/>
+            </a:fillRef>
+            <a:effectRef idx="0">
+              <a:schemeClr val="accent1"/>
+            </a:effectRef>
+            <a:fontRef idx="minor">
+              <a:schemeClr val="lt1"/>
+            </a:fontRef>
+          </p:style>
+          <p:txBody>
+            <a:bodyPr anchor="ctr"/>
+            <a:lstStyle/>
+            <a:p>
+              <a:pPr algn="ctr">
+                <a:defRPr/>
+              </a:pPr>
+              <a:endParaRPr lang="sv-SE" b="1">
+                <a:solidFill>
+                  <a:srgbClr val="0070C0"/>
+                </a:solidFill>
+              </a:endParaRPr>
+            </a:p>
+          </p:txBody>
+        </p:sp>
+        <p:sp>
+          <p:nvSpPr>
+            <p:cNvPr id="81" name="Rectangle 80"/>
+            <p:cNvSpPr/>
+            <p:nvPr/>
+          </p:nvSpPr>
+          <p:spPr>
+            <a:xfrm>
+              <a:off x="1687630" y="1366133"/>
+              <a:ext cx="604998" cy="141696"/>
+            </a:xfrm>
+            <a:prstGeom prst="rect">
+              <a:avLst/>
+            </a:prstGeom>
+            <a:solidFill>
+              <a:srgbClr val="E64C40"/>
+            </a:solidFill>
+            <a:ln>
+              <a:solidFill>
+                <a:srgbClr val="E64C40"/>
+              </a:solidFill>
+            </a:ln>
+          </p:spPr>
+          <p:style>
+            <a:lnRef idx="2">
+              <a:schemeClr val="accent1">
+                <a:shade val="50000"/>
+              </a:schemeClr>
+            </a:lnRef>
+            <a:fillRef idx="1">
+              <a:schemeClr val="accent1"/>
+            </a:fillRef>
+            <a:effectRef idx="0">
+              <a:schemeClr val="accent1"/>
+            </a:effectRef>
+            <a:fontRef idx="minor">
+              <a:schemeClr val="lt1"/>
+            </a:fontRef>
+          </p:style>
+          <p:txBody>
+            <a:bodyPr anchor="ctr"/>
+            <a:lstStyle/>
+            <a:p>
+              <a:pPr algn="ctr">
+                <a:defRPr/>
+              </a:pPr>
+              <a:endParaRPr lang="sv-SE" b="1">
+                <a:solidFill>
+                  <a:srgbClr val="0070C0"/>
+                </a:solidFill>
+              </a:endParaRPr>
+            </a:p>
+          </p:txBody>
+        </p:sp>
+      </p:grpSp>
+      <p:grpSp>
+        <p:nvGrpSpPr>
+          <p:cNvPr id="15370" name="Group 81"/>
+          <p:cNvGrpSpPr>
+            <a:grpSpLocks/>
+          </p:cNvGrpSpPr>
+          <p:nvPr/>
+        </p:nvGrpSpPr>
+        <p:grpSpPr bwMode="auto">
+          <a:xfrm rot="922161">
+            <a:off x="5378451" y="2373313"/>
+            <a:ext cx="1185863" cy="1276350"/>
+            <a:chOff x="2044796" y="3970184"/>
+            <a:chExt cx="1580266" cy="1702647"/>
+          </a:xfrm>
+        </p:grpSpPr>
+        <p:sp>
+          <p:nvSpPr>
+            <p:cNvPr id="83" name="Oval 82"/>
+            <p:cNvSpPr/>
+            <p:nvPr/>
+          </p:nvSpPr>
+          <p:spPr>
+            <a:xfrm>
+              <a:off x="2039626" y="3966673"/>
+              <a:ext cx="717148" cy="717906"/>
+            </a:xfrm>
+            <a:prstGeom prst="ellipse">
+              <a:avLst/>
+            </a:prstGeom>
+            <a:noFill/>
+            <a:ln w="76200">
+              <a:solidFill>
+                <a:srgbClr val="E64C40"/>
+              </a:solidFill>
+            </a:ln>
+          </p:spPr>
+          <p:style>
+            <a:lnRef idx="2">
+              <a:schemeClr val="accent1">
+                <a:shade val="50000"/>
+              </a:schemeClr>
+            </a:lnRef>
+            <a:fillRef idx="1">
+              <a:schemeClr val="accent1"/>
+            </a:fillRef>
+            <a:effectRef idx="0">
+              <a:schemeClr val="accent1"/>
+            </a:effectRef>
+            <a:fontRef idx="minor">
+              <a:schemeClr val="lt1"/>
+            </a:fontRef>
+          </p:style>
+          <p:txBody>
+            <a:bodyPr anchor="ctr"/>
+            <a:lstStyle/>
+            <a:p>
+              <a:pPr algn="ctr">
+                <a:defRPr/>
+              </a:pPr>
+              <a:endParaRPr lang="sv-SE" b="1">
+                <a:solidFill>
+                  <a:srgbClr val="0070C0"/>
+                </a:solidFill>
+              </a:endParaRPr>
+            </a:p>
+          </p:txBody>
+        </p:sp>
+        <p:sp>
+          <p:nvSpPr>
+            <p:cNvPr id="84" name="Oval 83"/>
+            <p:cNvSpPr/>
+            <p:nvPr/>
+          </p:nvSpPr>
+          <p:spPr>
+            <a:xfrm>
+              <a:off x="2903243" y="4954554"/>
+              <a:ext cx="717148" cy="717906"/>
+            </a:xfrm>
+            <a:prstGeom prst="ellipse">
+              <a:avLst/>
+            </a:prstGeom>
+            <a:noFill/>
+            <a:ln w="76200">
+              <a:solidFill>
+                <a:srgbClr val="E64C40"/>
+              </a:solidFill>
+            </a:ln>
+          </p:spPr>
+          <p:style>
+            <a:lnRef idx="2">
+              <a:schemeClr val="accent1">
+                <a:shade val="50000"/>
+              </a:schemeClr>
+            </a:lnRef>
+            <a:fillRef idx="1">
+              <a:schemeClr val="accent1"/>
+            </a:fillRef>
+            <a:effectRef idx="0">
+              <a:schemeClr val="accent1"/>
+            </a:effectRef>
+            <a:fontRef idx="minor">
+              <a:schemeClr val="lt1"/>
+            </a:fontRef>
+          </p:style>
+          <p:txBody>
+            <a:bodyPr anchor="ctr"/>
+            <a:lstStyle/>
+            <a:p>
+              <a:pPr algn="ctr">
+                <a:defRPr/>
+              </a:pPr>
+              <a:endParaRPr lang="sv-SE" b="1">
+                <a:solidFill>
+                  <a:srgbClr val="0070C0"/>
+                </a:solidFill>
+              </a:endParaRPr>
+            </a:p>
+          </p:txBody>
+        </p:sp>
+        <p:grpSp>
+          <p:nvGrpSpPr>
+            <p:cNvPr id="15405" name="Group 84"/>
+            <p:cNvGrpSpPr>
+              <a:grpSpLocks/>
+            </p:cNvGrpSpPr>
+            <p:nvPr/>
+          </p:nvGrpSpPr>
+          <p:grpSpPr bwMode="auto">
+            <a:xfrm rot="2959420">
+              <a:off x="2500886" y="4572056"/>
+              <a:ext cx="695960" cy="490646"/>
+              <a:chOff x="1631950" y="1183958"/>
+              <a:chExt cx="695960" cy="490646"/>
+            </a:xfrm>
+          </p:grpSpPr>
+          <p:sp>
+            <p:nvSpPr>
+              <p:cNvPr id="86" name="Block Arc 85"/>
+              <p:cNvSpPr/>
+              <p:nvPr/>
+            </p:nvSpPr>
+            <p:spPr>
+              <a:xfrm>
+                <a:off x="1624031" y="1464507"/>
+                <a:ext cx="690377" cy="213663"/>
+              </a:xfrm>
+              <a:prstGeom prst="blockArc">
+                <a:avLst/>
+              </a:prstGeom>
+              <a:solidFill>
+                <a:srgbClr val="E64C40"/>
+              </a:solidFill>
+              <a:ln>
+                <a:solidFill>
+                  <a:srgbClr val="E64C40"/>
+                </a:solidFill>
+              </a:ln>
+            </p:spPr>
+            <p:style>
+              <a:lnRef idx="2">
+                <a:schemeClr val="accent1">
+                  <a:shade val="50000"/>
+                </a:schemeClr>
+              </a:lnRef>
+              <a:fillRef idx="1">
+                <a:schemeClr val="accent1"/>
+              </a:fillRef>
+              <a:effectRef idx="0">
+                <a:schemeClr val="accent1"/>
+              </a:effectRef>
+              <a:fontRef idx="minor">
+                <a:schemeClr val="lt1"/>
+              </a:fontRef>
+            </p:style>
+            <p:txBody>
+              <a:bodyPr anchor="ctr"/>
+              <a:lstStyle/>
+              <a:p>
+                <a:pPr algn="ctr">
+                  <a:defRPr/>
+                </a:pPr>
+                <a:endParaRPr lang="sv-SE" b="1">
+                  <a:solidFill>
+                    <a:srgbClr val="0070C0"/>
+                  </a:solidFill>
+                </a:endParaRPr>
+              </a:p>
+            </p:txBody>
+          </p:sp>
+          <p:sp>
+            <p:nvSpPr>
+              <p:cNvPr id="87" name="Block Arc 86"/>
+              <p:cNvSpPr/>
+              <p:nvPr/>
+            </p:nvSpPr>
+            <p:spPr>
+              <a:xfrm rot="10800000">
+                <a:off x="1624093" y="1186182"/>
+                <a:ext cx="690377" cy="215779"/>
+              </a:xfrm>
+              <a:prstGeom prst="blockArc">
+                <a:avLst/>
+              </a:prstGeom>
+              <a:solidFill>
+                <a:srgbClr val="E64C40"/>
+              </a:solidFill>
+              <a:ln>
+                <a:solidFill>
+                  <a:srgbClr val="E64C40"/>
+                </a:solidFill>
+              </a:ln>
+            </p:spPr>
+            <p:style>
+              <a:lnRef idx="2">
+                <a:schemeClr val="accent1">
+                  <a:shade val="50000"/>
+                </a:schemeClr>
+              </a:lnRef>
+              <a:fillRef idx="1">
+                <a:schemeClr val="accent1"/>
+              </a:fillRef>
+              <a:effectRef idx="0">
+                <a:schemeClr val="accent1"/>
+              </a:effectRef>
+              <a:fontRef idx="minor">
+                <a:schemeClr val="lt1"/>
+              </a:fontRef>
+            </p:style>
+            <p:txBody>
+              <a:bodyPr anchor="ctr"/>
+              <a:lstStyle/>
+              <a:p>
+                <a:pPr algn="ctr">
+                  <a:defRPr/>
+                </a:pPr>
+                <a:endParaRPr lang="sv-SE" b="1">
+                  <a:solidFill>
+                    <a:srgbClr val="0070C0"/>
+                  </a:solidFill>
+                </a:endParaRPr>
+              </a:p>
+            </p:txBody>
+          </p:sp>
+          <p:sp>
+            <p:nvSpPr>
+              <p:cNvPr id="88" name="Rectangle 87"/>
+              <p:cNvSpPr/>
+              <p:nvPr/>
+            </p:nvSpPr>
+            <p:spPr>
+              <a:xfrm>
+                <a:off x="1678128" y="1360546"/>
+                <a:ext cx="603550" cy="143853"/>
+              </a:xfrm>
+              <a:prstGeom prst="rect">
+                <a:avLst/>
+              </a:prstGeom>
+              <a:solidFill>
+                <a:srgbClr val="E64C40"/>
+              </a:solidFill>
+              <a:ln>
+                <a:solidFill>
+                  <a:srgbClr val="E64C40"/>
+                </a:solidFill>
+              </a:ln>
+            </p:spPr>
+            <p:style>
+              <a:lnRef idx="2">
+                <a:schemeClr val="accent1">
+                  <a:shade val="50000"/>
+                </a:schemeClr>
+              </a:lnRef>
+              <a:fillRef idx="1">
+                <a:schemeClr val="accent1"/>
+              </a:fillRef>
+              <a:effectRef idx="0">
+                <a:schemeClr val="accent1"/>
+              </a:effectRef>
+              <a:fontRef idx="minor">
+                <a:schemeClr val="lt1"/>
+              </a:fontRef>
+            </p:style>
+            <p:txBody>
+              <a:bodyPr anchor="ctr"/>
+              <a:lstStyle/>
+              <a:p>
+                <a:pPr algn="ctr">
+                  <a:defRPr/>
+                </a:pPr>
+                <a:endParaRPr lang="sv-SE" b="1">
+                  <a:solidFill>
+                    <a:srgbClr val="0070C0"/>
+                  </a:solidFill>
+                </a:endParaRPr>
+              </a:p>
+            </p:txBody>
+          </p:sp>
+        </p:grpSp>
+      </p:grpSp>
+      <p:grpSp>
+        <p:nvGrpSpPr>
+          <p:cNvPr id="15371" name="Group 88"/>
+          <p:cNvGrpSpPr>
+            <a:grpSpLocks/>
+          </p:cNvGrpSpPr>
+          <p:nvPr/>
+        </p:nvGrpSpPr>
+        <p:grpSpPr bwMode="auto">
+          <a:xfrm rot="922161">
+            <a:off x="6269039" y="2374900"/>
+            <a:ext cx="1184275" cy="1276350"/>
+            <a:chOff x="3779620" y="3970183"/>
+            <a:chExt cx="1580266" cy="1702647"/>
+          </a:xfrm>
+        </p:grpSpPr>
+        <p:sp>
+          <p:nvSpPr>
+            <p:cNvPr id="90" name="Oval 89"/>
+            <p:cNvSpPr/>
+            <p:nvPr/>
+          </p:nvSpPr>
+          <p:spPr>
+            <a:xfrm>
+              <a:off x="3774442" y="3966672"/>
+              <a:ext cx="715992" cy="717908"/>
+            </a:xfrm>
+            <a:prstGeom prst="ellipse">
+              <a:avLst/>
+            </a:prstGeom>
+            <a:noFill/>
+            <a:ln w="76200">
+              <a:solidFill>
+                <a:srgbClr val="E64C40"/>
+              </a:solidFill>
+            </a:ln>
+          </p:spPr>
+          <p:style>
+            <a:lnRef idx="2">
+              <a:schemeClr val="accent1">
+                <a:shade val="50000"/>
+              </a:schemeClr>
+            </a:lnRef>
+            <a:fillRef idx="1">
+              <a:schemeClr val="accent1"/>
+            </a:fillRef>
+            <a:effectRef idx="0">
+              <a:schemeClr val="accent1"/>
+            </a:effectRef>
+            <a:fontRef idx="minor">
+              <a:schemeClr val="lt1"/>
+            </a:fontRef>
+          </p:style>
+          <p:txBody>
+            <a:bodyPr anchor="ctr"/>
+            <a:lstStyle/>
+            <a:p>
+              <a:pPr algn="ctr">
+                <a:defRPr/>
+              </a:pPr>
+              <a:endParaRPr lang="sv-SE" b="1">
+                <a:solidFill>
+                  <a:srgbClr val="0070C0"/>
+                </a:solidFill>
+              </a:endParaRPr>
+            </a:p>
+          </p:txBody>
+        </p:sp>
+        <p:sp>
+          <p:nvSpPr>
+            <p:cNvPr id="91" name="Oval 90"/>
+            <p:cNvSpPr/>
+            <p:nvPr/>
+          </p:nvSpPr>
+          <p:spPr>
+            <a:xfrm>
+              <a:off x="4639217" y="4954553"/>
+              <a:ext cx="715992" cy="717908"/>
+            </a:xfrm>
+            <a:prstGeom prst="ellipse">
+              <a:avLst/>
+            </a:prstGeom>
+            <a:noFill/>
+            <a:ln w="76200">
+              <a:solidFill>
+                <a:srgbClr val="E64C40"/>
+              </a:solidFill>
+            </a:ln>
+          </p:spPr>
+          <p:style>
+            <a:lnRef idx="2">
+              <a:schemeClr val="accent1">
+                <a:shade val="50000"/>
+              </a:schemeClr>
+            </a:lnRef>
+            <a:fillRef idx="1">
+              <a:schemeClr val="accent1"/>
+            </a:fillRef>
+            <a:effectRef idx="0">
+              <a:schemeClr val="accent1"/>
+            </a:effectRef>
+            <a:fontRef idx="minor">
+              <a:schemeClr val="lt1"/>
+            </a:fontRef>
+          </p:style>
+          <p:txBody>
+            <a:bodyPr anchor="ctr"/>
+            <a:lstStyle/>
+            <a:p>
+              <a:pPr algn="ctr">
+                <a:defRPr/>
+              </a:pPr>
+              <a:endParaRPr lang="sv-SE" b="1">
+                <a:solidFill>
+                  <a:srgbClr val="0070C0"/>
+                </a:solidFill>
+              </a:endParaRPr>
+            </a:p>
+          </p:txBody>
+        </p:sp>
+        <p:grpSp>
+          <p:nvGrpSpPr>
+            <p:cNvPr id="15399" name="Group 91"/>
+            <p:cNvGrpSpPr>
+              <a:grpSpLocks/>
+            </p:cNvGrpSpPr>
+            <p:nvPr/>
+          </p:nvGrpSpPr>
+          <p:grpSpPr bwMode="auto">
+            <a:xfrm rot="2959420">
+              <a:off x="4238250" y="4572266"/>
+              <a:ext cx="695960" cy="490646"/>
+              <a:chOff x="1631950" y="1183958"/>
+              <a:chExt cx="695960" cy="490646"/>
+            </a:xfrm>
+          </p:grpSpPr>
+          <p:sp>
+            <p:nvSpPr>
+              <p:cNvPr id="93" name="Block Arc 92"/>
+              <p:cNvSpPr/>
+              <p:nvPr/>
+            </p:nvSpPr>
+            <p:spPr>
+              <a:xfrm>
+                <a:off x="1629230" y="1466627"/>
+                <a:ext cx="692496" cy="213950"/>
+              </a:xfrm>
+              <a:prstGeom prst="blockArc">
+                <a:avLst/>
+              </a:prstGeom>
+              <a:solidFill>
+                <a:srgbClr val="E64C40"/>
+              </a:solidFill>
+              <a:ln>
+                <a:solidFill>
+                  <a:srgbClr val="E64C40"/>
+                </a:solidFill>
+              </a:ln>
+            </p:spPr>
+            <p:style>
+              <a:lnRef idx="2">
+                <a:schemeClr val="accent1">
+                  <a:shade val="50000"/>
+                </a:schemeClr>
+              </a:lnRef>
+              <a:fillRef idx="1">
+                <a:schemeClr val="accent1"/>
+              </a:fillRef>
+              <a:effectRef idx="0">
+                <a:schemeClr val="accent1"/>
+              </a:effectRef>
+              <a:fontRef idx="minor">
+                <a:schemeClr val="lt1"/>
+              </a:fontRef>
+            </p:style>
+            <p:txBody>
+              <a:bodyPr anchor="ctr"/>
+              <a:lstStyle/>
+              <a:p>
+                <a:pPr algn="ctr">
+                  <a:defRPr/>
+                </a:pPr>
+                <a:endParaRPr lang="sv-SE" b="1">
+                  <a:solidFill>
+                    <a:srgbClr val="0070C0"/>
+                  </a:solidFill>
+                </a:endParaRPr>
+              </a:p>
+            </p:txBody>
+          </p:sp>
+          <p:sp>
+            <p:nvSpPr>
+              <p:cNvPr id="94" name="Block Arc 93"/>
+              <p:cNvSpPr/>
+              <p:nvPr/>
+            </p:nvSpPr>
+            <p:spPr>
+              <a:xfrm rot="10800000">
+                <a:off x="1626925" y="1189039"/>
+                <a:ext cx="692494" cy="213950"/>
+              </a:xfrm>
+              <a:prstGeom prst="blockArc">
+                <a:avLst/>
+              </a:prstGeom>
+              <a:solidFill>
+                <a:srgbClr val="E64C40"/>
+              </a:solidFill>
+              <a:ln>
+                <a:solidFill>
+                  <a:srgbClr val="E64C40"/>
+                </a:solidFill>
+              </a:ln>
+            </p:spPr>
+            <p:style>
+              <a:lnRef idx="2">
+                <a:schemeClr val="accent1">
+                  <a:shade val="50000"/>
+                </a:schemeClr>
+              </a:lnRef>
+              <a:fillRef idx="1">
+                <a:schemeClr val="accent1"/>
+              </a:fillRef>
+              <a:effectRef idx="0">
+                <a:schemeClr val="accent1"/>
+              </a:effectRef>
+              <a:fontRef idx="minor">
+                <a:schemeClr val="lt1"/>
+              </a:fontRef>
+            </p:style>
+            <p:txBody>
+              <a:bodyPr anchor="ctr"/>
+              <a:lstStyle/>
+              <a:p>
+                <a:pPr algn="ctr">
+                  <a:defRPr/>
+                </a:pPr>
+                <a:endParaRPr lang="sv-SE" b="1">
+                  <a:solidFill>
+                    <a:srgbClr val="0070C0"/>
+                  </a:solidFill>
+                </a:endParaRPr>
+              </a:p>
+            </p:txBody>
+          </p:sp>
+          <p:sp>
+            <p:nvSpPr>
+              <p:cNvPr id="95" name="Rectangle 94"/>
+              <p:cNvSpPr/>
+              <p:nvPr/>
+            </p:nvSpPr>
+            <p:spPr>
+              <a:xfrm>
+                <a:off x="1683179" y="1363184"/>
+                <a:ext cx="599315" cy="141927"/>
+              </a:xfrm>
+              <a:prstGeom prst="rect">
+                <a:avLst/>
+              </a:prstGeom>
+              <a:solidFill>
+                <a:srgbClr val="E64C40"/>
+              </a:solidFill>
+              <a:ln>
+                <a:solidFill>
+                  <a:srgbClr val="E64C40"/>
+                </a:solidFill>
+              </a:ln>
+            </p:spPr>
+            <p:style>
+              <a:lnRef idx="2">
+                <a:schemeClr val="accent1">
+                  <a:shade val="50000"/>
+                </a:schemeClr>
+              </a:lnRef>
+              <a:fillRef idx="1">
+                <a:schemeClr val="accent1"/>
+              </a:fillRef>
+              <a:effectRef idx="0">
+                <a:schemeClr val="accent1"/>
+              </a:effectRef>
+              <a:fontRef idx="minor">
+                <a:schemeClr val="lt1"/>
+              </a:fontRef>
+            </p:style>
+            <p:txBody>
+              <a:bodyPr anchor="ctr"/>
+              <a:lstStyle/>
+              <a:p>
+                <a:pPr algn="ctr">
+                  <a:defRPr/>
+                </a:pPr>
+                <a:endParaRPr lang="sv-SE" b="1">
+                  <a:solidFill>
+                    <a:srgbClr val="0070C0"/>
+                  </a:solidFill>
+                </a:endParaRPr>
+              </a:p>
+            </p:txBody>
+          </p:sp>
+        </p:grpSp>
+      </p:grpSp>
+      <p:grpSp>
+        <p:nvGrpSpPr>
+          <p:cNvPr id="15372" name="Group 95"/>
+          <p:cNvGrpSpPr>
+            <a:grpSpLocks/>
+          </p:cNvGrpSpPr>
+          <p:nvPr/>
+        </p:nvGrpSpPr>
+        <p:grpSpPr bwMode="auto">
+          <a:xfrm rot="7110064">
+            <a:off x="6157119" y="2826544"/>
+            <a:ext cx="522288" cy="368300"/>
+            <a:chOff x="1631950" y="1183958"/>
+            <a:chExt cx="695960" cy="490646"/>
+          </a:xfrm>
+        </p:grpSpPr>
+        <p:sp>
+          <p:nvSpPr>
+            <p:cNvPr id="97" name="Block Arc 96"/>
+            <p:cNvSpPr/>
+            <p:nvPr/>
+          </p:nvSpPr>
+          <p:spPr>
+            <a:xfrm>
+              <a:off x="1632682" y="1470085"/>
+              <a:ext cx="695959" cy="213600"/>
+            </a:xfrm>
+            <a:prstGeom prst="blockArc">
+              <a:avLst/>
+            </a:prstGeom>
+            <a:solidFill>
+              <a:srgbClr val="E64C40"/>
+            </a:solidFill>
+            <a:ln>
+              <a:solidFill>
+                <a:srgbClr val="E64C40"/>
+              </a:solidFill>
+            </a:ln>
+          </p:spPr>
+          <p:style>
+            <a:lnRef idx="2">
+              <a:schemeClr val="accent1">
+                <a:shade val="50000"/>
+              </a:schemeClr>
+            </a:lnRef>
+            <a:fillRef idx="1">
+              <a:schemeClr val="accent1"/>
+            </a:fillRef>
+            <a:effectRef idx="0">
+              <a:schemeClr val="accent1"/>
+            </a:effectRef>
+            <a:fontRef idx="minor">
+              <a:schemeClr val="lt1"/>
+            </a:fontRef>
+          </p:style>
+          <p:txBody>
+            <a:bodyPr anchor="ctr"/>
+            <a:lstStyle/>
+            <a:p>
+              <a:pPr algn="ctr">
+                <a:defRPr/>
+              </a:pPr>
+              <a:endParaRPr lang="sv-SE" b="1">
+                <a:solidFill>
+                  <a:srgbClr val="0070C0"/>
+                </a:solidFill>
+              </a:endParaRPr>
+            </a:p>
+          </p:txBody>
+        </p:sp>
+        <p:sp>
+          <p:nvSpPr>
+            <p:cNvPr id="98" name="Block Arc 97"/>
+            <p:cNvSpPr/>
+            <p:nvPr/>
+          </p:nvSpPr>
+          <p:spPr>
+            <a:xfrm rot="10800000">
+              <a:off x="1632707" y="1190916"/>
+              <a:ext cx="695960" cy="213600"/>
+            </a:xfrm>
+            <a:prstGeom prst="blockArc">
+              <a:avLst/>
+            </a:prstGeom>
+            <a:solidFill>
+              <a:srgbClr val="E64C40"/>
+            </a:solidFill>
+            <a:ln>
+              <a:solidFill>
+                <a:srgbClr val="E64C40"/>
+              </a:solidFill>
+            </a:ln>
+          </p:spPr>
+          <p:style>
+            <a:lnRef idx="2">
+              <a:schemeClr val="accent1">
+                <a:shade val="50000"/>
+              </a:schemeClr>
+            </a:lnRef>
+            <a:fillRef idx="1">
+              <a:schemeClr val="accent1"/>
+            </a:fillRef>
+            <a:effectRef idx="0">
+              <a:schemeClr val="accent1"/>
+            </a:effectRef>
+            <a:fontRef idx="minor">
+              <a:schemeClr val="lt1"/>
+            </a:fontRef>
+          </p:style>
+          <p:txBody>
+            <a:bodyPr anchor="ctr"/>
+            <a:lstStyle/>
+            <a:p>
+              <a:pPr algn="ctr">
+                <a:defRPr/>
+              </a:pPr>
+              <a:endParaRPr lang="sv-SE" b="1">
+                <a:solidFill>
+                  <a:srgbClr val="0070C0"/>
+                </a:solidFill>
+              </a:endParaRPr>
+            </a:p>
+          </p:txBody>
+        </p:sp>
+        <p:sp>
+          <p:nvSpPr>
+            <p:cNvPr id="99" name="Rectangle 98"/>
+            <p:cNvSpPr/>
+            <p:nvPr/>
+          </p:nvSpPr>
+          <p:spPr>
+            <a:xfrm>
+              <a:off x="1687630" y="1366133"/>
+              <a:ext cx="604998" cy="141696"/>
+            </a:xfrm>
+            <a:prstGeom prst="rect">
+              <a:avLst/>
+            </a:prstGeom>
+            <a:solidFill>
+              <a:srgbClr val="E64C40"/>
+            </a:solidFill>
+            <a:ln>
+              <a:solidFill>
+                <a:srgbClr val="E64C40"/>
+              </a:solidFill>
+            </a:ln>
+          </p:spPr>
+          <p:style>
+            <a:lnRef idx="2">
+              <a:schemeClr val="accent1">
+                <a:shade val="50000"/>
+              </a:schemeClr>
+            </a:lnRef>
+            <a:fillRef idx="1">
+              <a:schemeClr val="accent1"/>
+            </a:fillRef>
+            <a:effectRef idx="0">
+              <a:schemeClr val="accent1"/>
+            </a:effectRef>
+            <a:fontRef idx="minor">
+              <a:schemeClr val="lt1"/>
+            </a:fontRef>
+          </p:style>
+          <p:txBody>
+            <a:bodyPr anchor="ctr"/>
+            <a:lstStyle/>
+            <a:p>
+              <a:pPr algn="ctr">
+                <a:defRPr/>
+              </a:pPr>
+              <a:endParaRPr lang="sv-SE" b="1">
+                <a:solidFill>
+                  <a:srgbClr val="0070C0"/>
+                </a:solidFill>
+              </a:endParaRPr>
+            </a:p>
+          </p:txBody>
+        </p:sp>
+      </p:grpSp>
+      <p:grpSp>
+        <p:nvGrpSpPr>
+          <p:cNvPr id="15373" name="Group 99"/>
+          <p:cNvGrpSpPr>
+            <a:grpSpLocks/>
+          </p:cNvGrpSpPr>
+          <p:nvPr/>
+        </p:nvGrpSpPr>
+        <p:grpSpPr bwMode="auto">
+          <a:xfrm rot="7038937">
+            <a:off x="5267325" y="2832100"/>
+            <a:ext cx="520700" cy="368300"/>
+            <a:chOff x="1631950" y="1183958"/>
+            <a:chExt cx="695960" cy="490646"/>
+          </a:xfrm>
+        </p:grpSpPr>
+        <p:sp>
+          <p:nvSpPr>
+            <p:cNvPr id="101" name="Block Arc 100"/>
+            <p:cNvSpPr/>
+            <p:nvPr/>
+          </p:nvSpPr>
+          <p:spPr>
+            <a:xfrm>
+              <a:off x="1631567" y="1473825"/>
+              <a:ext cx="695960" cy="213601"/>
+            </a:xfrm>
+            <a:prstGeom prst="blockArc">
+              <a:avLst/>
+            </a:prstGeom>
+            <a:solidFill>
+              <a:srgbClr val="E64C40"/>
+            </a:solidFill>
+            <a:ln>
+              <a:solidFill>
+                <a:srgbClr val="E64C40"/>
+              </a:solidFill>
+            </a:ln>
+          </p:spPr>
+          <p:style>
+            <a:lnRef idx="2">
+              <a:schemeClr val="accent1">
+                <a:shade val="50000"/>
+              </a:schemeClr>
+            </a:lnRef>
+            <a:fillRef idx="1">
+              <a:schemeClr val="accent1"/>
+            </a:fillRef>
+            <a:effectRef idx="0">
+              <a:schemeClr val="accent1"/>
+            </a:effectRef>
+            <a:fontRef idx="minor">
+              <a:schemeClr val="lt1"/>
+            </a:fontRef>
+          </p:style>
+          <p:txBody>
+            <a:bodyPr anchor="ctr"/>
+            <a:lstStyle/>
+            <a:p>
+              <a:pPr algn="ctr">
+                <a:defRPr/>
+              </a:pPr>
+              <a:endParaRPr lang="sv-SE" b="1">
+                <a:solidFill>
+                  <a:srgbClr val="0070C0"/>
+                </a:solidFill>
+              </a:endParaRPr>
+            </a:p>
+          </p:txBody>
+        </p:sp>
+        <p:sp>
+          <p:nvSpPr>
+            <p:cNvPr id="102" name="Block Arc 101"/>
+            <p:cNvSpPr/>
+            <p:nvPr/>
+          </p:nvSpPr>
+          <p:spPr>
+            <a:xfrm rot="10800000">
+              <a:off x="1630758" y="1195749"/>
+              <a:ext cx="695960" cy="213600"/>
+            </a:xfrm>
+            <a:prstGeom prst="blockArc">
+              <a:avLst/>
+            </a:prstGeom>
+            <a:solidFill>
+              <a:srgbClr val="E64C40"/>
+            </a:solidFill>
+            <a:ln>
+              <a:solidFill>
+                <a:srgbClr val="E64C40"/>
+              </a:solidFill>
+            </a:ln>
+          </p:spPr>
+          <p:style>
+            <a:lnRef idx="2">
+              <a:schemeClr val="accent1">
+                <a:shade val="50000"/>
+              </a:schemeClr>
+            </a:lnRef>
+            <a:fillRef idx="1">
+              <a:schemeClr val="accent1"/>
+            </a:fillRef>
+            <a:effectRef idx="0">
+              <a:schemeClr val="accent1"/>
+            </a:effectRef>
+            <a:fontRef idx="minor">
+              <a:schemeClr val="lt1"/>
+            </a:fontRef>
+          </p:style>
+          <p:txBody>
+            <a:bodyPr anchor="ctr"/>
+            <a:lstStyle/>
+            <a:p>
+              <a:pPr algn="ctr">
+                <a:defRPr/>
+              </a:pPr>
+              <a:endParaRPr lang="sv-SE" b="1">
+                <a:solidFill>
+                  <a:srgbClr val="0070C0"/>
+                </a:solidFill>
+              </a:endParaRPr>
+            </a:p>
+          </p:txBody>
+        </p:sp>
+        <p:sp>
+          <p:nvSpPr>
+            <p:cNvPr id="103" name="Rectangle 102"/>
+            <p:cNvSpPr/>
+            <p:nvPr/>
+          </p:nvSpPr>
+          <p:spPr>
+            <a:xfrm>
+              <a:off x="1686727" y="1369191"/>
+              <a:ext cx="604721" cy="141696"/>
+            </a:xfrm>
+            <a:prstGeom prst="rect">
+              <a:avLst/>
+            </a:prstGeom>
+            <a:solidFill>
+              <a:srgbClr val="E64C40"/>
+            </a:solidFill>
+            <a:ln>
+              <a:solidFill>
+                <a:srgbClr val="E64C40"/>
+              </a:solidFill>
+            </a:ln>
+          </p:spPr>
+          <p:style>
+            <a:lnRef idx="2">
+              <a:schemeClr val="accent1">
+                <a:shade val="50000"/>
+              </a:schemeClr>
+            </a:lnRef>
+            <a:fillRef idx="1">
+              <a:schemeClr val="accent1"/>
+            </a:fillRef>
+            <a:effectRef idx="0">
+              <a:schemeClr val="accent1"/>
+            </a:effectRef>
+            <a:fontRef idx="minor">
+              <a:schemeClr val="lt1"/>
+            </a:fontRef>
+          </p:style>
+          <p:txBody>
+            <a:bodyPr anchor="ctr"/>
+            <a:lstStyle/>
+            <a:p>
+              <a:pPr algn="ctr">
+                <a:defRPr/>
+              </a:pPr>
+              <a:endParaRPr lang="sv-SE" b="1">
+                <a:solidFill>
+                  <a:srgbClr val="0070C0"/>
+                </a:solidFill>
+              </a:endParaRPr>
+            </a:p>
+          </p:txBody>
+        </p:sp>
+      </p:grpSp>
+      <p:grpSp>
+        <p:nvGrpSpPr>
+          <p:cNvPr id="15374" name="Group 103"/>
+          <p:cNvGrpSpPr>
+            <a:grpSpLocks/>
+          </p:cNvGrpSpPr>
+          <p:nvPr/>
+        </p:nvGrpSpPr>
+        <p:grpSpPr bwMode="auto">
+          <a:xfrm rot="7038937">
+            <a:off x="7050088" y="2832100"/>
+            <a:ext cx="520700" cy="368300"/>
+            <a:chOff x="1631950" y="1183958"/>
+            <a:chExt cx="695960" cy="490646"/>
+          </a:xfrm>
+        </p:grpSpPr>
+        <p:sp>
+          <p:nvSpPr>
+            <p:cNvPr id="105" name="Block Arc 104"/>
+            <p:cNvSpPr/>
+            <p:nvPr/>
+          </p:nvSpPr>
+          <p:spPr>
+            <a:xfrm>
+              <a:off x="1631567" y="1473826"/>
+              <a:ext cx="695960" cy="213600"/>
+            </a:xfrm>
+            <a:prstGeom prst="blockArc">
+              <a:avLst/>
+            </a:prstGeom>
+            <a:solidFill>
+              <a:srgbClr val="E64C40"/>
+            </a:solidFill>
+            <a:ln>
+              <a:solidFill>
+                <a:srgbClr val="E64C40"/>
+              </a:solidFill>
+            </a:ln>
+          </p:spPr>
+          <p:style>
+            <a:lnRef idx="2">
+              <a:schemeClr val="accent1">
+                <a:shade val="50000"/>
+              </a:schemeClr>
+            </a:lnRef>
+            <a:fillRef idx="1">
+              <a:schemeClr val="accent1"/>
+            </a:fillRef>
+            <a:effectRef idx="0">
+              <a:schemeClr val="accent1"/>
+            </a:effectRef>
+            <a:fontRef idx="minor">
+              <a:schemeClr val="lt1"/>
+            </a:fontRef>
+          </p:style>
+          <p:txBody>
+            <a:bodyPr anchor="ctr"/>
+            <a:lstStyle/>
+            <a:p>
+              <a:pPr algn="ctr">
+                <a:defRPr/>
+              </a:pPr>
+              <a:endParaRPr lang="sv-SE" b="1">
+                <a:solidFill>
+                  <a:srgbClr val="0070C0"/>
+                </a:solidFill>
+              </a:endParaRPr>
+            </a:p>
+          </p:txBody>
+        </p:sp>
+        <p:sp>
+          <p:nvSpPr>
+            <p:cNvPr id="106" name="Block Arc 105"/>
+            <p:cNvSpPr/>
+            <p:nvPr/>
+          </p:nvSpPr>
+          <p:spPr>
+            <a:xfrm rot="10800000">
+              <a:off x="1630760" y="1195749"/>
+              <a:ext cx="695960" cy="213601"/>
+            </a:xfrm>
+            <a:prstGeom prst="blockArc">
+              <a:avLst/>
+            </a:prstGeom>
+            <a:solidFill>
+              <a:srgbClr val="E64C40"/>
+            </a:solidFill>
+            <a:ln>
+              <a:solidFill>
+                <a:srgbClr val="E64C40"/>
+              </a:solidFill>
+            </a:ln>
+          </p:spPr>
+          <p:style>
+            <a:lnRef idx="2">
+              <a:schemeClr val="accent1">
+                <a:shade val="50000"/>
+              </a:schemeClr>
+            </a:lnRef>
+            <a:fillRef idx="1">
+              <a:schemeClr val="accent1"/>
+            </a:fillRef>
+            <a:effectRef idx="0">
+              <a:schemeClr val="accent1"/>
+            </a:effectRef>
+            <a:fontRef idx="minor">
+              <a:schemeClr val="lt1"/>
+            </a:fontRef>
+          </p:style>
+          <p:txBody>
+            <a:bodyPr anchor="ctr"/>
+            <a:lstStyle/>
+            <a:p>
+              <a:pPr algn="ctr">
+                <a:defRPr/>
+              </a:pPr>
+              <a:endParaRPr lang="sv-SE" b="1">
+                <a:solidFill>
+                  <a:srgbClr val="0070C0"/>
+                </a:solidFill>
+              </a:endParaRPr>
+            </a:p>
+          </p:txBody>
+        </p:sp>
+        <p:sp>
+          <p:nvSpPr>
+            <p:cNvPr id="107" name="Rectangle 106"/>
+            <p:cNvSpPr/>
+            <p:nvPr/>
+          </p:nvSpPr>
+          <p:spPr>
+            <a:xfrm>
+              <a:off x="1686728" y="1369192"/>
+              <a:ext cx="604721" cy="141695"/>
+            </a:xfrm>
+            <a:prstGeom prst="rect">
+              <a:avLst/>
+            </a:prstGeom>
+            <a:solidFill>
+              <a:srgbClr val="E64C40"/>
+            </a:solidFill>
+            <a:ln>
+              <a:solidFill>
+                <a:srgbClr val="E64C40"/>
+              </a:solidFill>
+            </a:ln>
+          </p:spPr>
+          <p:style>
+            <a:lnRef idx="2">
+              <a:schemeClr val="accent1">
+                <a:shade val="50000"/>
+              </a:schemeClr>
+            </a:lnRef>
+            <a:fillRef idx="1">
+              <a:schemeClr val="accent1"/>
+            </a:fillRef>
+            <a:effectRef idx="0">
+              <a:schemeClr val="accent1"/>
+            </a:effectRef>
+            <a:fontRef idx="minor">
+              <a:schemeClr val="lt1"/>
+            </a:fontRef>
+          </p:style>
+          <p:txBody>
+            <a:bodyPr anchor="ctr"/>
+            <a:lstStyle/>
+            <a:p>
+              <a:pPr algn="ctr">
+                <a:defRPr/>
+              </a:pPr>
+              <a:endParaRPr lang="sv-SE" b="1">
+                <a:solidFill>
+                  <a:srgbClr val="0070C0"/>
+                </a:solidFill>
+              </a:endParaRPr>
+            </a:p>
+          </p:txBody>
+        </p:sp>
+      </p:grpSp>
+      <p:sp>
+        <p:nvSpPr>
+          <p:cNvPr id="110" name="Content Placeholder 2"/>
+          <p:cNvSpPr txBox="1">
+            <a:spLocks/>
+          </p:cNvSpPr>
+          <p:nvPr/>
+        </p:nvSpPr>
+        <p:spPr bwMode="auto">
+          <a:xfrm>
+            <a:off x="2339212" y="3271738"/>
+            <a:ext cx="2040634" cy="1243113"/>
+          </a:xfrm>
+          <a:prstGeom prst="rect">
+            <a:avLst/>
+          </a:prstGeom>
+        </p:spPr>
+        <p:txBody>
+          <a:bodyPr lIns="68580" tIns="34290" rIns="68580" bIns="34290">
+            <a:noAutofit/>
+          </a:bodyPr>
+          <a:lstStyle>
+            <a:lvl1pPr marL="228600" indent="-228600" algn="l" defTabSz="914400" rtl="0" eaLnBrk="1" latinLnBrk="0" hangingPunct="1">
+              <a:lnSpc>
+                <a:spcPct val="90000"/>
+              </a:lnSpc>
+              <a:spcBef>
+                <a:spcPts val="1000"/>
+              </a:spcBef>
+              <a:buClr>
+                <a:srgbClr val="27A0F2"/>
+              </a:buClr>
+              <a:buFont typeface="Arial" panose="020B0604020202020204" pitchFamily="34" charset="0"/>
+              <a:buChar char="•"/>
+              <a:defRPr sz="2800" kern="1200">
+                <a:solidFill>
+                  <a:srgbClr val="3A3A3A"/>
+                </a:solidFill>
+                <a:latin typeface="Segoe UI" panose="020B0502040204020203" pitchFamily="34" charset="0"/>
+                <a:ea typeface="+mn-ea"/>
+                <a:cs typeface="Segoe UI" panose="020B0502040204020203" pitchFamily="34" charset="0"/>
+              </a:defRPr>
+            </a:lvl1pPr>
+            <a:lvl2pPr marL="685800" indent="-228600" algn="l" defTabSz="914400" rtl="0" eaLnBrk="1" latinLnBrk="0" hangingPunct="1">
+              <a:lnSpc>
+                <a:spcPct val="90000"/>
+              </a:lnSpc>
+              <a:spcBef>
+                <a:spcPts val="500"/>
+              </a:spcBef>
+              <a:buClr>
+                <a:srgbClr val="27A0F2"/>
+              </a:buClr>
+              <a:buFont typeface="Arial" panose="020B0604020202020204" pitchFamily="34" charset="0"/>
+              <a:buChar char="•"/>
+              <a:defRPr sz="2400" kern="1200">
+                <a:solidFill>
+                  <a:srgbClr val="3A3A3A"/>
+                </a:solidFill>
+                <a:latin typeface="Segoe UI" panose="020B0502040204020203" pitchFamily="34" charset="0"/>
+                <a:ea typeface="+mn-ea"/>
+                <a:cs typeface="Segoe UI" panose="020B0502040204020203" pitchFamily="34" charset="0"/>
+              </a:defRPr>
+            </a:lvl2pPr>
+            <a:lvl3pPr marL="1143000" indent="-228600" algn="l" defTabSz="914400" rtl="0" eaLnBrk="1" latinLnBrk="0" hangingPunct="1">
+              <a:lnSpc>
+                <a:spcPct val="90000"/>
+              </a:lnSpc>
+              <a:spcBef>
+                <a:spcPts val="500"/>
+              </a:spcBef>
+              <a:buClr>
+                <a:srgbClr val="27A0F2"/>
+              </a:buClr>
+              <a:buFont typeface="Arial" panose="020B0604020202020204" pitchFamily="34" charset="0"/>
+              <a:buChar char="•"/>
+              <a:defRPr sz="2000" kern="1200">
+                <a:solidFill>
+                  <a:srgbClr val="3A3A3A"/>
+                </a:solidFill>
+                <a:latin typeface="Segoe UI" panose="020B0502040204020203" pitchFamily="34" charset="0"/>
+                <a:ea typeface="+mn-ea"/>
+                <a:cs typeface="Segoe UI" panose="020B0502040204020203" pitchFamily="34" charset="0"/>
+              </a:defRPr>
+            </a:lvl3pPr>
+            <a:lvl4pPr marL="1600200" indent="-228600" algn="l" defTabSz="914400" rtl="0" eaLnBrk="1" latinLnBrk="0" hangingPunct="1">
+              <a:lnSpc>
+                <a:spcPct val="90000"/>
+              </a:lnSpc>
+              <a:spcBef>
+                <a:spcPts val="500"/>
+              </a:spcBef>
+              <a:buClr>
+                <a:srgbClr val="27A0F2"/>
+              </a:buClr>
+              <a:buFont typeface="Arial" panose="020B0604020202020204" pitchFamily="34" charset="0"/>
+              <a:buChar char="•"/>
+              <a:defRPr sz="1800" kern="1200">
+                <a:solidFill>
+                  <a:srgbClr val="3A3A3A"/>
+                </a:solidFill>
+                <a:latin typeface="Segoe UI" panose="020B0502040204020203" pitchFamily="34" charset="0"/>
+                <a:ea typeface="+mn-ea"/>
+                <a:cs typeface="Segoe UI" panose="020B0502040204020203" pitchFamily="34" charset="0"/>
+              </a:defRPr>
+            </a:lvl4pPr>
+            <a:lvl5pPr marL="2057400" indent="-228600" algn="l" defTabSz="914400" rtl="0" eaLnBrk="1" latinLnBrk="0" hangingPunct="1">
+              <a:lnSpc>
+                <a:spcPct val="90000"/>
+              </a:lnSpc>
+              <a:spcBef>
+                <a:spcPts val="500"/>
+              </a:spcBef>
+              <a:buClr>
+                <a:srgbClr val="27A0F2"/>
+              </a:buClr>
+              <a:buFont typeface="Arial" panose="020B0604020202020204" pitchFamily="34" charset="0"/>
+              <a:buChar char="•"/>
+              <a:defRPr sz="1800" kern="1200">
+                <a:solidFill>
+                  <a:srgbClr val="3A3A3A"/>
+                </a:solidFill>
+                <a:latin typeface="Segoe UI" panose="020B0502040204020203" pitchFamily="34" charset="0"/>
+                <a:ea typeface="+mn-ea"/>
+                <a:cs typeface="Segoe UI" panose="020B0502040204020203" pitchFamily="34" charset="0"/>
+              </a:defRPr>
+            </a:lvl5pPr>
+            <a:lvl6pPr marL="2514600" indent="-228600" algn="l" defTabSz="914400" rtl="0" eaLnBrk="1" latinLnBrk="0" hangingPunct="1">
+              <a:lnSpc>
+                <a:spcPct val="90000"/>
+              </a:lnSpc>
+              <a:spcBef>
+                <a:spcPts val="500"/>
+              </a:spcBef>
+              <a:buFont typeface="Arial" panose="020B0604020202020204" pitchFamily="34" charset="0"/>
+              <a:buChar char="•"/>
+              <a:defRPr sz="1800" kern="1200">
+                <a:solidFill>
+                  <a:schemeClr val="tx1"/>
+                </a:solidFill>
+                <a:latin typeface="+mn-lt"/>
+                <a:ea typeface="+mn-ea"/>
+                <a:cs typeface="+mn-cs"/>
+              </a:defRPr>
+            </a:lvl6pPr>
+            <a:lvl7pPr marL="2971800" indent="-228600" algn="l" defTabSz="914400" rtl="0" eaLnBrk="1" latinLnBrk="0" hangingPunct="1">
+              <a:lnSpc>
+                <a:spcPct val="90000"/>
+              </a:lnSpc>
+              <a:spcBef>
+                <a:spcPts val="500"/>
+              </a:spcBef>
+              <a:buFont typeface="Arial" panose="020B0604020202020204" pitchFamily="34" charset="0"/>
+              <a:buChar char="•"/>
+              <a:defRPr sz="1800" kern="1200">
+                <a:solidFill>
+                  <a:schemeClr val="tx1"/>
+                </a:solidFill>
+                <a:latin typeface="+mn-lt"/>
+                <a:ea typeface="+mn-ea"/>
+                <a:cs typeface="+mn-cs"/>
+              </a:defRPr>
+            </a:lvl7pPr>
+            <a:lvl8pPr marL="3429000" indent="-228600" algn="l" defTabSz="914400" rtl="0" eaLnBrk="1" latinLnBrk="0" hangingPunct="1">
+              <a:lnSpc>
+                <a:spcPct val="90000"/>
+              </a:lnSpc>
+              <a:spcBef>
+                <a:spcPts val="500"/>
+              </a:spcBef>
+              <a:buFont typeface="Arial" panose="020B0604020202020204" pitchFamily="34" charset="0"/>
+              <a:buChar char="•"/>
+              <a:defRPr sz="1800" kern="1200">
+                <a:solidFill>
+                  <a:schemeClr val="tx1"/>
+                </a:solidFill>
+                <a:latin typeface="+mn-lt"/>
+                <a:ea typeface="+mn-ea"/>
+                <a:cs typeface="+mn-cs"/>
+              </a:defRPr>
+            </a:lvl8pPr>
+            <a:lvl9pPr marL="3886200" indent="-228600" algn="l" defTabSz="914400" rtl="0" eaLnBrk="1" latinLnBrk="0" hangingPunct="1">
+              <a:lnSpc>
+                <a:spcPct val="90000"/>
+              </a:lnSpc>
+              <a:spcBef>
+                <a:spcPts val="500"/>
+              </a:spcBef>
+              <a:buFont typeface="Arial" panose="020B0604020202020204" pitchFamily="34" charset="0"/>
+              <a:buChar char="•"/>
+              <a:defRPr sz="1800" kern="1200">
+                <a:solidFill>
+                  <a:schemeClr val="tx1"/>
+                </a:solidFill>
+                <a:latin typeface="+mn-lt"/>
+                <a:ea typeface="+mn-ea"/>
+                <a:cs typeface="+mn-cs"/>
+              </a:defRPr>
+            </a:lvl9pPr>
+          </a:lstStyle>
+          <a:p>
+            <a:pPr marL="0" indent="0">
+              <a:lnSpc>
+                <a:spcPct val="100000"/>
+              </a:lnSpc>
+              <a:buNone/>
+              <a:defRPr/>
+            </a:pPr>
+            <a:r>
+              <a:rPr lang="ja-JP" altLang="en-US" sz="1200" b="1" u="sng" dirty="0" smtClean="0">
+                <a:latin typeface="メイリオ" panose="020B0604030504040204" pitchFamily="50" charset="-128"/>
+                <a:ea typeface="メイリオ" panose="020B0604030504040204" pitchFamily="50" charset="-128"/>
+                <a:cs typeface="メイリオ" panose="020B0604030504040204" pitchFamily="50" charset="-128"/>
+              </a:rPr>
+              <a:t>入力：</a:t>
+            </a:r>
+            <a:endParaRPr lang="sv-SE" sz="1200" b="1" u="sng" dirty="0">
+              <a:latin typeface="メイリオ" panose="020B0604030504040204" pitchFamily="50" charset="-128"/>
+              <a:ea typeface="メイリオ" panose="020B0604030504040204" pitchFamily="50" charset="-128"/>
+              <a:cs typeface="メイリオ" panose="020B0604030504040204" pitchFamily="50" charset="-128"/>
+            </a:endParaRPr>
+          </a:p>
+          <a:p>
+            <a:pPr marL="144000" indent="-144000">
+              <a:lnSpc>
+                <a:spcPct val="100000"/>
+              </a:lnSpc>
+              <a:spcBef>
+                <a:spcPts val="0"/>
+              </a:spcBef>
+              <a:buClr>
+                <a:srgbClr val="FF0000"/>
+              </a:buClr>
+              <a:defRPr/>
+            </a:pPr>
+            <a:r>
+              <a:rPr lang="ja-JP" altLang="en-US" sz="1050" dirty="0" smtClean="0">
+                <a:latin typeface="メイリオ" panose="020B0604030504040204" pitchFamily="50" charset="-128"/>
+                <a:ea typeface="メイリオ" panose="020B0604030504040204" pitchFamily="50" charset="-128"/>
+                <a:cs typeface="メイリオ" panose="020B0604030504040204" pitchFamily="50" charset="-128"/>
+              </a:rPr>
+              <a:t>プロプライエタリ</a:t>
+            </a:r>
+            <a:r>
+              <a:rPr lang="en-US" altLang="ja-JP" sz="1050" dirty="0" smtClean="0">
+                <a:latin typeface="メイリオ" panose="020B0604030504040204" pitchFamily="50" charset="-128"/>
+                <a:ea typeface="メイリオ" panose="020B0604030504040204" pitchFamily="50" charset="-128"/>
+                <a:cs typeface="メイリオ" panose="020B0604030504040204" pitchFamily="50" charset="-128"/>
+              </a:rPr>
+              <a:t/>
+            </a:r>
+            <a:br>
+              <a:rPr lang="en-US" altLang="ja-JP" sz="1050" dirty="0" smtClean="0">
+                <a:latin typeface="メイリオ" panose="020B0604030504040204" pitchFamily="50" charset="-128"/>
+                <a:ea typeface="メイリオ" panose="020B0604030504040204" pitchFamily="50" charset="-128"/>
+                <a:cs typeface="メイリオ" panose="020B0604030504040204" pitchFamily="50" charset="-128"/>
+              </a:rPr>
+            </a:br>
+            <a:r>
+              <a:rPr lang="ja-JP" altLang="en-US" sz="1050" dirty="0" smtClean="0">
+                <a:latin typeface="メイリオ" panose="020B0604030504040204" pitchFamily="50" charset="-128"/>
+                <a:ea typeface="メイリオ" panose="020B0604030504040204" pitchFamily="50" charset="-128"/>
+                <a:cs typeface="メイリオ" panose="020B0604030504040204" pitchFamily="50" charset="-128"/>
+              </a:rPr>
+              <a:t>ソフトウェア</a:t>
+            </a:r>
+            <a:endParaRPr lang="en-US" altLang="ja-JP" sz="1050" dirty="0" smtClean="0">
+              <a:latin typeface="メイリオ" panose="020B0604030504040204" pitchFamily="50" charset="-128"/>
+              <a:ea typeface="メイリオ" panose="020B0604030504040204" pitchFamily="50" charset="-128"/>
+              <a:cs typeface="メイリオ" panose="020B0604030504040204" pitchFamily="50" charset="-128"/>
+            </a:endParaRPr>
+          </a:p>
+          <a:p>
+            <a:pPr marL="144000" indent="-144000">
+              <a:lnSpc>
+                <a:spcPct val="100000"/>
+              </a:lnSpc>
+              <a:spcBef>
+                <a:spcPts val="0"/>
+              </a:spcBef>
+              <a:buClr>
+                <a:srgbClr val="FF0000"/>
+              </a:buClr>
+              <a:defRPr/>
+            </a:pPr>
+            <a:r>
+              <a:rPr lang="ja-JP" altLang="en-US" sz="1050" dirty="0" smtClean="0">
+                <a:latin typeface="メイリオ" panose="020B0604030504040204" pitchFamily="50" charset="-128"/>
+                <a:ea typeface="メイリオ" panose="020B0604030504040204" pitchFamily="50" charset="-128"/>
+                <a:cs typeface="メイリオ" panose="020B0604030504040204" pitchFamily="50" charset="-128"/>
+              </a:rPr>
+              <a:t>サードパーティ</a:t>
+            </a:r>
+            <a:r>
+              <a:rPr lang="en-US" altLang="ja-JP" sz="1050" dirty="0" smtClean="0">
+                <a:latin typeface="メイリオ" panose="020B0604030504040204" pitchFamily="50" charset="-128"/>
+                <a:ea typeface="メイリオ" panose="020B0604030504040204" pitchFamily="50" charset="-128"/>
+                <a:cs typeface="メイリオ" panose="020B0604030504040204" pitchFamily="50" charset="-128"/>
+              </a:rPr>
+              <a:t/>
+            </a:r>
+            <a:br>
+              <a:rPr lang="en-US" altLang="ja-JP" sz="1050" dirty="0" smtClean="0">
+                <a:latin typeface="メイリオ" panose="020B0604030504040204" pitchFamily="50" charset="-128"/>
+                <a:ea typeface="メイリオ" panose="020B0604030504040204" pitchFamily="50" charset="-128"/>
+                <a:cs typeface="メイリオ" panose="020B0604030504040204" pitchFamily="50" charset="-128"/>
+              </a:rPr>
+            </a:br>
+            <a:r>
+              <a:rPr lang="ja-JP" altLang="en-US" sz="1050" dirty="0" smtClean="0">
+                <a:latin typeface="メイリオ" panose="020B0604030504040204" pitchFamily="50" charset="-128"/>
+                <a:ea typeface="メイリオ" panose="020B0604030504040204" pitchFamily="50" charset="-128"/>
+                <a:cs typeface="メイリオ" panose="020B0604030504040204" pitchFamily="50" charset="-128"/>
+              </a:rPr>
+              <a:t>ソフトウェア</a:t>
+            </a:r>
+            <a:endParaRPr lang="en-US" altLang="ja-JP" sz="1050" dirty="0" smtClean="0">
+              <a:latin typeface="メイリオ" panose="020B0604030504040204" pitchFamily="50" charset="-128"/>
+              <a:ea typeface="メイリオ" panose="020B0604030504040204" pitchFamily="50" charset="-128"/>
+              <a:cs typeface="メイリオ" panose="020B0604030504040204" pitchFamily="50" charset="-128"/>
+            </a:endParaRPr>
+          </a:p>
+          <a:p>
+            <a:pPr marL="144000" indent="-144000">
+              <a:lnSpc>
+                <a:spcPct val="100000"/>
+              </a:lnSpc>
+              <a:spcBef>
+                <a:spcPts val="0"/>
+              </a:spcBef>
+              <a:buClr>
+                <a:srgbClr val="FF0000"/>
+              </a:buClr>
+              <a:defRPr/>
+            </a:pPr>
+            <a:r>
+              <a:rPr lang="ja-JP" altLang="en-US" sz="1050" dirty="0" smtClean="0">
+                <a:latin typeface="メイリオ" panose="020B0604030504040204" pitchFamily="50" charset="-128"/>
+                <a:ea typeface="メイリオ" panose="020B0604030504040204" pitchFamily="50" charset="-128"/>
+                <a:cs typeface="メイリオ" panose="020B0604030504040204" pitchFamily="50" charset="-128"/>
+              </a:rPr>
+              <a:t>オープンソース </a:t>
+            </a:r>
+            <a:r>
+              <a:rPr lang="en-US" altLang="ja-JP" sz="1050" dirty="0" smtClean="0">
+                <a:latin typeface="メイリオ" panose="020B0604030504040204" pitchFamily="50" charset="-128"/>
+                <a:ea typeface="メイリオ" panose="020B0604030504040204" pitchFamily="50" charset="-128"/>
+                <a:cs typeface="メイリオ" panose="020B0604030504040204" pitchFamily="50" charset="-128"/>
+              </a:rPr>
+              <a:t/>
+            </a:r>
+            <a:br>
+              <a:rPr lang="en-US" altLang="ja-JP" sz="1050" dirty="0" smtClean="0">
+                <a:latin typeface="メイリオ" panose="020B0604030504040204" pitchFamily="50" charset="-128"/>
+                <a:ea typeface="メイリオ" panose="020B0604030504040204" pitchFamily="50" charset="-128"/>
+                <a:cs typeface="メイリオ" panose="020B0604030504040204" pitchFamily="50" charset="-128"/>
+              </a:rPr>
+            </a:br>
+            <a:r>
+              <a:rPr lang="ja-JP" altLang="en-US" sz="1050" dirty="0" smtClean="0">
+                <a:latin typeface="メイリオ" panose="020B0604030504040204" pitchFamily="50" charset="-128"/>
+                <a:ea typeface="メイリオ" panose="020B0604030504040204" pitchFamily="50" charset="-128"/>
+                <a:cs typeface="メイリオ" panose="020B0604030504040204" pitchFamily="50" charset="-128"/>
+              </a:rPr>
+              <a:t>ソフトウェア</a:t>
+            </a:r>
+            <a:endParaRPr lang="sv-SE" sz="1050" dirty="0">
+              <a:latin typeface="メイリオ" panose="020B0604030504040204" pitchFamily="50" charset="-128"/>
+              <a:ea typeface="メイリオ" panose="020B0604030504040204" pitchFamily="50" charset="-128"/>
+              <a:cs typeface="メイリオ" panose="020B0604030504040204" pitchFamily="50" charset="-128"/>
+            </a:endParaRPr>
+          </a:p>
+        </p:txBody>
+      </p:sp>
+      <p:sp>
+        <p:nvSpPr>
+          <p:cNvPr id="2" name="Arrow: Right 1"/>
+          <p:cNvSpPr/>
+          <p:nvPr/>
+        </p:nvSpPr>
+        <p:spPr bwMode="auto">
+          <a:xfrm>
+            <a:off x="3082941" y="2782094"/>
+            <a:ext cx="522288" cy="460375"/>
+          </a:xfrm>
+          <a:prstGeom prst="rightArrow">
+            <a:avLst/>
+          </a:prstGeom>
+          <a:solidFill>
+            <a:srgbClr val="7F7F7F"/>
+          </a:solidFill>
+          <a:ln>
+            <a:noFill/>
+          </a:ln>
+        </p:spPr>
+        <p:style>
+          <a:lnRef idx="2">
+            <a:schemeClr val="accent1">
+              <a:shade val="50000"/>
+            </a:schemeClr>
+          </a:lnRef>
+          <a:fillRef idx="1">
+            <a:schemeClr val="accent1"/>
+          </a:fillRef>
+          <a:effectRef idx="0">
+            <a:schemeClr val="accent1"/>
+          </a:effectRef>
+          <a:fontRef idx="minor">
+            <a:schemeClr val="lt1"/>
+          </a:fontRef>
+        </p:style>
+        <p:txBody>
+          <a:bodyPr anchor="ctr"/>
+          <a:lstStyle/>
+          <a:p>
+            <a:pPr algn="ctr">
+              <a:defRPr/>
+            </a:pPr>
+            <a:endParaRPr lang="sv-SE" b="1"/>
+          </a:p>
+        </p:txBody>
+      </p:sp>
+      <p:sp>
+        <p:nvSpPr>
+          <p:cNvPr id="113" name="Arrow: Right 112"/>
+          <p:cNvSpPr/>
+          <p:nvPr/>
+        </p:nvSpPr>
+        <p:spPr bwMode="auto">
+          <a:xfrm>
+            <a:off x="7881348" y="2787815"/>
+            <a:ext cx="522288" cy="460375"/>
+          </a:xfrm>
+          <a:prstGeom prst="rightArrow">
+            <a:avLst/>
+          </a:prstGeom>
+          <a:solidFill>
+            <a:srgbClr val="7F7F7F"/>
+          </a:solidFill>
+          <a:ln>
+            <a:noFill/>
+          </a:ln>
+        </p:spPr>
+        <p:style>
+          <a:lnRef idx="2">
+            <a:schemeClr val="accent1">
+              <a:shade val="50000"/>
+            </a:schemeClr>
+          </a:lnRef>
+          <a:fillRef idx="1">
+            <a:schemeClr val="accent1"/>
+          </a:fillRef>
+          <a:effectRef idx="0">
+            <a:schemeClr val="accent1"/>
+          </a:effectRef>
+          <a:fontRef idx="minor">
+            <a:schemeClr val="lt1"/>
+          </a:fontRef>
+        </p:style>
+        <p:txBody>
+          <a:bodyPr anchor="ctr"/>
+          <a:lstStyle/>
+          <a:p>
+            <a:pPr algn="ctr">
+              <a:defRPr/>
+            </a:pPr>
+            <a:endParaRPr lang="sv-SE"/>
+          </a:p>
+        </p:txBody>
+      </p:sp>
+      <p:pic>
+        <p:nvPicPr>
+          <p:cNvPr id="15379" name="Picture 113"/>
+          <p:cNvPicPr>
+            <a:picLocks noChangeAspect="1"/>
+          </p:cNvPicPr>
+          <p:nvPr/>
+        </p:nvPicPr>
+        <p:blipFill>
+          <a:blip r:embed="rId2">
+            <a:extLst>
+              <a:ext uri="{28A0092B-C50C-407E-A947-70E740481C1C}">
+                <a14:useLocalDpi xmlns:a14="http://schemas.microsoft.com/office/drawing/2010/main" val="0"/>
+              </a:ext>
+            </a:extLst>
+          </a:blip>
+          <a:srcRect/>
+          <a:stretch>
+            <a:fillRect/>
+          </a:stretch>
+        </p:blipFill>
+        <p:spPr bwMode="auto">
+          <a:xfrm>
+            <a:off x="4175126" y="3224214"/>
+            <a:ext cx="466725" cy="458787"/>
+          </a:xfrm>
+          <a:prstGeom prst="rect">
+            <a:avLst/>
+          </a:prstGeom>
+          <a:noFill/>
+          <a:ln>
+            <a:noFill/>
+          </a:ln>
+          <a:extLst>
+            <a:ext uri="{909E8E84-426E-40DD-AFC4-6F175D3DCCD1}">
+              <a14:hiddenFill xmlns:a14="http://schemas.microsoft.com/office/drawing/2010/main">
+                <a:solidFill>
+                  <a:srgbClr val="FFFFFF"/>
+                </a:solidFill>
+              </a14:hiddenFill>
+            </a:ext>
+            <a:ext uri="{91240B29-F687-4F45-9708-019B960494DF}">
+              <a14:hiddenLine xmlns:a14="http://schemas.microsoft.com/office/drawing/2010/main" w="9525">
+                <a:solidFill>
+                  <a:srgbClr val="000000"/>
+                </a:solidFill>
+                <a:miter lim="800000"/>
+                <a:headEnd/>
+                <a:tailEnd/>
+              </a14:hiddenLine>
+            </a:ext>
+          </a:extLst>
+        </p:spPr>
+      </p:pic>
+      <p:pic>
+        <p:nvPicPr>
+          <p:cNvPr id="15380" name="Picture 114"/>
+          <p:cNvPicPr>
+            <a:picLocks noChangeAspect="1"/>
+          </p:cNvPicPr>
+          <p:nvPr/>
+        </p:nvPicPr>
+        <p:blipFill>
+          <a:blip r:embed="rId3" cstate="print">
+            <a:extLst>
+              <a:ext uri="{28A0092B-C50C-407E-A947-70E740481C1C}">
+                <a14:useLocalDpi xmlns:a14="http://schemas.microsoft.com/office/drawing/2010/main" val="0"/>
+              </a:ext>
+            </a:extLst>
+          </a:blip>
+          <a:srcRect/>
+          <a:stretch>
+            <a:fillRect/>
+          </a:stretch>
+        </p:blipFill>
+        <p:spPr bwMode="auto">
+          <a:xfrm>
+            <a:off x="6919914" y="3254376"/>
+            <a:ext cx="384175" cy="404813"/>
+          </a:xfrm>
+          <a:prstGeom prst="rect">
+            <a:avLst/>
+          </a:prstGeom>
+          <a:noFill/>
+          <a:ln>
+            <a:noFill/>
+          </a:ln>
+          <a:extLst>
+            <a:ext uri="{909E8E84-426E-40DD-AFC4-6F175D3DCCD1}">
+              <a14:hiddenFill xmlns:a14="http://schemas.microsoft.com/office/drawing/2010/main">
+                <a:solidFill>
+                  <a:srgbClr val="FFFFFF"/>
+                </a:solidFill>
+              </a14:hiddenFill>
+            </a:ext>
+            <a:ext uri="{91240B29-F687-4F45-9708-019B960494DF}">
+              <a14:hiddenLine xmlns:a14="http://schemas.microsoft.com/office/drawing/2010/main" w="9525">
+                <a:solidFill>
+                  <a:srgbClr val="000000"/>
+                </a:solidFill>
+                <a:miter lim="800000"/>
+                <a:headEnd/>
+                <a:tailEnd/>
+              </a14:hiddenLine>
+            </a:ext>
+          </a:extLst>
+        </p:spPr>
+      </p:pic>
+      <p:pic>
+        <p:nvPicPr>
+          <p:cNvPr id="15381" name="Picture 115"/>
+          <p:cNvPicPr>
+            <a:picLocks noChangeAspect="1"/>
+          </p:cNvPicPr>
+          <p:nvPr/>
+        </p:nvPicPr>
+        <p:blipFill>
+          <a:blip r:embed="rId4" cstate="print">
+            <a:extLst>
+              <a:ext uri="{28A0092B-C50C-407E-A947-70E740481C1C}">
+                <a14:useLocalDpi xmlns:a14="http://schemas.microsoft.com/office/drawing/2010/main" val="0"/>
+              </a:ext>
+            </a:extLst>
+          </a:blip>
+          <a:srcRect/>
+          <a:stretch>
+            <a:fillRect/>
+          </a:stretch>
+        </p:blipFill>
+        <p:spPr bwMode="auto">
+          <a:xfrm>
+            <a:off x="4618039" y="2327276"/>
+            <a:ext cx="504825" cy="481013"/>
+          </a:xfrm>
+          <a:prstGeom prst="rect">
+            <a:avLst/>
+          </a:prstGeom>
+          <a:noFill/>
+          <a:ln>
+            <a:noFill/>
+          </a:ln>
+          <a:extLst>
+            <a:ext uri="{909E8E84-426E-40DD-AFC4-6F175D3DCCD1}">
+              <a14:hiddenFill xmlns:a14="http://schemas.microsoft.com/office/drawing/2010/main">
+                <a:solidFill>
+                  <a:srgbClr val="FFFFFF"/>
+                </a:solidFill>
+              </a14:hiddenFill>
+            </a:ext>
+            <a:ext uri="{91240B29-F687-4F45-9708-019B960494DF}">
+              <a14:hiddenLine xmlns:a14="http://schemas.microsoft.com/office/drawing/2010/main" w="9525">
+                <a:solidFill>
+                  <a:srgbClr val="000000"/>
+                </a:solidFill>
+                <a:miter lim="800000"/>
+                <a:headEnd/>
+                <a:tailEnd/>
+              </a14:hiddenLine>
+            </a:ext>
+          </a:extLst>
+        </p:spPr>
+      </p:pic>
+      <p:pic>
+        <p:nvPicPr>
+          <p:cNvPr id="15382" name="Picture 116"/>
+          <p:cNvPicPr>
+            <a:picLocks noChangeAspect="1"/>
+          </p:cNvPicPr>
+          <p:nvPr/>
+        </p:nvPicPr>
+        <p:blipFill>
+          <a:blip r:embed="rId5">
+            <a:extLst>
+              <a:ext uri="{28A0092B-C50C-407E-A947-70E740481C1C}">
+                <a14:useLocalDpi xmlns:a14="http://schemas.microsoft.com/office/drawing/2010/main" val="0"/>
+              </a:ext>
+            </a:extLst>
+          </a:blip>
+          <a:srcRect/>
+          <a:stretch>
+            <a:fillRect/>
+          </a:stretch>
+        </p:blipFill>
+        <p:spPr bwMode="auto">
+          <a:xfrm>
+            <a:off x="5057775" y="3300413"/>
+            <a:ext cx="503238" cy="322262"/>
+          </a:xfrm>
+          <a:prstGeom prst="rect">
+            <a:avLst/>
+          </a:prstGeom>
+          <a:noFill/>
+          <a:ln>
+            <a:noFill/>
+          </a:ln>
+          <a:extLst>
+            <a:ext uri="{909E8E84-426E-40DD-AFC4-6F175D3DCCD1}">
+              <a14:hiddenFill xmlns:a14="http://schemas.microsoft.com/office/drawing/2010/main">
+                <a:solidFill>
+                  <a:srgbClr val="FFFFFF"/>
+                </a:solidFill>
+              </a14:hiddenFill>
+            </a:ext>
+            <a:ext uri="{91240B29-F687-4F45-9708-019B960494DF}">
+              <a14:hiddenLine xmlns:a14="http://schemas.microsoft.com/office/drawing/2010/main" w="9525">
+                <a:solidFill>
+                  <a:srgbClr val="000000"/>
+                </a:solidFill>
+                <a:miter lim="800000"/>
+                <a:headEnd/>
+                <a:tailEnd/>
+              </a14:hiddenLine>
+            </a:ext>
+          </a:extLst>
+        </p:spPr>
+      </p:pic>
+      <p:pic>
+        <p:nvPicPr>
+          <p:cNvPr id="15383" name="Picture 117"/>
+          <p:cNvPicPr>
+            <a:picLocks noChangeAspect="1"/>
+          </p:cNvPicPr>
+          <p:nvPr/>
+        </p:nvPicPr>
+        <p:blipFill>
+          <a:blip r:embed="rId6" cstate="print">
+            <a:extLst>
+              <a:ext uri="{28A0092B-C50C-407E-A947-70E740481C1C}">
+                <a14:useLocalDpi xmlns:a14="http://schemas.microsoft.com/office/drawing/2010/main" val="0"/>
+              </a:ext>
+            </a:extLst>
+          </a:blip>
+          <a:srcRect/>
+          <a:stretch>
+            <a:fillRect/>
+          </a:stretch>
+        </p:blipFill>
+        <p:spPr bwMode="auto">
+          <a:xfrm>
+            <a:off x="6457950" y="2362201"/>
+            <a:ext cx="412750" cy="417513"/>
+          </a:xfrm>
+          <a:prstGeom prst="rect">
+            <a:avLst/>
+          </a:prstGeom>
+          <a:noFill/>
+          <a:ln>
+            <a:noFill/>
+          </a:ln>
+          <a:extLst>
+            <a:ext uri="{909E8E84-426E-40DD-AFC4-6F175D3DCCD1}">
+              <a14:hiddenFill xmlns:a14="http://schemas.microsoft.com/office/drawing/2010/main">
+                <a:solidFill>
+                  <a:srgbClr val="FFFFFF"/>
+                </a:solidFill>
+              </a14:hiddenFill>
+            </a:ext>
+            <a:ext uri="{91240B29-F687-4F45-9708-019B960494DF}">
+              <a14:hiddenLine xmlns:a14="http://schemas.microsoft.com/office/drawing/2010/main" w="9525">
+                <a:solidFill>
+                  <a:srgbClr val="000000"/>
+                </a:solidFill>
+                <a:miter lim="800000"/>
+                <a:headEnd/>
+                <a:tailEnd/>
+              </a14:hiddenLine>
+            </a:ext>
+          </a:extLst>
+        </p:spPr>
+      </p:pic>
+      <p:pic>
+        <p:nvPicPr>
+          <p:cNvPr id="15384" name="Picture 118"/>
+          <p:cNvPicPr>
+            <a:picLocks noChangeAspect="1"/>
+          </p:cNvPicPr>
+          <p:nvPr/>
+        </p:nvPicPr>
+        <p:blipFill>
+          <a:blip r:embed="rId7" cstate="print">
+            <a:extLst>
+              <a:ext uri="{28A0092B-C50C-407E-A947-70E740481C1C}">
+                <a14:useLocalDpi xmlns:a14="http://schemas.microsoft.com/office/drawing/2010/main" val="0"/>
+              </a:ext>
+            </a:extLst>
+          </a:blip>
+          <a:srcRect/>
+          <a:stretch>
+            <a:fillRect/>
+          </a:stretch>
+        </p:blipFill>
+        <p:spPr bwMode="auto">
+          <a:xfrm>
+            <a:off x="5997575" y="3260725"/>
+            <a:ext cx="382588" cy="344488"/>
+          </a:xfrm>
+          <a:prstGeom prst="rect">
+            <a:avLst/>
+          </a:prstGeom>
+          <a:noFill/>
+          <a:ln>
+            <a:noFill/>
+          </a:ln>
+          <a:extLst>
+            <a:ext uri="{909E8E84-426E-40DD-AFC4-6F175D3DCCD1}">
+              <a14:hiddenFill xmlns:a14="http://schemas.microsoft.com/office/drawing/2010/main">
+                <a:solidFill>
+                  <a:srgbClr val="FFFFFF"/>
+                </a:solidFill>
+              </a14:hiddenFill>
+            </a:ext>
+            <a:ext uri="{91240B29-F687-4F45-9708-019B960494DF}">
+              <a14:hiddenLine xmlns:a14="http://schemas.microsoft.com/office/drawing/2010/main" w="9525">
+                <a:solidFill>
+                  <a:srgbClr val="000000"/>
+                </a:solidFill>
+                <a:miter lim="800000"/>
+                <a:headEnd/>
+                <a:tailEnd/>
+              </a14:hiddenLine>
+            </a:ext>
+          </a:extLst>
+        </p:spPr>
+      </p:pic>
+      <p:pic>
+        <p:nvPicPr>
+          <p:cNvPr id="15385" name="Picture 119"/>
+          <p:cNvPicPr>
+            <a:picLocks noChangeAspect="1"/>
+          </p:cNvPicPr>
+          <p:nvPr/>
+        </p:nvPicPr>
+        <p:blipFill>
+          <a:blip r:embed="rId8">
+            <a:extLst>
+              <a:ext uri="{28A0092B-C50C-407E-A947-70E740481C1C}">
+                <a14:useLocalDpi xmlns:a14="http://schemas.microsoft.com/office/drawing/2010/main" val="0"/>
+              </a:ext>
+            </a:extLst>
+          </a:blip>
+          <a:srcRect/>
+          <a:stretch>
+            <a:fillRect/>
+          </a:stretch>
+        </p:blipFill>
+        <p:spPr bwMode="auto">
+          <a:xfrm>
+            <a:off x="7321551" y="2335213"/>
+            <a:ext cx="449263" cy="436562"/>
+          </a:xfrm>
+          <a:prstGeom prst="rect">
+            <a:avLst/>
+          </a:prstGeom>
+          <a:noFill/>
+          <a:ln>
+            <a:noFill/>
+          </a:ln>
+          <a:extLst>
+            <a:ext uri="{909E8E84-426E-40DD-AFC4-6F175D3DCCD1}">
+              <a14:hiddenFill xmlns:a14="http://schemas.microsoft.com/office/drawing/2010/main">
+                <a:solidFill>
+                  <a:srgbClr val="FFFFFF"/>
+                </a:solidFill>
+              </a14:hiddenFill>
+            </a:ext>
+            <a:ext uri="{91240B29-F687-4F45-9708-019B960494DF}">
+              <a14:hiddenLine xmlns:a14="http://schemas.microsoft.com/office/drawing/2010/main" w="9525">
+                <a:solidFill>
+                  <a:srgbClr val="000000"/>
+                </a:solidFill>
+                <a:miter lim="800000"/>
+                <a:headEnd/>
+                <a:tailEnd/>
+              </a14:hiddenLine>
+            </a:ext>
+          </a:extLst>
+        </p:spPr>
+      </p:pic>
+      <p:pic>
+        <p:nvPicPr>
+          <p:cNvPr id="15386" name="Picture 120"/>
+          <p:cNvPicPr>
+            <a:picLocks noChangeAspect="1"/>
+          </p:cNvPicPr>
+          <p:nvPr/>
+        </p:nvPicPr>
+        <p:blipFill>
+          <a:blip r:embed="rId9">
+            <a:extLst>
+              <a:ext uri="{28A0092B-C50C-407E-A947-70E740481C1C}">
+                <a14:useLocalDpi xmlns:a14="http://schemas.microsoft.com/office/drawing/2010/main" val="0"/>
+              </a:ext>
+            </a:extLst>
+          </a:blip>
+          <a:srcRect/>
+          <a:stretch>
+            <a:fillRect/>
+          </a:stretch>
+        </p:blipFill>
+        <p:spPr bwMode="auto">
+          <a:xfrm>
+            <a:off x="3787775" y="2339975"/>
+            <a:ext cx="433388" cy="446088"/>
+          </a:xfrm>
+          <a:prstGeom prst="rect">
+            <a:avLst/>
+          </a:prstGeom>
+          <a:noFill/>
+          <a:ln>
+            <a:noFill/>
+          </a:ln>
+          <a:extLst>
+            <a:ext uri="{909E8E84-426E-40DD-AFC4-6F175D3DCCD1}">
+              <a14:hiddenFill xmlns:a14="http://schemas.microsoft.com/office/drawing/2010/main">
+                <a:solidFill>
+                  <a:srgbClr val="FFFFFF"/>
+                </a:solidFill>
+              </a14:hiddenFill>
+            </a:ext>
+            <a:ext uri="{91240B29-F687-4F45-9708-019B960494DF}">
+              <a14:hiddenLine xmlns:a14="http://schemas.microsoft.com/office/drawing/2010/main" w="9525">
+                <a:solidFill>
+                  <a:srgbClr val="000000"/>
+                </a:solidFill>
+                <a:miter lim="800000"/>
+                <a:headEnd/>
+                <a:tailEnd/>
+              </a14:hiddenLine>
+            </a:ext>
+          </a:extLst>
+        </p:spPr>
+      </p:pic>
+      <p:pic>
+        <p:nvPicPr>
+          <p:cNvPr id="15387" name="Picture 121"/>
+          <p:cNvPicPr>
+            <a:picLocks noChangeAspect="1"/>
+          </p:cNvPicPr>
+          <p:nvPr/>
+        </p:nvPicPr>
+        <p:blipFill>
+          <a:blip r:embed="rId10">
+            <a:extLst>
+              <a:ext uri="{28A0092B-C50C-407E-A947-70E740481C1C}">
+                <a14:useLocalDpi xmlns:a14="http://schemas.microsoft.com/office/drawing/2010/main" val="0"/>
+              </a:ext>
+            </a:extLst>
+          </a:blip>
+          <a:srcRect/>
+          <a:stretch>
+            <a:fillRect/>
+          </a:stretch>
+        </p:blipFill>
+        <p:spPr bwMode="auto">
+          <a:xfrm>
+            <a:off x="5562600" y="2349500"/>
+            <a:ext cx="369888" cy="420688"/>
+          </a:xfrm>
+          <a:prstGeom prst="rect">
+            <a:avLst/>
+          </a:prstGeom>
+          <a:noFill/>
+          <a:ln>
+            <a:noFill/>
+          </a:ln>
+          <a:extLst>
+            <a:ext uri="{909E8E84-426E-40DD-AFC4-6F175D3DCCD1}">
+              <a14:hiddenFill xmlns:a14="http://schemas.microsoft.com/office/drawing/2010/main">
+                <a:solidFill>
+                  <a:srgbClr val="FFFFFF"/>
+                </a:solidFill>
+              </a14:hiddenFill>
+            </a:ext>
+            <a:ext uri="{91240B29-F687-4F45-9708-019B960494DF}">
+              <a14:hiddenLine xmlns:a14="http://schemas.microsoft.com/office/drawing/2010/main" w="9525">
+                <a:solidFill>
+                  <a:srgbClr val="000000"/>
+                </a:solidFill>
+                <a:miter lim="800000"/>
+                <a:headEnd/>
+                <a:tailEnd/>
+              </a14:hiddenLine>
+            </a:ext>
+          </a:extLst>
+        </p:spPr>
+      </p:pic>
+      <p:sp>
+        <p:nvSpPr>
+          <p:cNvPr id="61" name="Rounded Rectangle 60"/>
+          <p:cNvSpPr/>
+          <p:nvPr/>
+        </p:nvSpPr>
+        <p:spPr>
+          <a:xfrm>
+            <a:off x="2222105" y="2804297"/>
+            <a:ext cx="760258" cy="383304"/>
+          </a:xfrm>
+          <a:prstGeom prst="roundRect">
+            <a:avLst/>
+          </a:prstGeom>
+          <a:noFill/>
+          <a:ln w="38100">
+            <a:solidFill>
+              <a:srgbClr val="2CA4F2"/>
+            </a:solidFill>
+          </a:ln>
+        </p:spPr>
+        <p:style>
+          <a:lnRef idx="2">
+            <a:schemeClr val="accent1">
+              <a:shade val="50000"/>
+            </a:schemeClr>
+          </a:lnRef>
+          <a:fillRef idx="1">
+            <a:schemeClr val="accent1"/>
+          </a:fillRef>
+          <a:effectRef idx="0">
+            <a:schemeClr val="accent1"/>
+          </a:effectRef>
+          <a:fontRef idx="minor">
+            <a:schemeClr val="lt1"/>
+          </a:fontRef>
+        </p:style>
+        <p:txBody>
+          <a:bodyPr rtlCol="0" anchor="ctr"/>
+          <a:lstStyle/>
+          <a:p>
+            <a:pPr algn="ctr"/>
+            <a:r>
+              <a:rPr lang="ja-JP" altLang="en-US" sz="1600" b="1" i="1" dirty="0">
+                <a:solidFill>
+                  <a:schemeClr val="tx1"/>
+                </a:solidFill>
+                <a:latin typeface="メイリオ" panose="020B0604030504040204" pitchFamily="50" charset="-128"/>
+                <a:ea typeface="メイリオ" panose="020B0604030504040204" pitchFamily="50" charset="-128"/>
+                <a:cs typeface="メイリオ" panose="020B0604030504040204" pitchFamily="50" charset="-128"/>
+              </a:rPr>
+              <a:t>開始</a:t>
+            </a:r>
+            <a:endParaRPr lang="en-US" sz="1600" b="1" i="1" dirty="0">
+              <a:solidFill>
+                <a:schemeClr val="tx1"/>
+              </a:solidFill>
+              <a:latin typeface="メイリオ" panose="020B0604030504040204" pitchFamily="50" charset="-128"/>
+              <a:ea typeface="メイリオ" panose="020B0604030504040204" pitchFamily="50" charset="-128"/>
+              <a:cs typeface="メイリオ" panose="020B0604030504040204" pitchFamily="50" charset="-128"/>
+            </a:endParaRPr>
+          </a:p>
+        </p:txBody>
+      </p:sp>
+      <p:sp>
+        <p:nvSpPr>
+          <p:cNvPr id="63" name="Content Placeholder 2"/>
+          <p:cNvSpPr txBox="1">
+            <a:spLocks/>
+          </p:cNvSpPr>
+          <p:nvPr/>
+        </p:nvSpPr>
+        <p:spPr bwMode="auto">
+          <a:xfrm>
+            <a:off x="8448241" y="3271738"/>
+            <a:ext cx="1393975" cy="859533"/>
+          </a:xfrm>
+          <a:prstGeom prst="rect">
+            <a:avLst/>
+          </a:prstGeom>
+        </p:spPr>
+        <p:txBody>
+          <a:bodyPr lIns="68580" tIns="34290" rIns="68580" bIns="34290">
+            <a:noAutofit/>
+          </a:bodyPr>
+          <a:lstStyle>
+            <a:lvl1pPr marL="228600" indent="-228600" algn="l" defTabSz="914400" rtl="0" eaLnBrk="1" latinLnBrk="0" hangingPunct="1">
+              <a:lnSpc>
+                <a:spcPct val="90000"/>
+              </a:lnSpc>
+              <a:spcBef>
+                <a:spcPts val="1000"/>
+              </a:spcBef>
+              <a:buClr>
+                <a:srgbClr val="27A0F2"/>
+              </a:buClr>
+              <a:buFont typeface="Arial" panose="020B0604020202020204" pitchFamily="34" charset="0"/>
+              <a:buChar char="•"/>
+              <a:defRPr sz="2800" kern="1200">
+                <a:solidFill>
+                  <a:srgbClr val="3A3A3A"/>
+                </a:solidFill>
+                <a:latin typeface="Segoe UI" panose="020B0502040204020203" pitchFamily="34" charset="0"/>
+                <a:ea typeface="+mn-ea"/>
+                <a:cs typeface="Segoe UI" panose="020B0502040204020203" pitchFamily="34" charset="0"/>
+              </a:defRPr>
+            </a:lvl1pPr>
+            <a:lvl2pPr marL="685800" indent="-228600" algn="l" defTabSz="914400" rtl="0" eaLnBrk="1" latinLnBrk="0" hangingPunct="1">
+              <a:lnSpc>
+                <a:spcPct val="90000"/>
+              </a:lnSpc>
+              <a:spcBef>
+                <a:spcPts val="500"/>
+              </a:spcBef>
+              <a:buClr>
+                <a:srgbClr val="27A0F2"/>
+              </a:buClr>
+              <a:buFont typeface="Arial" panose="020B0604020202020204" pitchFamily="34" charset="0"/>
+              <a:buChar char="•"/>
+              <a:defRPr sz="2400" kern="1200">
+                <a:solidFill>
+                  <a:srgbClr val="3A3A3A"/>
+                </a:solidFill>
+                <a:latin typeface="Segoe UI" panose="020B0502040204020203" pitchFamily="34" charset="0"/>
+                <a:ea typeface="+mn-ea"/>
+                <a:cs typeface="Segoe UI" panose="020B0502040204020203" pitchFamily="34" charset="0"/>
+              </a:defRPr>
+            </a:lvl2pPr>
+            <a:lvl3pPr marL="1143000" indent="-228600" algn="l" defTabSz="914400" rtl="0" eaLnBrk="1" latinLnBrk="0" hangingPunct="1">
+              <a:lnSpc>
+                <a:spcPct val="90000"/>
+              </a:lnSpc>
+              <a:spcBef>
+                <a:spcPts val="500"/>
+              </a:spcBef>
+              <a:buClr>
+                <a:srgbClr val="27A0F2"/>
+              </a:buClr>
+              <a:buFont typeface="Arial" panose="020B0604020202020204" pitchFamily="34" charset="0"/>
+              <a:buChar char="•"/>
+              <a:defRPr sz="2000" kern="1200">
+                <a:solidFill>
+                  <a:srgbClr val="3A3A3A"/>
+                </a:solidFill>
+                <a:latin typeface="Segoe UI" panose="020B0502040204020203" pitchFamily="34" charset="0"/>
+                <a:ea typeface="+mn-ea"/>
+                <a:cs typeface="Segoe UI" panose="020B0502040204020203" pitchFamily="34" charset="0"/>
+              </a:defRPr>
+            </a:lvl3pPr>
+            <a:lvl4pPr marL="1600200" indent="-228600" algn="l" defTabSz="914400" rtl="0" eaLnBrk="1" latinLnBrk="0" hangingPunct="1">
+              <a:lnSpc>
+                <a:spcPct val="90000"/>
+              </a:lnSpc>
+              <a:spcBef>
+                <a:spcPts val="500"/>
+              </a:spcBef>
+              <a:buClr>
+                <a:srgbClr val="27A0F2"/>
+              </a:buClr>
+              <a:buFont typeface="Arial" panose="020B0604020202020204" pitchFamily="34" charset="0"/>
+              <a:buChar char="•"/>
+              <a:defRPr sz="1800" kern="1200">
+                <a:solidFill>
+                  <a:srgbClr val="3A3A3A"/>
+                </a:solidFill>
+                <a:latin typeface="Segoe UI" panose="020B0502040204020203" pitchFamily="34" charset="0"/>
+                <a:ea typeface="+mn-ea"/>
+                <a:cs typeface="Segoe UI" panose="020B0502040204020203" pitchFamily="34" charset="0"/>
+              </a:defRPr>
+            </a:lvl4pPr>
+            <a:lvl5pPr marL="2057400" indent="-228600" algn="l" defTabSz="914400" rtl="0" eaLnBrk="1" latinLnBrk="0" hangingPunct="1">
+              <a:lnSpc>
+                <a:spcPct val="90000"/>
+              </a:lnSpc>
+              <a:spcBef>
+                <a:spcPts val="500"/>
+              </a:spcBef>
+              <a:buClr>
+                <a:srgbClr val="27A0F2"/>
+              </a:buClr>
+              <a:buFont typeface="Arial" panose="020B0604020202020204" pitchFamily="34" charset="0"/>
+              <a:buChar char="•"/>
+              <a:defRPr sz="1800" kern="1200">
+                <a:solidFill>
+                  <a:srgbClr val="3A3A3A"/>
+                </a:solidFill>
+                <a:latin typeface="Segoe UI" panose="020B0502040204020203" pitchFamily="34" charset="0"/>
+                <a:ea typeface="+mn-ea"/>
+                <a:cs typeface="Segoe UI" panose="020B0502040204020203" pitchFamily="34" charset="0"/>
+              </a:defRPr>
+            </a:lvl5pPr>
+            <a:lvl6pPr marL="2514600" indent="-228600" algn="l" defTabSz="914400" rtl="0" eaLnBrk="1" latinLnBrk="0" hangingPunct="1">
+              <a:lnSpc>
+                <a:spcPct val="90000"/>
+              </a:lnSpc>
+              <a:spcBef>
+                <a:spcPts val="500"/>
+              </a:spcBef>
+              <a:buFont typeface="Arial" panose="020B0604020202020204" pitchFamily="34" charset="0"/>
+              <a:buChar char="•"/>
+              <a:defRPr sz="1800" kern="1200">
+                <a:solidFill>
+                  <a:schemeClr val="tx1"/>
+                </a:solidFill>
+                <a:latin typeface="+mn-lt"/>
+                <a:ea typeface="+mn-ea"/>
+                <a:cs typeface="+mn-cs"/>
+              </a:defRPr>
+            </a:lvl6pPr>
+            <a:lvl7pPr marL="2971800" indent="-228600" algn="l" defTabSz="914400" rtl="0" eaLnBrk="1" latinLnBrk="0" hangingPunct="1">
+              <a:lnSpc>
+                <a:spcPct val="90000"/>
+              </a:lnSpc>
+              <a:spcBef>
+                <a:spcPts val="500"/>
+              </a:spcBef>
+              <a:buFont typeface="Arial" panose="020B0604020202020204" pitchFamily="34" charset="0"/>
+              <a:buChar char="•"/>
+              <a:defRPr sz="1800" kern="1200">
+                <a:solidFill>
+                  <a:schemeClr val="tx1"/>
+                </a:solidFill>
+                <a:latin typeface="+mn-lt"/>
+                <a:ea typeface="+mn-ea"/>
+                <a:cs typeface="+mn-cs"/>
+              </a:defRPr>
+            </a:lvl7pPr>
+            <a:lvl8pPr marL="3429000" indent="-228600" algn="l" defTabSz="914400" rtl="0" eaLnBrk="1" latinLnBrk="0" hangingPunct="1">
+              <a:lnSpc>
+                <a:spcPct val="90000"/>
+              </a:lnSpc>
+              <a:spcBef>
+                <a:spcPts val="500"/>
+              </a:spcBef>
+              <a:buFont typeface="Arial" panose="020B0604020202020204" pitchFamily="34" charset="0"/>
+              <a:buChar char="•"/>
+              <a:defRPr sz="1800" kern="1200">
+                <a:solidFill>
+                  <a:schemeClr val="tx1"/>
+                </a:solidFill>
+                <a:latin typeface="+mn-lt"/>
+                <a:ea typeface="+mn-ea"/>
+                <a:cs typeface="+mn-cs"/>
+              </a:defRPr>
+            </a:lvl8pPr>
+            <a:lvl9pPr marL="3886200" indent="-228600" algn="l" defTabSz="914400" rtl="0" eaLnBrk="1" latinLnBrk="0" hangingPunct="1">
+              <a:lnSpc>
+                <a:spcPct val="90000"/>
+              </a:lnSpc>
+              <a:spcBef>
+                <a:spcPts val="500"/>
+              </a:spcBef>
+              <a:buFont typeface="Arial" panose="020B0604020202020204" pitchFamily="34" charset="0"/>
+              <a:buChar char="•"/>
+              <a:defRPr sz="1800" kern="1200">
+                <a:solidFill>
+                  <a:schemeClr val="tx1"/>
+                </a:solidFill>
+                <a:latin typeface="+mn-lt"/>
+                <a:ea typeface="+mn-ea"/>
+                <a:cs typeface="+mn-cs"/>
+              </a:defRPr>
+            </a:lvl9pPr>
+          </a:lstStyle>
+          <a:p>
+            <a:pPr marL="0" indent="0">
+              <a:lnSpc>
+                <a:spcPct val="100000"/>
+              </a:lnSpc>
+              <a:buNone/>
+              <a:defRPr/>
+            </a:pPr>
+            <a:r>
+              <a:rPr lang="ja-JP" altLang="en-US" sz="1200" b="1" u="sng" dirty="0" smtClean="0">
+                <a:latin typeface="メイリオ" panose="020B0604030504040204" pitchFamily="50" charset="-128"/>
+                <a:ea typeface="メイリオ" panose="020B0604030504040204" pitchFamily="50" charset="-128"/>
+                <a:cs typeface="メイリオ" panose="020B0604030504040204" pitchFamily="50" charset="-128"/>
+              </a:rPr>
+              <a:t>出力：</a:t>
+            </a:r>
+            <a:endParaRPr lang="sv-SE" sz="1200" b="1" u="sng" dirty="0">
+              <a:latin typeface="メイリオ" panose="020B0604030504040204" pitchFamily="50" charset="-128"/>
+              <a:ea typeface="メイリオ" panose="020B0604030504040204" pitchFamily="50" charset="-128"/>
+              <a:cs typeface="メイリオ" panose="020B0604030504040204" pitchFamily="50" charset="-128"/>
+            </a:endParaRPr>
+          </a:p>
+          <a:p>
+            <a:pPr marL="144000" indent="-144000">
+              <a:lnSpc>
+                <a:spcPct val="100000"/>
+              </a:lnSpc>
+              <a:spcBef>
+                <a:spcPts val="0"/>
+              </a:spcBef>
+              <a:buClr>
+                <a:srgbClr val="FF0000"/>
+              </a:buClr>
+              <a:defRPr/>
+            </a:pPr>
+            <a:r>
+              <a:rPr lang="ja-JP" altLang="en-US" sz="1050" dirty="0" smtClean="0">
+                <a:latin typeface="メイリオ" panose="020B0604030504040204" pitchFamily="50" charset="-128"/>
+                <a:ea typeface="メイリオ" panose="020B0604030504040204" pitchFamily="50" charset="-128"/>
+                <a:cs typeface="メイリオ" panose="020B0604030504040204" pitchFamily="50" charset="-128"/>
+              </a:rPr>
+              <a:t>書面による申し入れ（</a:t>
+            </a:r>
+            <a:r>
+              <a:rPr lang="sv-SE" sz="1050" dirty="0" smtClean="0">
+                <a:latin typeface="メイリオ" panose="020B0604030504040204" pitchFamily="50" charset="-128"/>
+                <a:ea typeface="メイリオ" panose="020B0604030504040204" pitchFamily="50" charset="-128"/>
+                <a:cs typeface="メイリオ" panose="020B0604030504040204" pitchFamily="50" charset="-128"/>
+              </a:rPr>
+              <a:t>Written offer</a:t>
+            </a:r>
+            <a:r>
+              <a:rPr lang="ja-JP" altLang="en-US" sz="1050" dirty="0" smtClean="0">
+                <a:latin typeface="メイリオ" panose="020B0604030504040204" pitchFamily="50" charset="-128"/>
+                <a:ea typeface="メイリオ" panose="020B0604030504040204" pitchFamily="50" charset="-128"/>
+                <a:cs typeface="メイリオ" panose="020B0604030504040204" pitchFamily="50" charset="-128"/>
+              </a:rPr>
+              <a:t>）</a:t>
+            </a:r>
+            <a:r>
+              <a:rPr lang="sv-SE" sz="1050" dirty="0" smtClean="0">
+                <a:latin typeface="メイリオ" panose="020B0604030504040204" pitchFamily="50" charset="-128"/>
+                <a:ea typeface="メイリオ" panose="020B0604030504040204" pitchFamily="50" charset="-128"/>
+                <a:cs typeface="メイリオ" panose="020B0604030504040204" pitchFamily="50" charset="-128"/>
+              </a:rPr>
+              <a:t> </a:t>
+            </a:r>
+          </a:p>
+          <a:p>
+            <a:pPr marL="144000" indent="-144000">
+              <a:lnSpc>
+                <a:spcPct val="100000"/>
+              </a:lnSpc>
+              <a:spcBef>
+                <a:spcPts val="0"/>
+              </a:spcBef>
+              <a:buClr>
+                <a:srgbClr val="FF0000"/>
+              </a:buClr>
+              <a:defRPr/>
+            </a:pPr>
+            <a:r>
+              <a:rPr lang="ja-JP" altLang="en-US" sz="1050" dirty="0" smtClean="0">
+                <a:latin typeface="メイリオ" panose="020B0604030504040204" pitchFamily="50" charset="-128"/>
+                <a:ea typeface="メイリオ" panose="020B0604030504040204" pitchFamily="50" charset="-128"/>
+                <a:cs typeface="メイリオ" panose="020B0604030504040204" pitchFamily="50" charset="-128"/>
+              </a:rPr>
+              <a:t>告知</a:t>
+            </a:r>
+            <a:r>
+              <a:rPr lang="en-US" altLang="ja-JP" sz="1050" dirty="0" smtClean="0">
+                <a:latin typeface="メイリオ" panose="020B0604030504040204" pitchFamily="50" charset="-128"/>
+                <a:ea typeface="メイリオ" panose="020B0604030504040204" pitchFamily="50" charset="-128"/>
+                <a:cs typeface="メイリオ" panose="020B0604030504040204" pitchFamily="50" charset="-128"/>
+              </a:rPr>
+              <a:t>/</a:t>
+            </a:r>
+            <a:r>
+              <a:rPr lang="ja-JP" altLang="en-US" sz="1050" dirty="0" smtClean="0">
+                <a:latin typeface="メイリオ" panose="020B0604030504040204" pitchFamily="50" charset="-128"/>
+                <a:ea typeface="メイリオ" panose="020B0604030504040204" pitchFamily="50" charset="-128"/>
+                <a:cs typeface="メイリオ" panose="020B0604030504040204" pitchFamily="50" charset="-128"/>
+              </a:rPr>
+              <a:t>通知</a:t>
+            </a:r>
+            <a:r>
+              <a:rPr lang="en-US" altLang="ja-JP" sz="1050" dirty="0" smtClean="0">
+                <a:latin typeface="メイリオ" panose="020B0604030504040204" pitchFamily="50" charset="-128"/>
+                <a:ea typeface="メイリオ" panose="020B0604030504040204" pitchFamily="50" charset="-128"/>
+                <a:cs typeface="メイリオ" panose="020B0604030504040204" pitchFamily="50" charset="-128"/>
+              </a:rPr>
+              <a:t>/</a:t>
+            </a:r>
+            <a:r>
+              <a:rPr lang="ja-JP" altLang="en-US" sz="1050" dirty="0" smtClean="0">
+                <a:latin typeface="メイリオ" panose="020B0604030504040204" pitchFamily="50" charset="-128"/>
+                <a:ea typeface="メイリオ" panose="020B0604030504040204" pitchFamily="50" charset="-128"/>
+                <a:cs typeface="メイリオ" panose="020B0604030504040204" pitchFamily="50" charset="-128"/>
+              </a:rPr>
+              <a:t>表示</a:t>
+            </a:r>
+            <a:endParaRPr lang="en-US" altLang="ja-JP" sz="1050" dirty="0" smtClean="0">
+              <a:latin typeface="メイリオ" panose="020B0604030504040204" pitchFamily="50" charset="-128"/>
+              <a:ea typeface="メイリオ" panose="020B0604030504040204" pitchFamily="50" charset="-128"/>
+              <a:cs typeface="メイリオ" panose="020B0604030504040204" pitchFamily="50" charset="-128"/>
+            </a:endParaRPr>
+          </a:p>
+          <a:p>
+            <a:pPr marL="144000" indent="-144000">
+              <a:lnSpc>
+                <a:spcPct val="100000"/>
+              </a:lnSpc>
+              <a:spcBef>
+                <a:spcPts val="0"/>
+              </a:spcBef>
+              <a:buClr>
+                <a:srgbClr val="FF0000"/>
+              </a:buClr>
+              <a:defRPr/>
+            </a:pPr>
+            <a:r>
+              <a:rPr lang="ja-JP" altLang="en-US" sz="1050" dirty="0" smtClean="0">
+                <a:latin typeface="メイリオ" panose="020B0604030504040204" pitchFamily="50" charset="-128"/>
+                <a:ea typeface="メイリオ" panose="020B0604030504040204" pitchFamily="50" charset="-128"/>
+                <a:cs typeface="メイリオ" panose="020B0604030504040204" pitchFamily="50" charset="-128"/>
+              </a:rPr>
+              <a:t>ソースコード</a:t>
+            </a:r>
+            <a:endParaRPr lang="sv-SE" sz="1050" dirty="0">
+              <a:latin typeface="メイリオ" panose="020B0604030504040204" pitchFamily="50" charset="-128"/>
+              <a:ea typeface="メイリオ" panose="020B0604030504040204" pitchFamily="50" charset="-128"/>
+              <a:cs typeface="メイリオ" panose="020B0604030504040204" pitchFamily="50" charset="-128"/>
+            </a:endParaRPr>
+          </a:p>
+        </p:txBody>
+      </p:sp>
+      <p:sp>
+        <p:nvSpPr>
+          <p:cNvPr id="67" name="Rounded Rectangle 66"/>
+          <p:cNvSpPr/>
+          <p:nvPr/>
+        </p:nvSpPr>
+        <p:spPr>
+          <a:xfrm>
+            <a:off x="8448241" y="2806144"/>
+            <a:ext cx="760258" cy="385038"/>
+          </a:xfrm>
+          <a:prstGeom prst="roundRect">
+            <a:avLst/>
+          </a:prstGeom>
+          <a:noFill/>
+          <a:ln w="38100">
+            <a:solidFill>
+              <a:srgbClr val="2CA4F2"/>
+            </a:solidFill>
+          </a:ln>
+        </p:spPr>
+        <p:style>
+          <a:lnRef idx="2">
+            <a:schemeClr val="accent1">
+              <a:shade val="50000"/>
+            </a:schemeClr>
+          </a:lnRef>
+          <a:fillRef idx="1">
+            <a:schemeClr val="accent1"/>
+          </a:fillRef>
+          <a:effectRef idx="0">
+            <a:schemeClr val="accent1"/>
+          </a:effectRef>
+          <a:fontRef idx="minor">
+            <a:schemeClr val="lt1"/>
+          </a:fontRef>
+        </p:style>
+        <p:txBody>
+          <a:bodyPr rtlCol="0" anchor="ctr"/>
+          <a:lstStyle/>
+          <a:p>
+            <a:pPr algn="ctr"/>
+            <a:r>
+              <a:rPr lang="ja-JP" altLang="en-US" sz="1600" b="1" i="1" dirty="0">
+                <a:solidFill>
+                  <a:schemeClr val="tx1"/>
+                </a:solidFill>
+                <a:latin typeface="メイリオ" panose="020B0604030504040204" pitchFamily="50" charset="-128"/>
+                <a:ea typeface="メイリオ" panose="020B0604030504040204" pitchFamily="50" charset="-128"/>
+                <a:cs typeface="メイリオ" panose="020B0604030504040204" pitchFamily="50" charset="-128"/>
+              </a:rPr>
+              <a:t>終了</a:t>
+            </a:r>
+            <a:endParaRPr lang="en-US" sz="1600" b="1" i="1" dirty="0">
+              <a:solidFill>
+                <a:schemeClr val="tx1"/>
+              </a:solidFill>
+              <a:latin typeface="メイリオ" panose="020B0604030504040204" pitchFamily="50" charset="-128"/>
+              <a:ea typeface="メイリオ" panose="020B0604030504040204" pitchFamily="50" charset="-128"/>
+              <a:cs typeface="メイリオ" panose="020B0604030504040204" pitchFamily="50" charset="-128"/>
+            </a:endParaRPr>
+          </a:p>
+        </p:txBody>
+      </p:sp>
+      <p:pic>
+        <p:nvPicPr>
+          <p:cNvPr id="71" name="Picture 2" descr="http://carrot-top.com/media/catalog/product/cache/1/image/9df78eab33525d08d6e5fb8d27136e95/a/s/as150_checkered.jpg"/>
+          <p:cNvPicPr>
+            <a:picLocks noChangeAspect="1" noChangeArrowheads="1"/>
+          </p:cNvPicPr>
+          <p:nvPr/>
+        </p:nvPicPr>
+        <p:blipFill>
+          <a:blip r:embed="rId11" cstate="print">
+            <a:extLst>
+              <a:ext uri="{28A0092B-C50C-407E-A947-70E740481C1C}">
+                <a14:useLocalDpi xmlns:a14="http://schemas.microsoft.com/office/drawing/2010/main" val="0"/>
+              </a:ext>
+            </a:extLst>
+          </a:blip>
+          <a:srcRect/>
+          <a:stretch>
+            <a:fillRect/>
+          </a:stretch>
+        </p:blipFill>
+        <p:spPr bwMode="auto">
+          <a:xfrm>
+            <a:off x="8681294" y="2173462"/>
+            <a:ext cx="527204" cy="527204"/>
+          </a:xfrm>
+          <a:prstGeom prst="rect">
+            <a:avLst/>
+          </a:prstGeom>
+          <a:noFill/>
+          <a:extLst>
+            <a:ext uri="{909E8E84-426E-40DD-AFC4-6F175D3DCCD1}">
+              <a14:hiddenFill xmlns:a14="http://schemas.microsoft.com/office/drawing/2010/main">
+                <a:solidFill>
+                  <a:srgbClr val="FFFFFF"/>
+                </a:solidFill>
+              </a14:hiddenFill>
+            </a:ext>
+          </a:extLst>
+        </p:spPr>
+      </p:pic>
+      <p:sp>
+        <p:nvSpPr>
+          <p:cNvPr id="74" name="Content Placeholder 2"/>
+          <p:cNvSpPr txBox="1">
+            <a:spLocks/>
+          </p:cNvSpPr>
+          <p:nvPr/>
+        </p:nvSpPr>
+        <p:spPr bwMode="auto">
+          <a:xfrm rot="20161803">
+            <a:off x="3336267" y="2053628"/>
+            <a:ext cx="967767" cy="294481"/>
+          </a:xfrm>
+          <a:prstGeom prst="rect">
+            <a:avLst/>
+          </a:prstGeom>
+        </p:spPr>
+        <p:txBody>
+          <a:bodyPr lIns="68580" tIns="34290" rIns="68580" bIns="34290">
+            <a:noAutofit/>
+          </a:bodyPr>
+          <a:lstStyle>
+            <a:lvl1pPr marL="228600" indent="-228600" algn="l" defTabSz="914400" rtl="0" eaLnBrk="1" latinLnBrk="0" hangingPunct="1">
+              <a:lnSpc>
+                <a:spcPct val="90000"/>
+              </a:lnSpc>
+              <a:spcBef>
+                <a:spcPts val="1000"/>
+              </a:spcBef>
+              <a:buClr>
+                <a:srgbClr val="27A0F2"/>
+              </a:buClr>
+              <a:buFont typeface="Arial" panose="020B0604020202020204" pitchFamily="34" charset="0"/>
+              <a:buChar char="•"/>
+              <a:defRPr sz="2800" kern="1200">
+                <a:solidFill>
+                  <a:srgbClr val="3A3A3A"/>
+                </a:solidFill>
+                <a:latin typeface="Segoe UI" panose="020B0502040204020203" pitchFamily="34" charset="0"/>
+                <a:ea typeface="+mn-ea"/>
+                <a:cs typeface="Segoe UI" panose="020B0502040204020203" pitchFamily="34" charset="0"/>
+              </a:defRPr>
+            </a:lvl1pPr>
+            <a:lvl2pPr marL="685800" indent="-228600" algn="l" defTabSz="914400" rtl="0" eaLnBrk="1" latinLnBrk="0" hangingPunct="1">
+              <a:lnSpc>
+                <a:spcPct val="90000"/>
+              </a:lnSpc>
+              <a:spcBef>
+                <a:spcPts val="500"/>
+              </a:spcBef>
+              <a:buClr>
+                <a:srgbClr val="27A0F2"/>
+              </a:buClr>
+              <a:buFont typeface="Arial" panose="020B0604020202020204" pitchFamily="34" charset="0"/>
+              <a:buChar char="•"/>
+              <a:defRPr sz="2400" kern="1200">
+                <a:solidFill>
+                  <a:srgbClr val="3A3A3A"/>
+                </a:solidFill>
+                <a:latin typeface="Segoe UI" panose="020B0502040204020203" pitchFamily="34" charset="0"/>
+                <a:ea typeface="+mn-ea"/>
+                <a:cs typeface="Segoe UI" panose="020B0502040204020203" pitchFamily="34" charset="0"/>
+              </a:defRPr>
+            </a:lvl2pPr>
+            <a:lvl3pPr marL="1143000" indent="-228600" algn="l" defTabSz="914400" rtl="0" eaLnBrk="1" latinLnBrk="0" hangingPunct="1">
+              <a:lnSpc>
+                <a:spcPct val="90000"/>
+              </a:lnSpc>
+              <a:spcBef>
+                <a:spcPts val="500"/>
+              </a:spcBef>
+              <a:buClr>
+                <a:srgbClr val="27A0F2"/>
+              </a:buClr>
+              <a:buFont typeface="Arial" panose="020B0604020202020204" pitchFamily="34" charset="0"/>
+              <a:buChar char="•"/>
+              <a:defRPr sz="2000" kern="1200">
+                <a:solidFill>
+                  <a:srgbClr val="3A3A3A"/>
+                </a:solidFill>
+                <a:latin typeface="Segoe UI" panose="020B0502040204020203" pitchFamily="34" charset="0"/>
+                <a:ea typeface="+mn-ea"/>
+                <a:cs typeface="Segoe UI" panose="020B0502040204020203" pitchFamily="34" charset="0"/>
+              </a:defRPr>
+            </a:lvl3pPr>
+            <a:lvl4pPr marL="1600200" indent="-228600" algn="l" defTabSz="914400" rtl="0" eaLnBrk="1" latinLnBrk="0" hangingPunct="1">
+              <a:lnSpc>
+                <a:spcPct val="90000"/>
+              </a:lnSpc>
+              <a:spcBef>
+                <a:spcPts val="500"/>
+              </a:spcBef>
+              <a:buClr>
+                <a:srgbClr val="27A0F2"/>
+              </a:buClr>
+              <a:buFont typeface="Arial" panose="020B0604020202020204" pitchFamily="34" charset="0"/>
+              <a:buChar char="•"/>
+              <a:defRPr sz="1800" kern="1200">
+                <a:solidFill>
+                  <a:srgbClr val="3A3A3A"/>
+                </a:solidFill>
+                <a:latin typeface="Segoe UI" panose="020B0502040204020203" pitchFamily="34" charset="0"/>
+                <a:ea typeface="+mn-ea"/>
+                <a:cs typeface="Segoe UI" panose="020B0502040204020203" pitchFamily="34" charset="0"/>
+              </a:defRPr>
+            </a:lvl4pPr>
+            <a:lvl5pPr marL="2057400" indent="-228600" algn="l" defTabSz="914400" rtl="0" eaLnBrk="1" latinLnBrk="0" hangingPunct="1">
+              <a:lnSpc>
+                <a:spcPct val="90000"/>
+              </a:lnSpc>
+              <a:spcBef>
+                <a:spcPts val="500"/>
+              </a:spcBef>
+              <a:buClr>
+                <a:srgbClr val="27A0F2"/>
+              </a:buClr>
+              <a:buFont typeface="Arial" panose="020B0604020202020204" pitchFamily="34" charset="0"/>
+              <a:buChar char="•"/>
+              <a:defRPr sz="1800" kern="1200">
+                <a:solidFill>
+                  <a:srgbClr val="3A3A3A"/>
+                </a:solidFill>
+                <a:latin typeface="Segoe UI" panose="020B0502040204020203" pitchFamily="34" charset="0"/>
+                <a:ea typeface="+mn-ea"/>
+                <a:cs typeface="Segoe UI" panose="020B0502040204020203" pitchFamily="34" charset="0"/>
+              </a:defRPr>
+            </a:lvl5pPr>
+            <a:lvl6pPr marL="2514600" indent="-228600" algn="l" defTabSz="914400" rtl="0" eaLnBrk="1" latinLnBrk="0" hangingPunct="1">
+              <a:lnSpc>
+                <a:spcPct val="90000"/>
+              </a:lnSpc>
+              <a:spcBef>
+                <a:spcPts val="500"/>
+              </a:spcBef>
+              <a:buFont typeface="Arial" panose="020B0604020202020204" pitchFamily="34" charset="0"/>
+              <a:buChar char="•"/>
+              <a:defRPr sz="1800" kern="1200">
+                <a:solidFill>
+                  <a:schemeClr val="tx1"/>
+                </a:solidFill>
+                <a:latin typeface="+mn-lt"/>
+                <a:ea typeface="+mn-ea"/>
+                <a:cs typeface="+mn-cs"/>
+              </a:defRPr>
+            </a:lvl6pPr>
+            <a:lvl7pPr marL="2971800" indent="-228600" algn="l" defTabSz="914400" rtl="0" eaLnBrk="1" latinLnBrk="0" hangingPunct="1">
+              <a:lnSpc>
+                <a:spcPct val="90000"/>
+              </a:lnSpc>
+              <a:spcBef>
+                <a:spcPts val="500"/>
+              </a:spcBef>
+              <a:buFont typeface="Arial" panose="020B0604020202020204" pitchFamily="34" charset="0"/>
+              <a:buChar char="•"/>
+              <a:defRPr sz="1800" kern="1200">
+                <a:solidFill>
+                  <a:schemeClr val="tx1"/>
+                </a:solidFill>
+                <a:latin typeface="+mn-lt"/>
+                <a:ea typeface="+mn-ea"/>
+                <a:cs typeface="+mn-cs"/>
+              </a:defRPr>
+            </a:lvl7pPr>
+            <a:lvl8pPr marL="3429000" indent="-228600" algn="l" defTabSz="914400" rtl="0" eaLnBrk="1" latinLnBrk="0" hangingPunct="1">
+              <a:lnSpc>
+                <a:spcPct val="90000"/>
+              </a:lnSpc>
+              <a:spcBef>
+                <a:spcPts val="500"/>
+              </a:spcBef>
+              <a:buFont typeface="Arial" panose="020B0604020202020204" pitchFamily="34" charset="0"/>
+              <a:buChar char="•"/>
+              <a:defRPr sz="1800" kern="1200">
+                <a:solidFill>
+                  <a:schemeClr val="tx1"/>
+                </a:solidFill>
+                <a:latin typeface="+mn-lt"/>
+                <a:ea typeface="+mn-ea"/>
+                <a:cs typeface="+mn-cs"/>
+              </a:defRPr>
+            </a:lvl8pPr>
+            <a:lvl9pPr marL="3886200" indent="-228600" algn="l" defTabSz="914400" rtl="0" eaLnBrk="1" latinLnBrk="0" hangingPunct="1">
+              <a:lnSpc>
+                <a:spcPct val="90000"/>
+              </a:lnSpc>
+              <a:spcBef>
+                <a:spcPts val="500"/>
+              </a:spcBef>
+              <a:buFont typeface="Arial" panose="020B0604020202020204" pitchFamily="34" charset="0"/>
+              <a:buChar char="•"/>
+              <a:defRPr sz="1800" kern="1200">
+                <a:solidFill>
+                  <a:schemeClr val="tx1"/>
+                </a:solidFill>
+                <a:latin typeface="+mn-lt"/>
+                <a:ea typeface="+mn-ea"/>
+                <a:cs typeface="+mn-cs"/>
+              </a:defRPr>
+            </a:lvl9pPr>
+          </a:lstStyle>
+          <a:p>
+            <a:pPr marL="0" indent="0" algn="ctr">
+              <a:lnSpc>
+                <a:spcPct val="100000"/>
+              </a:lnSpc>
+              <a:buNone/>
+              <a:defRPr/>
+            </a:pPr>
+            <a:r>
+              <a:rPr lang="ja-JP" altLang="en-US" sz="1200" b="1" dirty="0">
+                <a:solidFill>
+                  <a:schemeClr val="tx1"/>
+                </a:solidFill>
+                <a:latin typeface="ゴシック" panose="020B0609070205080204" pitchFamily="49" charset="-128"/>
+                <a:ea typeface="ゴシック" panose="020B0609070205080204" pitchFamily="49" charset="-128"/>
+              </a:rPr>
+              <a:t>確認</a:t>
+            </a:r>
+            <a:endParaRPr lang="sv-SE" sz="1200" b="1" dirty="0">
+              <a:solidFill>
+                <a:schemeClr val="tx1"/>
+              </a:solidFill>
+              <a:latin typeface="ゴシック" panose="020B0609070205080204" pitchFamily="49" charset="-128"/>
+              <a:ea typeface="ゴシック" panose="020B0609070205080204" pitchFamily="49" charset="-128"/>
+            </a:endParaRPr>
+          </a:p>
+        </p:txBody>
+      </p:sp>
+      <p:sp>
+        <p:nvSpPr>
+          <p:cNvPr id="78" name="Content Placeholder 2"/>
+          <p:cNvSpPr txBox="1">
+            <a:spLocks/>
+          </p:cNvSpPr>
+          <p:nvPr/>
+        </p:nvSpPr>
+        <p:spPr bwMode="auto">
+          <a:xfrm rot="20161803">
+            <a:off x="4128271" y="3712579"/>
+            <a:ext cx="967767" cy="294481"/>
+          </a:xfrm>
+          <a:prstGeom prst="rect">
+            <a:avLst/>
+          </a:prstGeom>
+        </p:spPr>
+        <p:txBody>
+          <a:bodyPr lIns="68580" tIns="34290" rIns="68580" bIns="34290">
+            <a:noAutofit/>
+          </a:bodyPr>
+          <a:lstStyle>
+            <a:lvl1pPr marL="228600" indent="-228600" algn="l" defTabSz="914400" rtl="0" eaLnBrk="1" latinLnBrk="0" hangingPunct="1">
+              <a:lnSpc>
+                <a:spcPct val="90000"/>
+              </a:lnSpc>
+              <a:spcBef>
+                <a:spcPts val="1000"/>
+              </a:spcBef>
+              <a:buClr>
+                <a:srgbClr val="27A0F2"/>
+              </a:buClr>
+              <a:buFont typeface="Arial" panose="020B0604020202020204" pitchFamily="34" charset="0"/>
+              <a:buChar char="•"/>
+              <a:defRPr sz="2800" kern="1200">
+                <a:solidFill>
+                  <a:srgbClr val="3A3A3A"/>
+                </a:solidFill>
+                <a:latin typeface="Segoe UI" panose="020B0502040204020203" pitchFamily="34" charset="0"/>
+                <a:ea typeface="+mn-ea"/>
+                <a:cs typeface="Segoe UI" panose="020B0502040204020203" pitchFamily="34" charset="0"/>
+              </a:defRPr>
+            </a:lvl1pPr>
+            <a:lvl2pPr marL="685800" indent="-228600" algn="l" defTabSz="914400" rtl="0" eaLnBrk="1" latinLnBrk="0" hangingPunct="1">
+              <a:lnSpc>
+                <a:spcPct val="90000"/>
+              </a:lnSpc>
+              <a:spcBef>
+                <a:spcPts val="500"/>
+              </a:spcBef>
+              <a:buClr>
+                <a:srgbClr val="27A0F2"/>
+              </a:buClr>
+              <a:buFont typeface="Arial" panose="020B0604020202020204" pitchFamily="34" charset="0"/>
+              <a:buChar char="•"/>
+              <a:defRPr sz="2400" kern="1200">
+                <a:solidFill>
+                  <a:srgbClr val="3A3A3A"/>
+                </a:solidFill>
+                <a:latin typeface="Segoe UI" panose="020B0502040204020203" pitchFamily="34" charset="0"/>
+                <a:ea typeface="+mn-ea"/>
+                <a:cs typeface="Segoe UI" panose="020B0502040204020203" pitchFamily="34" charset="0"/>
+              </a:defRPr>
+            </a:lvl2pPr>
+            <a:lvl3pPr marL="1143000" indent="-228600" algn="l" defTabSz="914400" rtl="0" eaLnBrk="1" latinLnBrk="0" hangingPunct="1">
+              <a:lnSpc>
+                <a:spcPct val="90000"/>
+              </a:lnSpc>
+              <a:spcBef>
+                <a:spcPts val="500"/>
+              </a:spcBef>
+              <a:buClr>
+                <a:srgbClr val="27A0F2"/>
+              </a:buClr>
+              <a:buFont typeface="Arial" panose="020B0604020202020204" pitchFamily="34" charset="0"/>
+              <a:buChar char="•"/>
+              <a:defRPr sz="2000" kern="1200">
+                <a:solidFill>
+                  <a:srgbClr val="3A3A3A"/>
+                </a:solidFill>
+                <a:latin typeface="Segoe UI" panose="020B0502040204020203" pitchFamily="34" charset="0"/>
+                <a:ea typeface="+mn-ea"/>
+                <a:cs typeface="Segoe UI" panose="020B0502040204020203" pitchFamily="34" charset="0"/>
+              </a:defRPr>
+            </a:lvl3pPr>
+            <a:lvl4pPr marL="1600200" indent="-228600" algn="l" defTabSz="914400" rtl="0" eaLnBrk="1" latinLnBrk="0" hangingPunct="1">
+              <a:lnSpc>
+                <a:spcPct val="90000"/>
+              </a:lnSpc>
+              <a:spcBef>
+                <a:spcPts val="500"/>
+              </a:spcBef>
+              <a:buClr>
+                <a:srgbClr val="27A0F2"/>
+              </a:buClr>
+              <a:buFont typeface="Arial" panose="020B0604020202020204" pitchFamily="34" charset="0"/>
+              <a:buChar char="•"/>
+              <a:defRPr sz="1800" kern="1200">
+                <a:solidFill>
+                  <a:srgbClr val="3A3A3A"/>
+                </a:solidFill>
+                <a:latin typeface="Segoe UI" panose="020B0502040204020203" pitchFamily="34" charset="0"/>
+                <a:ea typeface="+mn-ea"/>
+                <a:cs typeface="Segoe UI" panose="020B0502040204020203" pitchFamily="34" charset="0"/>
+              </a:defRPr>
+            </a:lvl4pPr>
+            <a:lvl5pPr marL="2057400" indent="-228600" algn="l" defTabSz="914400" rtl="0" eaLnBrk="1" latinLnBrk="0" hangingPunct="1">
+              <a:lnSpc>
+                <a:spcPct val="90000"/>
+              </a:lnSpc>
+              <a:spcBef>
+                <a:spcPts val="500"/>
+              </a:spcBef>
+              <a:buClr>
+                <a:srgbClr val="27A0F2"/>
+              </a:buClr>
+              <a:buFont typeface="Arial" panose="020B0604020202020204" pitchFamily="34" charset="0"/>
+              <a:buChar char="•"/>
+              <a:defRPr sz="1800" kern="1200">
+                <a:solidFill>
+                  <a:srgbClr val="3A3A3A"/>
+                </a:solidFill>
+                <a:latin typeface="Segoe UI" panose="020B0502040204020203" pitchFamily="34" charset="0"/>
+                <a:ea typeface="+mn-ea"/>
+                <a:cs typeface="Segoe UI" panose="020B0502040204020203" pitchFamily="34" charset="0"/>
+              </a:defRPr>
+            </a:lvl5pPr>
+            <a:lvl6pPr marL="2514600" indent="-228600" algn="l" defTabSz="914400" rtl="0" eaLnBrk="1" latinLnBrk="0" hangingPunct="1">
+              <a:lnSpc>
+                <a:spcPct val="90000"/>
+              </a:lnSpc>
+              <a:spcBef>
+                <a:spcPts val="500"/>
+              </a:spcBef>
+              <a:buFont typeface="Arial" panose="020B0604020202020204" pitchFamily="34" charset="0"/>
+              <a:buChar char="•"/>
+              <a:defRPr sz="1800" kern="1200">
+                <a:solidFill>
+                  <a:schemeClr val="tx1"/>
+                </a:solidFill>
+                <a:latin typeface="+mn-lt"/>
+                <a:ea typeface="+mn-ea"/>
+                <a:cs typeface="+mn-cs"/>
+              </a:defRPr>
+            </a:lvl6pPr>
+            <a:lvl7pPr marL="2971800" indent="-228600" algn="l" defTabSz="914400" rtl="0" eaLnBrk="1" latinLnBrk="0" hangingPunct="1">
+              <a:lnSpc>
+                <a:spcPct val="90000"/>
+              </a:lnSpc>
+              <a:spcBef>
+                <a:spcPts val="500"/>
+              </a:spcBef>
+              <a:buFont typeface="Arial" panose="020B0604020202020204" pitchFamily="34" charset="0"/>
+              <a:buChar char="•"/>
+              <a:defRPr sz="1800" kern="1200">
+                <a:solidFill>
+                  <a:schemeClr val="tx1"/>
+                </a:solidFill>
+                <a:latin typeface="+mn-lt"/>
+                <a:ea typeface="+mn-ea"/>
+                <a:cs typeface="+mn-cs"/>
+              </a:defRPr>
+            </a:lvl7pPr>
+            <a:lvl8pPr marL="3429000" indent="-228600" algn="l" defTabSz="914400" rtl="0" eaLnBrk="1" latinLnBrk="0" hangingPunct="1">
+              <a:lnSpc>
+                <a:spcPct val="90000"/>
+              </a:lnSpc>
+              <a:spcBef>
+                <a:spcPts val="500"/>
+              </a:spcBef>
+              <a:buFont typeface="Arial" panose="020B0604020202020204" pitchFamily="34" charset="0"/>
+              <a:buChar char="•"/>
+              <a:defRPr sz="1800" kern="1200">
+                <a:solidFill>
+                  <a:schemeClr val="tx1"/>
+                </a:solidFill>
+                <a:latin typeface="+mn-lt"/>
+                <a:ea typeface="+mn-ea"/>
+                <a:cs typeface="+mn-cs"/>
+              </a:defRPr>
+            </a:lvl8pPr>
+            <a:lvl9pPr marL="3886200" indent="-228600" algn="l" defTabSz="914400" rtl="0" eaLnBrk="1" latinLnBrk="0" hangingPunct="1">
+              <a:lnSpc>
+                <a:spcPct val="90000"/>
+              </a:lnSpc>
+              <a:spcBef>
+                <a:spcPts val="500"/>
+              </a:spcBef>
+              <a:buFont typeface="Arial" panose="020B0604020202020204" pitchFamily="34" charset="0"/>
+              <a:buChar char="•"/>
+              <a:defRPr sz="1800" kern="1200">
+                <a:solidFill>
+                  <a:schemeClr val="tx1"/>
+                </a:solidFill>
+                <a:latin typeface="+mn-lt"/>
+                <a:ea typeface="+mn-ea"/>
+                <a:cs typeface="+mn-cs"/>
+              </a:defRPr>
+            </a:lvl9pPr>
+          </a:lstStyle>
+          <a:p>
+            <a:pPr marL="0" indent="0" algn="ctr">
+              <a:lnSpc>
+                <a:spcPct val="100000"/>
+              </a:lnSpc>
+              <a:buNone/>
+              <a:defRPr/>
+            </a:pPr>
+            <a:r>
+              <a:rPr lang="ja-JP" altLang="en-US" sz="1200" b="1" dirty="0">
+                <a:solidFill>
+                  <a:schemeClr val="tx1"/>
+                </a:solidFill>
+                <a:latin typeface="ゴシック" panose="020B0609070205080204" pitchFamily="49" charset="-128"/>
+                <a:ea typeface="ゴシック" panose="020B0609070205080204" pitchFamily="49" charset="-128"/>
+              </a:rPr>
+              <a:t>監査</a:t>
+            </a:r>
+            <a:endParaRPr lang="sv-SE" sz="1200" b="1" dirty="0">
+              <a:solidFill>
+                <a:schemeClr val="tx1"/>
+              </a:solidFill>
+              <a:latin typeface="ゴシック" panose="020B0609070205080204" pitchFamily="49" charset="-128"/>
+              <a:ea typeface="ゴシック" panose="020B0609070205080204" pitchFamily="49" charset="-128"/>
+            </a:endParaRPr>
+          </a:p>
+        </p:txBody>
+      </p:sp>
+      <p:sp>
+        <p:nvSpPr>
+          <p:cNvPr id="82" name="Content Placeholder 2"/>
+          <p:cNvSpPr txBox="1">
+            <a:spLocks/>
+          </p:cNvSpPr>
+          <p:nvPr/>
+        </p:nvSpPr>
+        <p:spPr bwMode="auto">
+          <a:xfrm rot="20161803">
+            <a:off x="4319578" y="1996707"/>
+            <a:ext cx="967767" cy="294481"/>
+          </a:xfrm>
+          <a:prstGeom prst="rect">
+            <a:avLst/>
+          </a:prstGeom>
+        </p:spPr>
+        <p:txBody>
+          <a:bodyPr lIns="68580" tIns="34290" rIns="68580" bIns="34290">
+            <a:noAutofit/>
+          </a:bodyPr>
+          <a:lstStyle>
+            <a:lvl1pPr marL="228600" indent="-228600" algn="l" defTabSz="914400" rtl="0" eaLnBrk="1" latinLnBrk="0" hangingPunct="1">
+              <a:lnSpc>
+                <a:spcPct val="90000"/>
+              </a:lnSpc>
+              <a:spcBef>
+                <a:spcPts val="1000"/>
+              </a:spcBef>
+              <a:buClr>
+                <a:srgbClr val="27A0F2"/>
+              </a:buClr>
+              <a:buFont typeface="Arial" panose="020B0604020202020204" pitchFamily="34" charset="0"/>
+              <a:buChar char="•"/>
+              <a:defRPr sz="2800" kern="1200">
+                <a:solidFill>
+                  <a:srgbClr val="3A3A3A"/>
+                </a:solidFill>
+                <a:latin typeface="Segoe UI" panose="020B0502040204020203" pitchFamily="34" charset="0"/>
+                <a:ea typeface="+mn-ea"/>
+                <a:cs typeface="Segoe UI" panose="020B0502040204020203" pitchFamily="34" charset="0"/>
+              </a:defRPr>
+            </a:lvl1pPr>
+            <a:lvl2pPr marL="685800" indent="-228600" algn="l" defTabSz="914400" rtl="0" eaLnBrk="1" latinLnBrk="0" hangingPunct="1">
+              <a:lnSpc>
+                <a:spcPct val="90000"/>
+              </a:lnSpc>
+              <a:spcBef>
+                <a:spcPts val="500"/>
+              </a:spcBef>
+              <a:buClr>
+                <a:srgbClr val="27A0F2"/>
+              </a:buClr>
+              <a:buFont typeface="Arial" panose="020B0604020202020204" pitchFamily="34" charset="0"/>
+              <a:buChar char="•"/>
+              <a:defRPr sz="2400" kern="1200">
+                <a:solidFill>
+                  <a:srgbClr val="3A3A3A"/>
+                </a:solidFill>
+                <a:latin typeface="Segoe UI" panose="020B0502040204020203" pitchFamily="34" charset="0"/>
+                <a:ea typeface="+mn-ea"/>
+                <a:cs typeface="Segoe UI" panose="020B0502040204020203" pitchFamily="34" charset="0"/>
+              </a:defRPr>
+            </a:lvl2pPr>
+            <a:lvl3pPr marL="1143000" indent="-228600" algn="l" defTabSz="914400" rtl="0" eaLnBrk="1" latinLnBrk="0" hangingPunct="1">
+              <a:lnSpc>
+                <a:spcPct val="90000"/>
+              </a:lnSpc>
+              <a:spcBef>
+                <a:spcPts val="500"/>
+              </a:spcBef>
+              <a:buClr>
+                <a:srgbClr val="27A0F2"/>
+              </a:buClr>
+              <a:buFont typeface="Arial" panose="020B0604020202020204" pitchFamily="34" charset="0"/>
+              <a:buChar char="•"/>
+              <a:defRPr sz="2000" kern="1200">
+                <a:solidFill>
+                  <a:srgbClr val="3A3A3A"/>
+                </a:solidFill>
+                <a:latin typeface="Segoe UI" panose="020B0502040204020203" pitchFamily="34" charset="0"/>
+                <a:ea typeface="+mn-ea"/>
+                <a:cs typeface="Segoe UI" panose="020B0502040204020203" pitchFamily="34" charset="0"/>
+              </a:defRPr>
+            </a:lvl3pPr>
+            <a:lvl4pPr marL="1600200" indent="-228600" algn="l" defTabSz="914400" rtl="0" eaLnBrk="1" latinLnBrk="0" hangingPunct="1">
+              <a:lnSpc>
+                <a:spcPct val="90000"/>
+              </a:lnSpc>
+              <a:spcBef>
+                <a:spcPts val="500"/>
+              </a:spcBef>
+              <a:buClr>
+                <a:srgbClr val="27A0F2"/>
+              </a:buClr>
+              <a:buFont typeface="Arial" panose="020B0604020202020204" pitchFamily="34" charset="0"/>
+              <a:buChar char="•"/>
+              <a:defRPr sz="1800" kern="1200">
+                <a:solidFill>
+                  <a:srgbClr val="3A3A3A"/>
+                </a:solidFill>
+                <a:latin typeface="Segoe UI" panose="020B0502040204020203" pitchFamily="34" charset="0"/>
+                <a:ea typeface="+mn-ea"/>
+                <a:cs typeface="Segoe UI" panose="020B0502040204020203" pitchFamily="34" charset="0"/>
+              </a:defRPr>
+            </a:lvl4pPr>
+            <a:lvl5pPr marL="2057400" indent="-228600" algn="l" defTabSz="914400" rtl="0" eaLnBrk="1" latinLnBrk="0" hangingPunct="1">
+              <a:lnSpc>
+                <a:spcPct val="90000"/>
+              </a:lnSpc>
+              <a:spcBef>
+                <a:spcPts val="500"/>
+              </a:spcBef>
+              <a:buClr>
+                <a:srgbClr val="27A0F2"/>
+              </a:buClr>
+              <a:buFont typeface="Arial" panose="020B0604020202020204" pitchFamily="34" charset="0"/>
+              <a:buChar char="•"/>
+              <a:defRPr sz="1800" kern="1200">
+                <a:solidFill>
+                  <a:srgbClr val="3A3A3A"/>
+                </a:solidFill>
+                <a:latin typeface="Segoe UI" panose="020B0502040204020203" pitchFamily="34" charset="0"/>
+                <a:ea typeface="+mn-ea"/>
+                <a:cs typeface="Segoe UI" panose="020B0502040204020203" pitchFamily="34" charset="0"/>
+              </a:defRPr>
+            </a:lvl5pPr>
+            <a:lvl6pPr marL="2514600" indent="-228600" algn="l" defTabSz="914400" rtl="0" eaLnBrk="1" latinLnBrk="0" hangingPunct="1">
+              <a:lnSpc>
+                <a:spcPct val="90000"/>
+              </a:lnSpc>
+              <a:spcBef>
+                <a:spcPts val="500"/>
+              </a:spcBef>
+              <a:buFont typeface="Arial" panose="020B0604020202020204" pitchFamily="34" charset="0"/>
+              <a:buChar char="•"/>
+              <a:defRPr sz="1800" kern="1200">
+                <a:solidFill>
+                  <a:schemeClr val="tx1"/>
+                </a:solidFill>
+                <a:latin typeface="+mn-lt"/>
+                <a:ea typeface="+mn-ea"/>
+                <a:cs typeface="+mn-cs"/>
+              </a:defRPr>
+            </a:lvl6pPr>
+            <a:lvl7pPr marL="2971800" indent="-228600" algn="l" defTabSz="914400" rtl="0" eaLnBrk="1" latinLnBrk="0" hangingPunct="1">
+              <a:lnSpc>
+                <a:spcPct val="90000"/>
+              </a:lnSpc>
+              <a:spcBef>
+                <a:spcPts val="500"/>
+              </a:spcBef>
+              <a:buFont typeface="Arial" panose="020B0604020202020204" pitchFamily="34" charset="0"/>
+              <a:buChar char="•"/>
+              <a:defRPr sz="1800" kern="1200">
+                <a:solidFill>
+                  <a:schemeClr val="tx1"/>
+                </a:solidFill>
+                <a:latin typeface="+mn-lt"/>
+                <a:ea typeface="+mn-ea"/>
+                <a:cs typeface="+mn-cs"/>
+              </a:defRPr>
+            </a:lvl7pPr>
+            <a:lvl8pPr marL="3429000" indent="-228600" algn="l" defTabSz="914400" rtl="0" eaLnBrk="1" latinLnBrk="0" hangingPunct="1">
+              <a:lnSpc>
+                <a:spcPct val="90000"/>
+              </a:lnSpc>
+              <a:spcBef>
+                <a:spcPts val="500"/>
+              </a:spcBef>
+              <a:buFont typeface="Arial" panose="020B0604020202020204" pitchFamily="34" charset="0"/>
+              <a:buChar char="•"/>
+              <a:defRPr sz="1800" kern="1200">
+                <a:solidFill>
+                  <a:schemeClr val="tx1"/>
+                </a:solidFill>
+                <a:latin typeface="+mn-lt"/>
+                <a:ea typeface="+mn-ea"/>
+                <a:cs typeface="+mn-cs"/>
+              </a:defRPr>
+            </a:lvl8pPr>
+            <a:lvl9pPr marL="3886200" indent="-228600" algn="l" defTabSz="914400" rtl="0" eaLnBrk="1" latinLnBrk="0" hangingPunct="1">
+              <a:lnSpc>
+                <a:spcPct val="90000"/>
+              </a:lnSpc>
+              <a:spcBef>
+                <a:spcPts val="500"/>
+              </a:spcBef>
+              <a:buFont typeface="Arial" panose="020B0604020202020204" pitchFamily="34" charset="0"/>
+              <a:buChar char="•"/>
+              <a:defRPr sz="1800" kern="1200">
+                <a:solidFill>
+                  <a:schemeClr val="tx1"/>
+                </a:solidFill>
+                <a:latin typeface="+mn-lt"/>
+                <a:ea typeface="+mn-ea"/>
+                <a:cs typeface="+mn-cs"/>
+              </a:defRPr>
+            </a:lvl9pPr>
+          </a:lstStyle>
+          <a:p>
+            <a:pPr marL="0" indent="0" algn="ctr">
+              <a:lnSpc>
+                <a:spcPct val="100000"/>
+              </a:lnSpc>
+              <a:buNone/>
+              <a:defRPr/>
+            </a:pPr>
+            <a:r>
+              <a:rPr lang="ja-JP" altLang="en-US" sz="1200" b="1" dirty="0">
+                <a:solidFill>
+                  <a:schemeClr val="tx1"/>
+                </a:solidFill>
+                <a:latin typeface="ゴシック" panose="020B0609070205080204" pitchFamily="49" charset="-128"/>
+                <a:ea typeface="ゴシック" panose="020B0609070205080204" pitchFamily="49" charset="-128"/>
+              </a:rPr>
+              <a:t>問題</a:t>
+            </a:r>
+            <a:r>
+              <a:rPr lang="ja-JP" altLang="en-US" sz="1200" b="1" dirty="0" smtClean="0">
+                <a:solidFill>
+                  <a:schemeClr val="tx1"/>
+                </a:solidFill>
+                <a:latin typeface="ゴシック" panose="020B0609070205080204" pitchFamily="49" charset="-128"/>
+                <a:ea typeface="ゴシック" panose="020B0609070205080204" pitchFamily="49" charset="-128"/>
+              </a:rPr>
+              <a:t>の解決</a:t>
+            </a:r>
+            <a:endParaRPr lang="sv-SE" sz="1200" b="1" dirty="0">
+              <a:solidFill>
+                <a:schemeClr val="tx1"/>
+              </a:solidFill>
+              <a:latin typeface="ゴシック" panose="020B0609070205080204" pitchFamily="49" charset="-128"/>
+              <a:ea typeface="ゴシック" panose="020B0609070205080204" pitchFamily="49" charset="-128"/>
+            </a:endParaRPr>
+          </a:p>
+        </p:txBody>
+      </p:sp>
+      <p:sp>
+        <p:nvSpPr>
+          <p:cNvPr id="85" name="Content Placeholder 2"/>
+          <p:cNvSpPr txBox="1">
+            <a:spLocks/>
+          </p:cNvSpPr>
+          <p:nvPr/>
+        </p:nvSpPr>
+        <p:spPr bwMode="auto">
+          <a:xfrm rot="20161803">
+            <a:off x="4936186" y="3730146"/>
+            <a:ext cx="967767" cy="294481"/>
+          </a:xfrm>
+          <a:prstGeom prst="rect">
+            <a:avLst/>
+          </a:prstGeom>
+        </p:spPr>
+        <p:txBody>
+          <a:bodyPr lIns="68580" tIns="34290" rIns="68580" bIns="34290">
+            <a:noAutofit/>
+          </a:bodyPr>
+          <a:lstStyle>
+            <a:lvl1pPr marL="228600" indent="-228600" algn="l" defTabSz="914400" rtl="0" eaLnBrk="1" latinLnBrk="0" hangingPunct="1">
+              <a:lnSpc>
+                <a:spcPct val="90000"/>
+              </a:lnSpc>
+              <a:spcBef>
+                <a:spcPts val="1000"/>
+              </a:spcBef>
+              <a:buClr>
+                <a:srgbClr val="27A0F2"/>
+              </a:buClr>
+              <a:buFont typeface="Arial" panose="020B0604020202020204" pitchFamily="34" charset="0"/>
+              <a:buChar char="•"/>
+              <a:defRPr sz="2800" kern="1200">
+                <a:solidFill>
+                  <a:srgbClr val="3A3A3A"/>
+                </a:solidFill>
+                <a:latin typeface="Segoe UI" panose="020B0502040204020203" pitchFamily="34" charset="0"/>
+                <a:ea typeface="+mn-ea"/>
+                <a:cs typeface="Segoe UI" panose="020B0502040204020203" pitchFamily="34" charset="0"/>
+              </a:defRPr>
+            </a:lvl1pPr>
+            <a:lvl2pPr marL="685800" indent="-228600" algn="l" defTabSz="914400" rtl="0" eaLnBrk="1" latinLnBrk="0" hangingPunct="1">
+              <a:lnSpc>
+                <a:spcPct val="90000"/>
+              </a:lnSpc>
+              <a:spcBef>
+                <a:spcPts val="500"/>
+              </a:spcBef>
+              <a:buClr>
+                <a:srgbClr val="27A0F2"/>
+              </a:buClr>
+              <a:buFont typeface="Arial" panose="020B0604020202020204" pitchFamily="34" charset="0"/>
+              <a:buChar char="•"/>
+              <a:defRPr sz="2400" kern="1200">
+                <a:solidFill>
+                  <a:srgbClr val="3A3A3A"/>
+                </a:solidFill>
+                <a:latin typeface="Segoe UI" panose="020B0502040204020203" pitchFamily="34" charset="0"/>
+                <a:ea typeface="+mn-ea"/>
+                <a:cs typeface="Segoe UI" panose="020B0502040204020203" pitchFamily="34" charset="0"/>
+              </a:defRPr>
+            </a:lvl2pPr>
+            <a:lvl3pPr marL="1143000" indent="-228600" algn="l" defTabSz="914400" rtl="0" eaLnBrk="1" latinLnBrk="0" hangingPunct="1">
+              <a:lnSpc>
+                <a:spcPct val="90000"/>
+              </a:lnSpc>
+              <a:spcBef>
+                <a:spcPts val="500"/>
+              </a:spcBef>
+              <a:buClr>
+                <a:srgbClr val="27A0F2"/>
+              </a:buClr>
+              <a:buFont typeface="Arial" panose="020B0604020202020204" pitchFamily="34" charset="0"/>
+              <a:buChar char="•"/>
+              <a:defRPr sz="2000" kern="1200">
+                <a:solidFill>
+                  <a:srgbClr val="3A3A3A"/>
+                </a:solidFill>
+                <a:latin typeface="Segoe UI" panose="020B0502040204020203" pitchFamily="34" charset="0"/>
+                <a:ea typeface="+mn-ea"/>
+                <a:cs typeface="Segoe UI" panose="020B0502040204020203" pitchFamily="34" charset="0"/>
+              </a:defRPr>
+            </a:lvl3pPr>
+            <a:lvl4pPr marL="1600200" indent="-228600" algn="l" defTabSz="914400" rtl="0" eaLnBrk="1" latinLnBrk="0" hangingPunct="1">
+              <a:lnSpc>
+                <a:spcPct val="90000"/>
+              </a:lnSpc>
+              <a:spcBef>
+                <a:spcPts val="500"/>
+              </a:spcBef>
+              <a:buClr>
+                <a:srgbClr val="27A0F2"/>
+              </a:buClr>
+              <a:buFont typeface="Arial" panose="020B0604020202020204" pitchFamily="34" charset="0"/>
+              <a:buChar char="•"/>
+              <a:defRPr sz="1800" kern="1200">
+                <a:solidFill>
+                  <a:srgbClr val="3A3A3A"/>
+                </a:solidFill>
+                <a:latin typeface="Segoe UI" panose="020B0502040204020203" pitchFamily="34" charset="0"/>
+                <a:ea typeface="+mn-ea"/>
+                <a:cs typeface="Segoe UI" panose="020B0502040204020203" pitchFamily="34" charset="0"/>
+              </a:defRPr>
+            </a:lvl4pPr>
+            <a:lvl5pPr marL="2057400" indent="-228600" algn="l" defTabSz="914400" rtl="0" eaLnBrk="1" latinLnBrk="0" hangingPunct="1">
+              <a:lnSpc>
+                <a:spcPct val="90000"/>
+              </a:lnSpc>
+              <a:spcBef>
+                <a:spcPts val="500"/>
+              </a:spcBef>
+              <a:buClr>
+                <a:srgbClr val="27A0F2"/>
+              </a:buClr>
+              <a:buFont typeface="Arial" panose="020B0604020202020204" pitchFamily="34" charset="0"/>
+              <a:buChar char="•"/>
+              <a:defRPr sz="1800" kern="1200">
+                <a:solidFill>
+                  <a:srgbClr val="3A3A3A"/>
+                </a:solidFill>
+                <a:latin typeface="Segoe UI" panose="020B0502040204020203" pitchFamily="34" charset="0"/>
+                <a:ea typeface="+mn-ea"/>
+                <a:cs typeface="Segoe UI" panose="020B0502040204020203" pitchFamily="34" charset="0"/>
+              </a:defRPr>
+            </a:lvl5pPr>
+            <a:lvl6pPr marL="2514600" indent="-228600" algn="l" defTabSz="914400" rtl="0" eaLnBrk="1" latinLnBrk="0" hangingPunct="1">
+              <a:lnSpc>
+                <a:spcPct val="90000"/>
+              </a:lnSpc>
+              <a:spcBef>
+                <a:spcPts val="500"/>
+              </a:spcBef>
+              <a:buFont typeface="Arial" panose="020B0604020202020204" pitchFamily="34" charset="0"/>
+              <a:buChar char="•"/>
+              <a:defRPr sz="1800" kern="1200">
+                <a:solidFill>
+                  <a:schemeClr val="tx1"/>
+                </a:solidFill>
+                <a:latin typeface="+mn-lt"/>
+                <a:ea typeface="+mn-ea"/>
+                <a:cs typeface="+mn-cs"/>
+              </a:defRPr>
+            </a:lvl6pPr>
+            <a:lvl7pPr marL="2971800" indent="-228600" algn="l" defTabSz="914400" rtl="0" eaLnBrk="1" latinLnBrk="0" hangingPunct="1">
+              <a:lnSpc>
+                <a:spcPct val="90000"/>
+              </a:lnSpc>
+              <a:spcBef>
+                <a:spcPts val="500"/>
+              </a:spcBef>
+              <a:buFont typeface="Arial" panose="020B0604020202020204" pitchFamily="34" charset="0"/>
+              <a:buChar char="•"/>
+              <a:defRPr sz="1800" kern="1200">
+                <a:solidFill>
+                  <a:schemeClr val="tx1"/>
+                </a:solidFill>
+                <a:latin typeface="+mn-lt"/>
+                <a:ea typeface="+mn-ea"/>
+                <a:cs typeface="+mn-cs"/>
+              </a:defRPr>
+            </a:lvl7pPr>
+            <a:lvl8pPr marL="3429000" indent="-228600" algn="l" defTabSz="914400" rtl="0" eaLnBrk="1" latinLnBrk="0" hangingPunct="1">
+              <a:lnSpc>
+                <a:spcPct val="90000"/>
+              </a:lnSpc>
+              <a:spcBef>
+                <a:spcPts val="500"/>
+              </a:spcBef>
+              <a:buFont typeface="Arial" panose="020B0604020202020204" pitchFamily="34" charset="0"/>
+              <a:buChar char="•"/>
+              <a:defRPr sz="1800" kern="1200">
+                <a:solidFill>
+                  <a:schemeClr val="tx1"/>
+                </a:solidFill>
+                <a:latin typeface="+mn-lt"/>
+                <a:ea typeface="+mn-ea"/>
+                <a:cs typeface="+mn-cs"/>
+              </a:defRPr>
+            </a:lvl8pPr>
+            <a:lvl9pPr marL="3886200" indent="-228600" algn="l" defTabSz="914400" rtl="0" eaLnBrk="1" latinLnBrk="0" hangingPunct="1">
+              <a:lnSpc>
+                <a:spcPct val="90000"/>
+              </a:lnSpc>
+              <a:spcBef>
+                <a:spcPts val="500"/>
+              </a:spcBef>
+              <a:buFont typeface="Arial" panose="020B0604020202020204" pitchFamily="34" charset="0"/>
+              <a:buChar char="•"/>
+              <a:defRPr sz="1800" kern="1200">
+                <a:solidFill>
+                  <a:schemeClr val="tx1"/>
+                </a:solidFill>
+                <a:latin typeface="+mn-lt"/>
+                <a:ea typeface="+mn-ea"/>
+                <a:cs typeface="+mn-cs"/>
+              </a:defRPr>
+            </a:lvl9pPr>
+          </a:lstStyle>
+          <a:p>
+            <a:pPr marL="0" indent="0" algn="ctr">
+              <a:lnSpc>
+                <a:spcPct val="100000"/>
+              </a:lnSpc>
+              <a:buNone/>
+              <a:defRPr/>
+            </a:pPr>
+            <a:r>
+              <a:rPr lang="ja-JP" altLang="en-US" sz="1200" b="1" dirty="0">
+                <a:solidFill>
+                  <a:schemeClr val="tx1"/>
+                </a:solidFill>
+                <a:latin typeface="ゴシック" panose="020B0609070205080204" pitchFamily="49" charset="-128"/>
+                <a:ea typeface="ゴシック" panose="020B0609070205080204" pitchFamily="49" charset="-128"/>
+              </a:rPr>
+              <a:t>レビュー</a:t>
+            </a:r>
+            <a:endParaRPr lang="sv-SE" sz="1200" b="1" dirty="0">
+              <a:solidFill>
+                <a:schemeClr val="tx1"/>
+              </a:solidFill>
+              <a:latin typeface="ゴシック" panose="020B0609070205080204" pitchFamily="49" charset="-128"/>
+              <a:ea typeface="ゴシック" panose="020B0609070205080204" pitchFamily="49" charset="-128"/>
+            </a:endParaRPr>
+          </a:p>
+        </p:txBody>
+      </p:sp>
+      <p:sp>
+        <p:nvSpPr>
+          <p:cNvPr id="89" name="Content Placeholder 2"/>
+          <p:cNvSpPr txBox="1">
+            <a:spLocks/>
+          </p:cNvSpPr>
+          <p:nvPr/>
+        </p:nvSpPr>
+        <p:spPr bwMode="auto">
+          <a:xfrm rot="20161803">
+            <a:off x="5165327" y="2006302"/>
+            <a:ext cx="967767" cy="294481"/>
+          </a:xfrm>
+          <a:prstGeom prst="rect">
+            <a:avLst/>
+          </a:prstGeom>
+        </p:spPr>
+        <p:txBody>
+          <a:bodyPr lIns="68580" tIns="34290" rIns="68580" bIns="34290">
+            <a:noAutofit/>
+          </a:bodyPr>
+          <a:lstStyle>
+            <a:lvl1pPr marL="228600" indent="-228600" algn="l" defTabSz="914400" rtl="0" eaLnBrk="1" latinLnBrk="0" hangingPunct="1">
+              <a:lnSpc>
+                <a:spcPct val="90000"/>
+              </a:lnSpc>
+              <a:spcBef>
+                <a:spcPts val="1000"/>
+              </a:spcBef>
+              <a:buClr>
+                <a:srgbClr val="27A0F2"/>
+              </a:buClr>
+              <a:buFont typeface="Arial" panose="020B0604020202020204" pitchFamily="34" charset="0"/>
+              <a:buChar char="•"/>
+              <a:defRPr sz="2800" kern="1200">
+                <a:solidFill>
+                  <a:srgbClr val="3A3A3A"/>
+                </a:solidFill>
+                <a:latin typeface="Segoe UI" panose="020B0502040204020203" pitchFamily="34" charset="0"/>
+                <a:ea typeface="+mn-ea"/>
+                <a:cs typeface="Segoe UI" panose="020B0502040204020203" pitchFamily="34" charset="0"/>
+              </a:defRPr>
+            </a:lvl1pPr>
+            <a:lvl2pPr marL="685800" indent="-228600" algn="l" defTabSz="914400" rtl="0" eaLnBrk="1" latinLnBrk="0" hangingPunct="1">
+              <a:lnSpc>
+                <a:spcPct val="90000"/>
+              </a:lnSpc>
+              <a:spcBef>
+                <a:spcPts val="500"/>
+              </a:spcBef>
+              <a:buClr>
+                <a:srgbClr val="27A0F2"/>
+              </a:buClr>
+              <a:buFont typeface="Arial" panose="020B0604020202020204" pitchFamily="34" charset="0"/>
+              <a:buChar char="•"/>
+              <a:defRPr sz="2400" kern="1200">
+                <a:solidFill>
+                  <a:srgbClr val="3A3A3A"/>
+                </a:solidFill>
+                <a:latin typeface="Segoe UI" panose="020B0502040204020203" pitchFamily="34" charset="0"/>
+                <a:ea typeface="+mn-ea"/>
+                <a:cs typeface="Segoe UI" panose="020B0502040204020203" pitchFamily="34" charset="0"/>
+              </a:defRPr>
+            </a:lvl2pPr>
+            <a:lvl3pPr marL="1143000" indent="-228600" algn="l" defTabSz="914400" rtl="0" eaLnBrk="1" latinLnBrk="0" hangingPunct="1">
+              <a:lnSpc>
+                <a:spcPct val="90000"/>
+              </a:lnSpc>
+              <a:spcBef>
+                <a:spcPts val="500"/>
+              </a:spcBef>
+              <a:buClr>
+                <a:srgbClr val="27A0F2"/>
+              </a:buClr>
+              <a:buFont typeface="Arial" panose="020B0604020202020204" pitchFamily="34" charset="0"/>
+              <a:buChar char="•"/>
+              <a:defRPr sz="2000" kern="1200">
+                <a:solidFill>
+                  <a:srgbClr val="3A3A3A"/>
+                </a:solidFill>
+                <a:latin typeface="Segoe UI" panose="020B0502040204020203" pitchFamily="34" charset="0"/>
+                <a:ea typeface="+mn-ea"/>
+                <a:cs typeface="Segoe UI" panose="020B0502040204020203" pitchFamily="34" charset="0"/>
+              </a:defRPr>
+            </a:lvl3pPr>
+            <a:lvl4pPr marL="1600200" indent="-228600" algn="l" defTabSz="914400" rtl="0" eaLnBrk="1" latinLnBrk="0" hangingPunct="1">
+              <a:lnSpc>
+                <a:spcPct val="90000"/>
+              </a:lnSpc>
+              <a:spcBef>
+                <a:spcPts val="500"/>
+              </a:spcBef>
+              <a:buClr>
+                <a:srgbClr val="27A0F2"/>
+              </a:buClr>
+              <a:buFont typeface="Arial" panose="020B0604020202020204" pitchFamily="34" charset="0"/>
+              <a:buChar char="•"/>
+              <a:defRPr sz="1800" kern="1200">
+                <a:solidFill>
+                  <a:srgbClr val="3A3A3A"/>
+                </a:solidFill>
+                <a:latin typeface="Segoe UI" panose="020B0502040204020203" pitchFamily="34" charset="0"/>
+                <a:ea typeface="+mn-ea"/>
+                <a:cs typeface="Segoe UI" panose="020B0502040204020203" pitchFamily="34" charset="0"/>
+              </a:defRPr>
+            </a:lvl4pPr>
+            <a:lvl5pPr marL="2057400" indent="-228600" algn="l" defTabSz="914400" rtl="0" eaLnBrk="1" latinLnBrk="0" hangingPunct="1">
+              <a:lnSpc>
+                <a:spcPct val="90000"/>
+              </a:lnSpc>
+              <a:spcBef>
+                <a:spcPts val="500"/>
+              </a:spcBef>
+              <a:buClr>
+                <a:srgbClr val="27A0F2"/>
+              </a:buClr>
+              <a:buFont typeface="Arial" panose="020B0604020202020204" pitchFamily="34" charset="0"/>
+              <a:buChar char="•"/>
+              <a:defRPr sz="1800" kern="1200">
+                <a:solidFill>
+                  <a:srgbClr val="3A3A3A"/>
+                </a:solidFill>
+                <a:latin typeface="Segoe UI" panose="020B0502040204020203" pitchFamily="34" charset="0"/>
+                <a:ea typeface="+mn-ea"/>
+                <a:cs typeface="Segoe UI" panose="020B0502040204020203" pitchFamily="34" charset="0"/>
+              </a:defRPr>
+            </a:lvl5pPr>
+            <a:lvl6pPr marL="2514600" indent="-228600" algn="l" defTabSz="914400" rtl="0" eaLnBrk="1" latinLnBrk="0" hangingPunct="1">
+              <a:lnSpc>
+                <a:spcPct val="90000"/>
+              </a:lnSpc>
+              <a:spcBef>
+                <a:spcPts val="500"/>
+              </a:spcBef>
+              <a:buFont typeface="Arial" panose="020B0604020202020204" pitchFamily="34" charset="0"/>
+              <a:buChar char="•"/>
+              <a:defRPr sz="1800" kern="1200">
+                <a:solidFill>
+                  <a:schemeClr val="tx1"/>
+                </a:solidFill>
+                <a:latin typeface="+mn-lt"/>
+                <a:ea typeface="+mn-ea"/>
+                <a:cs typeface="+mn-cs"/>
+              </a:defRPr>
+            </a:lvl6pPr>
+            <a:lvl7pPr marL="2971800" indent="-228600" algn="l" defTabSz="914400" rtl="0" eaLnBrk="1" latinLnBrk="0" hangingPunct="1">
+              <a:lnSpc>
+                <a:spcPct val="90000"/>
+              </a:lnSpc>
+              <a:spcBef>
+                <a:spcPts val="500"/>
+              </a:spcBef>
+              <a:buFont typeface="Arial" panose="020B0604020202020204" pitchFamily="34" charset="0"/>
+              <a:buChar char="•"/>
+              <a:defRPr sz="1800" kern="1200">
+                <a:solidFill>
+                  <a:schemeClr val="tx1"/>
+                </a:solidFill>
+                <a:latin typeface="+mn-lt"/>
+                <a:ea typeface="+mn-ea"/>
+                <a:cs typeface="+mn-cs"/>
+              </a:defRPr>
+            </a:lvl7pPr>
+            <a:lvl8pPr marL="3429000" indent="-228600" algn="l" defTabSz="914400" rtl="0" eaLnBrk="1" latinLnBrk="0" hangingPunct="1">
+              <a:lnSpc>
+                <a:spcPct val="90000"/>
+              </a:lnSpc>
+              <a:spcBef>
+                <a:spcPts val="500"/>
+              </a:spcBef>
+              <a:buFont typeface="Arial" panose="020B0604020202020204" pitchFamily="34" charset="0"/>
+              <a:buChar char="•"/>
+              <a:defRPr sz="1800" kern="1200">
+                <a:solidFill>
+                  <a:schemeClr val="tx1"/>
+                </a:solidFill>
+                <a:latin typeface="+mn-lt"/>
+                <a:ea typeface="+mn-ea"/>
+                <a:cs typeface="+mn-cs"/>
+              </a:defRPr>
+            </a:lvl8pPr>
+            <a:lvl9pPr marL="3886200" indent="-228600" algn="l" defTabSz="914400" rtl="0" eaLnBrk="1" latinLnBrk="0" hangingPunct="1">
+              <a:lnSpc>
+                <a:spcPct val="90000"/>
+              </a:lnSpc>
+              <a:spcBef>
+                <a:spcPts val="500"/>
+              </a:spcBef>
+              <a:buFont typeface="Arial" panose="020B0604020202020204" pitchFamily="34" charset="0"/>
+              <a:buChar char="•"/>
+              <a:defRPr sz="1800" kern="1200">
+                <a:solidFill>
+                  <a:schemeClr val="tx1"/>
+                </a:solidFill>
+                <a:latin typeface="+mn-lt"/>
+                <a:ea typeface="+mn-ea"/>
+                <a:cs typeface="+mn-cs"/>
+              </a:defRPr>
+            </a:lvl9pPr>
+          </a:lstStyle>
+          <a:p>
+            <a:pPr marL="0" indent="0" algn="ctr">
+              <a:lnSpc>
+                <a:spcPct val="100000"/>
+              </a:lnSpc>
+              <a:buNone/>
+              <a:defRPr/>
+            </a:pPr>
+            <a:r>
+              <a:rPr lang="ja-JP" altLang="en-US" sz="1200" b="1" dirty="0">
+                <a:solidFill>
+                  <a:schemeClr val="tx1"/>
+                </a:solidFill>
+                <a:latin typeface="ゴシック" panose="020B0609070205080204" pitchFamily="49" charset="-128"/>
+                <a:ea typeface="ゴシック" panose="020B0609070205080204" pitchFamily="49" charset="-128"/>
+              </a:rPr>
+              <a:t>承認</a:t>
+            </a:r>
+            <a:endParaRPr lang="sv-SE" sz="1200" b="1" dirty="0">
+              <a:solidFill>
+                <a:schemeClr val="tx1"/>
+              </a:solidFill>
+              <a:latin typeface="ゴシック" panose="020B0609070205080204" pitchFamily="49" charset="-128"/>
+              <a:ea typeface="ゴシック" panose="020B0609070205080204" pitchFamily="49" charset="-128"/>
+            </a:endParaRPr>
+          </a:p>
+        </p:txBody>
+      </p:sp>
+      <p:sp>
+        <p:nvSpPr>
+          <p:cNvPr id="92" name="Content Placeholder 2"/>
+          <p:cNvSpPr txBox="1">
+            <a:spLocks/>
+          </p:cNvSpPr>
+          <p:nvPr/>
+        </p:nvSpPr>
+        <p:spPr bwMode="auto">
+          <a:xfrm rot="20161803">
+            <a:off x="5858523" y="3694529"/>
+            <a:ext cx="967767" cy="294481"/>
+          </a:xfrm>
+          <a:prstGeom prst="rect">
+            <a:avLst/>
+          </a:prstGeom>
+        </p:spPr>
+        <p:txBody>
+          <a:bodyPr lIns="68580" tIns="34290" rIns="68580" bIns="34290">
+            <a:noAutofit/>
+          </a:bodyPr>
+          <a:lstStyle>
+            <a:lvl1pPr marL="228600" indent="-228600" algn="l" defTabSz="914400" rtl="0" eaLnBrk="1" latinLnBrk="0" hangingPunct="1">
+              <a:lnSpc>
+                <a:spcPct val="90000"/>
+              </a:lnSpc>
+              <a:spcBef>
+                <a:spcPts val="1000"/>
+              </a:spcBef>
+              <a:buClr>
+                <a:srgbClr val="27A0F2"/>
+              </a:buClr>
+              <a:buFont typeface="Arial" panose="020B0604020202020204" pitchFamily="34" charset="0"/>
+              <a:buChar char="•"/>
+              <a:defRPr sz="2800" kern="1200">
+                <a:solidFill>
+                  <a:srgbClr val="3A3A3A"/>
+                </a:solidFill>
+                <a:latin typeface="Segoe UI" panose="020B0502040204020203" pitchFamily="34" charset="0"/>
+                <a:ea typeface="+mn-ea"/>
+                <a:cs typeface="Segoe UI" panose="020B0502040204020203" pitchFamily="34" charset="0"/>
+              </a:defRPr>
+            </a:lvl1pPr>
+            <a:lvl2pPr marL="685800" indent="-228600" algn="l" defTabSz="914400" rtl="0" eaLnBrk="1" latinLnBrk="0" hangingPunct="1">
+              <a:lnSpc>
+                <a:spcPct val="90000"/>
+              </a:lnSpc>
+              <a:spcBef>
+                <a:spcPts val="500"/>
+              </a:spcBef>
+              <a:buClr>
+                <a:srgbClr val="27A0F2"/>
+              </a:buClr>
+              <a:buFont typeface="Arial" panose="020B0604020202020204" pitchFamily="34" charset="0"/>
+              <a:buChar char="•"/>
+              <a:defRPr sz="2400" kern="1200">
+                <a:solidFill>
+                  <a:srgbClr val="3A3A3A"/>
+                </a:solidFill>
+                <a:latin typeface="Segoe UI" panose="020B0502040204020203" pitchFamily="34" charset="0"/>
+                <a:ea typeface="+mn-ea"/>
+                <a:cs typeface="Segoe UI" panose="020B0502040204020203" pitchFamily="34" charset="0"/>
+              </a:defRPr>
+            </a:lvl2pPr>
+            <a:lvl3pPr marL="1143000" indent="-228600" algn="l" defTabSz="914400" rtl="0" eaLnBrk="1" latinLnBrk="0" hangingPunct="1">
+              <a:lnSpc>
+                <a:spcPct val="90000"/>
+              </a:lnSpc>
+              <a:spcBef>
+                <a:spcPts val="500"/>
+              </a:spcBef>
+              <a:buClr>
+                <a:srgbClr val="27A0F2"/>
+              </a:buClr>
+              <a:buFont typeface="Arial" panose="020B0604020202020204" pitchFamily="34" charset="0"/>
+              <a:buChar char="•"/>
+              <a:defRPr sz="2000" kern="1200">
+                <a:solidFill>
+                  <a:srgbClr val="3A3A3A"/>
+                </a:solidFill>
+                <a:latin typeface="Segoe UI" panose="020B0502040204020203" pitchFamily="34" charset="0"/>
+                <a:ea typeface="+mn-ea"/>
+                <a:cs typeface="Segoe UI" panose="020B0502040204020203" pitchFamily="34" charset="0"/>
+              </a:defRPr>
+            </a:lvl3pPr>
+            <a:lvl4pPr marL="1600200" indent="-228600" algn="l" defTabSz="914400" rtl="0" eaLnBrk="1" latinLnBrk="0" hangingPunct="1">
+              <a:lnSpc>
+                <a:spcPct val="90000"/>
+              </a:lnSpc>
+              <a:spcBef>
+                <a:spcPts val="500"/>
+              </a:spcBef>
+              <a:buClr>
+                <a:srgbClr val="27A0F2"/>
+              </a:buClr>
+              <a:buFont typeface="Arial" panose="020B0604020202020204" pitchFamily="34" charset="0"/>
+              <a:buChar char="•"/>
+              <a:defRPr sz="1800" kern="1200">
+                <a:solidFill>
+                  <a:srgbClr val="3A3A3A"/>
+                </a:solidFill>
+                <a:latin typeface="Segoe UI" panose="020B0502040204020203" pitchFamily="34" charset="0"/>
+                <a:ea typeface="+mn-ea"/>
+                <a:cs typeface="Segoe UI" panose="020B0502040204020203" pitchFamily="34" charset="0"/>
+              </a:defRPr>
+            </a:lvl4pPr>
+            <a:lvl5pPr marL="2057400" indent="-228600" algn="l" defTabSz="914400" rtl="0" eaLnBrk="1" latinLnBrk="0" hangingPunct="1">
+              <a:lnSpc>
+                <a:spcPct val="90000"/>
+              </a:lnSpc>
+              <a:spcBef>
+                <a:spcPts val="500"/>
+              </a:spcBef>
+              <a:buClr>
+                <a:srgbClr val="27A0F2"/>
+              </a:buClr>
+              <a:buFont typeface="Arial" panose="020B0604020202020204" pitchFamily="34" charset="0"/>
+              <a:buChar char="•"/>
+              <a:defRPr sz="1800" kern="1200">
+                <a:solidFill>
+                  <a:srgbClr val="3A3A3A"/>
+                </a:solidFill>
+                <a:latin typeface="Segoe UI" panose="020B0502040204020203" pitchFamily="34" charset="0"/>
+                <a:ea typeface="+mn-ea"/>
+                <a:cs typeface="Segoe UI" panose="020B0502040204020203" pitchFamily="34" charset="0"/>
+              </a:defRPr>
+            </a:lvl5pPr>
+            <a:lvl6pPr marL="2514600" indent="-228600" algn="l" defTabSz="914400" rtl="0" eaLnBrk="1" latinLnBrk="0" hangingPunct="1">
+              <a:lnSpc>
+                <a:spcPct val="90000"/>
+              </a:lnSpc>
+              <a:spcBef>
+                <a:spcPts val="500"/>
+              </a:spcBef>
+              <a:buFont typeface="Arial" panose="020B0604020202020204" pitchFamily="34" charset="0"/>
+              <a:buChar char="•"/>
+              <a:defRPr sz="1800" kern="1200">
+                <a:solidFill>
+                  <a:schemeClr val="tx1"/>
+                </a:solidFill>
+                <a:latin typeface="+mn-lt"/>
+                <a:ea typeface="+mn-ea"/>
+                <a:cs typeface="+mn-cs"/>
+              </a:defRPr>
+            </a:lvl6pPr>
+            <a:lvl7pPr marL="2971800" indent="-228600" algn="l" defTabSz="914400" rtl="0" eaLnBrk="1" latinLnBrk="0" hangingPunct="1">
+              <a:lnSpc>
+                <a:spcPct val="90000"/>
+              </a:lnSpc>
+              <a:spcBef>
+                <a:spcPts val="500"/>
+              </a:spcBef>
+              <a:buFont typeface="Arial" panose="020B0604020202020204" pitchFamily="34" charset="0"/>
+              <a:buChar char="•"/>
+              <a:defRPr sz="1800" kern="1200">
+                <a:solidFill>
+                  <a:schemeClr val="tx1"/>
+                </a:solidFill>
+                <a:latin typeface="+mn-lt"/>
+                <a:ea typeface="+mn-ea"/>
+                <a:cs typeface="+mn-cs"/>
+              </a:defRPr>
+            </a:lvl7pPr>
+            <a:lvl8pPr marL="3429000" indent="-228600" algn="l" defTabSz="914400" rtl="0" eaLnBrk="1" latinLnBrk="0" hangingPunct="1">
+              <a:lnSpc>
+                <a:spcPct val="90000"/>
+              </a:lnSpc>
+              <a:spcBef>
+                <a:spcPts val="500"/>
+              </a:spcBef>
+              <a:buFont typeface="Arial" panose="020B0604020202020204" pitchFamily="34" charset="0"/>
+              <a:buChar char="•"/>
+              <a:defRPr sz="1800" kern="1200">
+                <a:solidFill>
+                  <a:schemeClr val="tx1"/>
+                </a:solidFill>
+                <a:latin typeface="+mn-lt"/>
+                <a:ea typeface="+mn-ea"/>
+                <a:cs typeface="+mn-cs"/>
+              </a:defRPr>
+            </a:lvl8pPr>
+            <a:lvl9pPr marL="3886200" indent="-228600" algn="l" defTabSz="914400" rtl="0" eaLnBrk="1" latinLnBrk="0" hangingPunct="1">
+              <a:lnSpc>
+                <a:spcPct val="90000"/>
+              </a:lnSpc>
+              <a:spcBef>
+                <a:spcPts val="500"/>
+              </a:spcBef>
+              <a:buFont typeface="Arial" panose="020B0604020202020204" pitchFamily="34" charset="0"/>
+              <a:buChar char="•"/>
+              <a:defRPr sz="1800" kern="1200">
+                <a:solidFill>
+                  <a:schemeClr val="tx1"/>
+                </a:solidFill>
+                <a:latin typeface="+mn-lt"/>
+                <a:ea typeface="+mn-ea"/>
+                <a:cs typeface="+mn-cs"/>
+              </a:defRPr>
+            </a:lvl9pPr>
+          </a:lstStyle>
+          <a:p>
+            <a:pPr marL="0" indent="0" algn="ctr">
+              <a:lnSpc>
+                <a:spcPct val="100000"/>
+              </a:lnSpc>
+              <a:buNone/>
+              <a:defRPr/>
+            </a:pPr>
+            <a:r>
+              <a:rPr lang="ja-JP" altLang="en-US" sz="1200" b="1" dirty="0">
+                <a:solidFill>
+                  <a:schemeClr val="tx1"/>
+                </a:solidFill>
+                <a:latin typeface="ゴシック" panose="020B0609070205080204" pitchFamily="49" charset="-128"/>
+                <a:ea typeface="ゴシック" panose="020B0609070205080204" pitchFamily="49" charset="-128"/>
+              </a:rPr>
+              <a:t>登録</a:t>
+            </a:r>
+            <a:endParaRPr lang="sv-SE" sz="1200" b="1" dirty="0">
+              <a:solidFill>
+                <a:schemeClr val="tx1"/>
+              </a:solidFill>
+              <a:latin typeface="ゴシック" panose="020B0609070205080204" pitchFamily="49" charset="-128"/>
+              <a:ea typeface="ゴシック" panose="020B0609070205080204" pitchFamily="49" charset="-128"/>
+            </a:endParaRPr>
+          </a:p>
+        </p:txBody>
+      </p:sp>
+      <p:sp>
+        <p:nvSpPr>
+          <p:cNvPr id="96" name="Content Placeholder 2"/>
+          <p:cNvSpPr txBox="1">
+            <a:spLocks/>
+          </p:cNvSpPr>
+          <p:nvPr/>
+        </p:nvSpPr>
+        <p:spPr bwMode="auto">
+          <a:xfrm rot="20161803">
+            <a:off x="6036056" y="1982868"/>
+            <a:ext cx="1119245" cy="294481"/>
+          </a:xfrm>
+          <a:prstGeom prst="rect">
+            <a:avLst/>
+          </a:prstGeom>
+        </p:spPr>
+        <p:txBody>
+          <a:bodyPr lIns="68580" tIns="34290" rIns="68580" bIns="34290">
+            <a:noAutofit/>
+          </a:bodyPr>
+          <a:lstStyle>
+            <a:lvl1pPr marL="228600" indent="-228600" algn="l" defTabSz="914400" rtl="0" eaLnBrk="1" latinLnBrk="0" hangingPunct="1">
+              <a:lnSpc>
+                <a:spcPct val="90000"/>
+              </a:lnSpc>
+              <a:spcBef>
+                <a:spcPts val="1000"/>
+              </a:spcBef>
+              <a:buClr>
+                <a:srgbClr val="27A0F2"/>
+              </a:buClr>
+              <a:buFont typeface="Arial" panose="020B0604020202020204" pitchFamily="34" charset="0"/>
+              <a:buChar char="•"/>
+              <a:defRPr sz="2800" kern="1200">
+                <a:solidFill>
+                  <a:srgbClr val="3A3A3A"/>
+                </a:solidFill>
+                <a:latin typeface="Segoe UI" panose="020B0502040204020203" pitchFamily="34" charset="0"/>
+                <a:ea typeface="+mn-ea"/>
+                <a:cs typeface="Segoe UI" panose="020B0502040204020203" pitchFamily="34" charset="0"/>
+              </a:defRPr>
+            </a:lvl1pPr>
+            <a:lvl2pPr marL="685800" indent="-228600" algn="l" defTabSz="914400" rtl="0" eaLnBrk="1" latinLnBrk="0" hangingPunct="1">
+              <a:lnSpc>
+                <a:spcPct val="90000"/>
+              </a:lnSpc>
+              <a:spcBef>
+                <a:spcPts val="500"/>
+              </a:spcBef>
+              <a:buClr>
+                <a:srgbClr val="27A0F2"/>
+              </a:buClr>
+              <a:buFont typeface="Arial" panose="020B0604020202020204" pitchFamily="34" charset="0"/>
+              <a:buChar char="•"/>
+              <a:defRPr sz="2400" kern="1200">
+                <a:solidFill>
+                  <a:srgbClr val="3A3A3A"/>
+                </a:solidFill>
+                <a:latin typeface="Segoe UI" panose="020B0502040204020203" pitchFamily="34" charset="0"/>
+                <a:ea typeface="+mn-ea"/>
+                <a:cs typeface="Segoe UI" panose="020B0502040204020203" pitchFamily="34" charset="0"/>
+              </a:defRPr>
+            </a:lvl2pPr>
+            <a:lvl3pPr marL="1143000" indent="-228600" algn="l" defTabSz="914400" rtl="0" eaLnBrk="1" latinLnBrk="0" hangingPunct="1">
+              <a:lnSpc>
+                <a:spcPct val="90000"/>
+              </a:lnSpc>
+              <a:spcBef>
+                <a:spcPts val="500"/>
+              </a:spcBef>
+              <a:buClr>
+                <a:srgbClr val="27A0F2"/>
+              </a:buClr>
+              <a:buFont typeface="Arial" panose="020B0604020202020204" pitchFamily="34" charset="0"/>
+              <a:buChar char="•"/>
+              <a:defRPr sz="2000" kern="1200">
+                <a:solidFill>
+                  <a:srgbClr val="3A3A3A"/>
+                </a:solidFill>
+                <a:latin typeface="Segoe UI" panose="020B0502040204020203" pitchFamily="34" charset="0"/>
+                <a:ea typeface="+mn-ea"/>
+                <a:cs typeface="Segoe UI" panose="020B0502040204020203" pitchFamily="34" charset="0"/>
+              </a:defRPr>
+            </a:lvl3pPr>
+            <a:lvl4pPr marL="1600200" indent="-228600" algn="l" defTabSz="914400" rtl="0" eaLnBrk="1" latinLnBrk="0" hangingPunct="1">
+              <a:lnSpc>
+                <a:spcPct val="90000"/>
+              </a:lnSpc>
+              <a:spcBef>
+                <a:spcPts val="500"/>
+              </a:spcBef>
+              <a:buClr>
+                <a:srgbClr val="27A0F2"/>
+              </a:buClr>
+              <a:buFont typeface="Arial" panose="020B0604020202020204" pitchFamily="34" charset="0"/>
+              <a:buChar char="•"/>
+              <a:defRPr sz="1800" kern="1200">
+                <a:solidFill>
+                  <a:srgbClr val="3A3A3A"/>
+                </a:solidFill>
+                <a:latin typeface="Segoe UI" panose="020B0502040204020203" pitchFamily="34" charset="0"/>
+                <a:ea typeface="+mn-ea"/>
+                <a:cs typeface="Segoe UI" panose="020B0502040204020203" pitchFamily="34" charset="0"/>
+              </a:defRPr>
+            </a:lvl4pPr>
+            <a:lvl5pPr marL="2057400" indent="-228600" algn="l" defTabSz="914400" rtl="0" eaLnBrk="1" latinLnBrk="0" hangingPunct="1">
+              <a:lnSpc>
+                <a:spcPct val="90000"/>
+              </a:lnSpc>
+              <a:spcBef>
+                <a:spcPts val="500"/>
+              </a:spcBef>
+              <a:buClr>
+                <a:srgbClr val="27A0F2"/>
+              </a:buClr>
+              <a:buFont typeface="Arial" panose="020B0604020202020204" pitchFamily="34" charset="0"/>
+              <a:buChar char="•"/>
+              <a:defRPr sz="1800" kern="1200">
+                <a:solidFill>
+                  <a:srgbClr val="3A3A3A"/>
+                </a:solidFill>
+                <a:latin typeface="Segoe UI" panose="020B0502040204020203" pitchFamily="34" charset="0"/>
+                <a:ea typeface="+mn-ea"/>
+                <a:cs typeface="Segoe UI" panose="020B0502040204020203" pitchFamily="34" charset="0"/>
+              </a:defRPr>
+            </a:lvl5pPr>
+            <a:lvl6pPr marL="2514600" indent="-228600" algn="l" defTabSz="914400" rtl="0" eaLnBrk="1" latinLnBrk="0" hangingPunct="1">
+              <a:lnSpc>
+                <a:spcPct val="90000"/>
+              </a:lnSpc>
+              <a:spcBef>
+                <a:spcPts val="500"/>
+              </a:spcBef>
+              <a:buFont typeface="Arial" panose="020B0604020202020204" pitchFamily="34" charset="0"/>
+              <a:buChar char="•"/>
+              <a:defRPr sz="1800" kern="1200">
+                <a:solidFill>
+                  <a:schemeClr val="tx1"/>
+                </a:solidFill>
+                <a:latin typeface="+mn-lt"/>
+                <a:ea typeface="+mn-ea"/>
+                <a:cs typeface="+mn-cs"/>
+              </a:defRPr>
+            </a:lvl6pPr>
+            <a:lvl7pPr marL="2971800" indent="-228600" algn="l" defTabSz="914400" rtl="0" eaLnBrk="1" latinLnBrk="0" hangingPunct="1">
+              <a:lnSpc>
+                <a:spcPct val="90000"/>
+              </a:lnSpc>
+              <a:spcBef>
+                <a:spcPts val="500"/>
+              </a:spcBef>
+              <a:buFont typeface="Arial" panose="020B0604020202020204" pitchFamily="34" charset="0"/>
+              <a:buChar char="•"/>
+              <a:defRPr sz="1800" kern="1200">
+                <a:solidFill>
+                  <a:schemeClr val="tx1"/>
+                </a:solidFill>
+                <a:latin typeface="+mn-lt"/>
+                <a:ea typeface="+mn-ea"/>
+                <a:cs typeface="+mn-cs"/>
+              </a:defRPr>
+            </a:lvl7pPr>
+            <a:lvl8pPr marL="3429000" indent="-228600" algn="l" defTabSz="914400" rtl="0" eaLnBrk="1" latinLnBrk="0" hangingPunct="1">
+              <a:lnSpc>
+                <a:spcPct val="90000"/>
+              </a:lnSpc>
+              <a:spcBef>
+                <a:spcPts val="500"/>
+              </a:spcBef>
+              <a:buFont typeface="Arial" panose="020B0604020202020204" pitchFamily="34" charset="0"/>
+              <a:buChar char="•"/>
+              <a:defRPr sz="1800" kern="1200">
+                <a:solidFill>
+                  <a:schemeClr val="tx1"/>
+                </a:solidFill>
+                <a:latin typeface="+mn-lt"/>
+                <a:ea typeface="+mn-ea"/>
+                <a:cs typeface="+mn-cs"/>
+              </a:defRPr>
+            </a:lvl8pPr>
+            <a:lvl9pPr marL="3886200" indent="-228600" algn="l" defTabSz="914400" rtl="0" eaLnBrk="1" latinLnBrk="0" hangingPunct="1">
+              <a:lnSpc>
+                <a:spcPct val="90000"/>
+              </a:lnSpc>
+              <a:spcBef>
+                <a:spcPts val="500"/>
+              </a:spcBef>
+              <a:buFont typeface="Arial" panose="020B0604020202020204" pitchFamily="34" charset="0"/>
+              <a:buChar char="•"/>
+              <a:defRPr sz="1800" kern="1200">
+                <a:solidFill>
+                  <a:schemeClr val="tx1"/>
+                </a:solidFill>
+                <a:latin typeface="+mn-lt"/>
+                <a:ea typeface="+mn-ea"/>
+                <a:cs typeface="+mn-cs"/>
+              </a:defRPr>
+            </a:lvl9pPr>
+          </a:lstStyle>
+          <a:p>
+            <a:pPr marL="0" indent="0" algn="ctr">
+              <a:lnSpc>
+                <a:spcPct val="100000"/>
+              </a:lnSpc>
+              <a:buNone/>
+              <a:defRPr/>
+            </a:pPr>
+            <a:r>
+              <a:rPr lang="ja-JP" altLang="en-US" sz="1200" b="1" dirty="0">
+                <a:solidFill>
+                  <a:schemeClr val="tx1"/>
+                </a:solidFill>
+                <a:latin typeface="ゴシック" panose="020B0609070205080204" pitchFamily="49" charset="-128"/>
+                <a:ea typeface="ゴシック" panose="020B0609070205080204" pitchFamily="49" charset="-128"/>
+              </a:rPr>
+              <a:t>文書化</a:t>
+            </a:r>
+            <a:endParaRPr lang="sv-SE" sz="1200" b="1" dirty="0">
+              <a:solidFill>
+                <a:schemeClr val="tx1"/>
+              </a:solidFill>
+              <a:latin typeface="ゴシック" panose="020B0609070205080204" pitchFamily="49" charset="-128"/>
+              <a:ea typeface="ゴシック" panose="020B0609070205080204" pitchFamily="49" charset="-128"/>
+            </a:endParaRPr>
+          </a:p>
+        </p:txBody>
+      </p:sp>
+      <p:sp>
+        <p:nvSpPr>
+          <p:cNvPr id="100" name="Content Placeholder 2"/>
+          <p:cNvSpPr txBox="1">
+            <a:spLocks/>
+          </p:cNvSpPr>
+          <p:nvPr/>
+        </p:nvSpPr>
+        <p:spPr bwMode="auto">
+          <a:xfrm rot="20161803">
+            <a:off x="6707720" y="3732921"/>
+            <a:ext cx="967767" cy="230166"/>
+          </a:xfrm>
+          <a:prstGeom prst="rect">
+            <a:avLst/>
+          </a:prstGeom>
+        </p:spPr>
+        <p:txBody>
+          <a:bodyPr lIns="68580" tIns="34290" rIns="68580" bIns="34290">
+            <a:noAutofit/>
+          </a:bodyPr>
+          <a:lstStyle>
+            <a:lvl1pPr marL="228600" indent="-228600" algn="l" defTabSz="914400" rtl="0" eaLnBrk="1" latinLnBrk="0" hangingPunct="1">
+              <a:lnSpc>
+                <a:spcPct val="90000"/>
+              </a:lnSpc>
+              <a:spcBef>
+                <a:spcPts val="1000"/>
+              </a:spcBef>
+              <a:buClr>
+                <a:srgbClr val="27A0F2"/>
+              </a:buClr>
+              <a:buFont typeface="Arial" panose="020B0604020202020204" pitchFamily="34" charset="0"/>
+              <a:buChar char="•"/>
+              <a:defRPr sz="2800" kern="1200">
+                <a:solidFill>
+                  <a:srgbClr val="3A3A3A"/>
+                </a:solidFill>
+                <a:latin typeface="Segoe UI" panose="020B0502040204020203" pitchFamily="34" charset="0"/>
+                <a:ea typeface="+mn-ea"/>
+                <a:cs typeface="Segoe UI" panose="020B0502040204020203" pitchFamily="34" charset="0"/>
+              </a:defRPr>
+            </a:lvl1pPr>
+            <a:lvl2pPr marL="685800" indent="-228600" algn="l" defTabSz="914400" rtl="0" eaLnBrk="1" latinLnBrk="0" hangingPunct="1">
+              <a:lnSpc>
+                <a:spcPct val="90000"/>
+              </a:lnSpc>
+              <a:spcBef>
+                <a:spcPts val="500"/>
+              </a:spcBef>
+              <a:buClr>
+                <a:srgbClr val="27A0F2"/>
+              </a:buClr>
+              <a:buFont typeface="Arial" panose="020B0604020202020204" pitchFamily="34" charset="0"/>
+              <a:buChar char="•"/>
+              <a:defRPr sz="2400" kern="1200">
+                <a:solidFill>
+                  <a:srgbClr val="3A3A3A"/>
+                </a:solidFill>
+                <a:latin typeface="Segoe UI" panose="020B0502040204020203" pitchFamily="34" charset="0"/>
+                <a:ea typeface="+mn-ea"/>
+                <a:cs typeface="Segoe UI" panose="020B0502040204020203" pitchFamily="34" charset="0"/>
+              </a:defRPr>
+            </a:lvl2pPr>
+            <a:lvl3pPr marL="1143000" indent="-228600" algn="l" defTabSz="914400" rtl="0" eaLnBrk="1" latinLnBrk="0" hangingPunct="1">
+              <a:lnSpc>
+                <a:spcPct val="90000"/>
+              </a:lnSpc>
+              <a:spcBef>
+                <a:spcPts val="500"/>
+              </a:spcBef>
+              <a:buClr>
+                <a:srgbClr val="27A0F2"/>
+              </a:buClr>
+              <a:buFont typeface="Arial" panose="020B0604020202020204" pitchFamily="34" charset="0"/>
+              <a:buChar char="•"/>
+              <a:defRPr sz="2000" kern="1200">
+                <a:solidFill>
+                  <a:srgbClr val="3A3A3A"/>
+                </a:solidFill>
+                <a:latin typeface="Segoe UI" panose="020B0502040204020203" pitchFamily="34" charset="0"/>
+                <a:ea typeface="+mn-ea"/>
+                <a:cs typeface="Segoe UI" panose="020B0502040204020203" pitchFamily="34" charset="0"/>
+              </a:defRPr>
+            </a:lvl3pPr>
+            <a:lvl4pPr marL="1600200" indent="-228600" algn="l" defTabSz="914400" rtl="0" eaLnBrk="1" latinLnBrk="0" hangingPunct="1">
+              <a:lnSpc>
+                <a:spcPct val="90000"/>
+              </a:lnSpc>
+              <a:spcBef>
+                <a:spcPts val="500"/>
+              </a:spcBef>
+              <a:buClr>
+                <a:srgbClr val="27A0F2"/>
+              </a:buClr>
+              <a:buFont typeface="Arial" panose="020B0604020202020204" pitchFamily="34" charset="0"/>
+              <a:buChar char="•"/>
+              <a:defRPr sz="1800" kern="1200">
+                <a:solidFill>
+                  <a:srgbClr val="3A3A3A"/>
+                </a:solidFill>
+                <a:latin typeface="Segoe UI" panose="020B0502040204020203" pitchFamily="34" charset="0"/>
+                <a:ea typeface="+mn-ea"/>
+                <a:cs typeface="Segoe UI" panose="020B0502040204020203" pitchFamily="34" charset="0"/>
+              </a:defRPr>
+            </a:lvl4pPr>
+            <a:lvl5pPr marL="2057400" indent="-228600" algn="l" defTabSz="914400" rtl="0" eaLnBrk="1" latinLnBrk="0" hangingPunct="1">
+              <a:lnSpc>
+                <a:spcPct val="90000"/>
+              </a:lnSpc>
+              <a:spcBef>
+                <a:spcPts val="500"/>
+              </a:spcBef>
+              <a:buClr>
+                <a:srgbClr val="27A0F2"/>
+              </a:buClr>
+              <a:buFont typeface="Arial" panose="020B0604020202020204" pitchFamily="34" charset="0"/>
+              <a:buChar char="•"/>
+              <a:defRPr sz="1800" kern="1200">
+                <a:solidFill>
+                  <a:srgbClr val="3A3A3A"/>
+                </a:solidFill>
+                <a:latin typeface="Segoe UI" panose="020B0502040204020203" pitchFamily="34" charset="0"/>
+                <a:ea typeface="+mn-ea"/>
+                <a:cs typeface="Segoe UI" panose="020B0502040204020203" pitchFamily="34" charset="0"/>
+              </a:defRPr>
+            </a:lvl5pPr>
+            <a:lvl6pPr marL="2514600" indent="-228600" algn="l" defTabSz="914400" rtl="0" eaLnBrk="1" latinLnBrk="0" hangingPunct="1">
+              <a:lnSpc>
+                <a:spcPct val="90000"/>
+              </a:lnSpc>
+              <a:spcBef>
+                <a:spcPts val="500"/>
+              </a:spcBef>
+              <a:buFont typeface="Arial" panose="020B0604020202020204" pitchFamily="34" charset="0"/>
+              <a:buChar char="•"/>
+              <a:defRPr sz="1800" kern="1200">
+                <a:solidFill>
+                  <a:schemeClr val="tx1"/>
+                </a:solidFill>
+                <a:latin typeface="+mn-lt"/>
+                <a:ea typeface="+mn-ea"/>
+                <a:cs typeface="+mn-cs"/>
+              </a:defRPr>
+            </a:lvl6pPr>
+            <a:lvl7pPr marL="2971800" indent="-228600" algn="l" defTabSz="914400" rtl="0" eaLnBrk="1" latinLnBrk="0" hangingPunct="1">
+              <a:lnSpc>
+                <a:spcPct val="90000"/>
+              </a:lnSpc>
+              <a:spcBef>
+                <a:spcPts val="500"/>
+              </a:spcBef>
+              <a:buFont typeface="Arial" panose="020B0604020202020204" pitchFamily="34" charset="0"/>
+              <a:buChar char="•"/>
+              <a:defRPr sz="1800" kern="1200">
+                <a:solidFill>
+                  <a:schemeClr val="tx1"/>
+                </a:solidFill>
+                <a:latin typeface="+mn-lt"/>
+                <a:ea typeface="+mn-ea"/>
+                <a:cs typeface="+mn-cs"/>
+              </a:defRPr>
+            </a:lvl7pPr>
+            <a:lvl8pPr marL="3429000" indent="-228600" algn="l" defTabSz="914400" rtl="0" eaLnBrk="1" latinLnBrk="0" hangingPunct="1">
+              <a:lnSpc>
+                <a:spcPct val="90000"/>
+              </a:lnSpc>
+              <a:spcBef>
+                <a:spcPts val="500"/>
+              </a:spcBef>
+              <a:buFont typeface="Arial" panose="020B0604020202020204" pitchFamily="34" charset="0"/>
+              <a:buChar char="•"/>
+              <a:defRPr sz="1800" kern="1200">
+                <a:solidFill>
+                  <a:schemeClr val="tx1"/>
+                </a:solidFill>
+                <a:latin typeface="+mn-lt"/>
+                <a:ea typeface="+mn-ea"/>
+                <a:cs typeface="+mn-cs"/>
+              </a:defRPr>
+            </a:lvl8pPr>
+            <a:lvl9pPr marL="3886200" indent="-228600" algn="l" defTabSz="914400" rtl="0" eaLnBrk="1" latinLnBrk="0" hangingPunct="1">
+              <a:lnSpc>
+                <a:spcPct val="90000"/>
+              </a:lnSpc>
+              <a:spcBef>
+                <a:spcPts val="500"/>
+              </a:spcBef>
+              <a:buFont typeface="Arial" panose="020B0604020202020204" pitchFamily="34" charset="0"/>
+              <a:buChar char="•"/>
+              <a:defRPr sz="1800" kern="1200">
+                <a:solidFill>
+                  <a:schemeClr val="tx1"/>
+                </a:solidFill>
+                <a:latin typeface="+mn-lt"/>
+                <a:ea typeface="+mn-ea"/>
+                <a:cs typeface="+mn-cs"/>
+              </a:defRPr>
+            </a:lvl9pPr>
+          </a:lstStyle>
+          <a:p>
+            <a:pPr marL="0" indent="0" algn="ctr">
+              <a:lnSpc>
+                <a:spcPct val="100000"/>
+              </a:lnSpc>
+              <a:buNone/>
+              <a:defRPr/>
+            </a:pPr>
+            <a:r>
+              <a:rPr lang="ja-JP" altLang="en-US" sz="1200" b="1" dirty="0">
+                <a:solidFill>
+                  <a:schemeClr val="tx1"/>
+                </a:solidFill>
+                <a:latin typeface="ゴシック" panose="020B0609070205080204" pitchFamily="49" charset="-128"/>
+                <a:ea typeface="ゴシック" panose="020B0609070205080204" pitchFamily="49" charset="-128"/>
+              </a:rPr>
+              <a:t>検証</a:t>
+            </a:r>
+            <a:endParaRPr lang="sv-SE" sz="1200" b="1" dirty="0">
+              <a:solidFill>
+                <a:schemeClr val="tx1"/>
+              </a:solidFill>
+              <a:latin typeface="ゴシック" panose="020B0609070205080204" pitchFamily="49" charset="-128"/>
+              <a:ea typeface="ゴシック" panose="020B0609070205080204" pitchFamily="49" charset="-128"/>
+            </a:endParaRPr>
+          </a:p>
+        </p:txBody>
+      </p:sp>
+      <p:sp>
+        <p:nvSpPr>
+          <p:cNvPr id="104" name="Content Placeholder 2"/>
+          <p:cNvSpPr txBox="1">
+            <a:spLocks/>
+          </p:cNvSpPr>
+          <p:nvPr/>
+        </p:nvSpPr>
+        <p:spPr bwMode="auto">
+          <a:xfrm rot="20161803">
+            <a:off x="7061153" y="1962921"/>
+            <a:ext cx="967767" cy="230166"/>
+          </a:xfrm>
+          <a:prstGeom prst="rect">
+            <a:avLst/>
+          </a:prstGeom>
+        </p:spPr>
+        <p:txBody>
+          <a:bodyPr lIns="68580" tIns="34290" rIns="68580" bIns="34290">
+            <a:noAutofit/>
+          </a:bodyPr>
+          <a:lstStyle>
+            <a:lvl1pPr marL="228600" indent="-228600" algn="l" defTabSz="914400" rtl="0" eaLnBrk="1" latinLnBrk="0" hangingPunct="1">
+              <a:lnSpc>
+                <a:spcPct val="90000"/>
+              </a:lnSpc>
+              <a:spcBef>
+                <a:spcPts val="1000"/>
+              </a:spcBef>
+              <a:buClr>
+                <a:srgbClr val="27A0F2"/>
+              </a:buClr>
+              <a:buFont typeface="Arial" panose="020B0604020202020204" pitchFamily="34" charset="0"/>
+              <a:buChar char="•"/>
+              <a:defRPr sz="2800" kern="1200">
+                <a:solidFill>
+                  <a:srgbClr val="3A3A3A"/>
+                </a:solidFill>
+                <a:latin typeface="Segoe UI" panose="020B0502040204020203" pitchFamily="34" charset="0"/>
+                <a:ea typeface="+mn-ea"/>
+                <a:cs typeface="Segoe UI" panose="020B0502040204020203" pitchFamily="34" charset="0"/>
+              </a:defRPr>
+            </a:lvl1pPr>
+            <a:lvl2pPr marL="685800" indent="-228600" algn="l" defTabSz="914400" rtl="0" eaLnBrk="1" latinLnBrk="0" hangingPunct="1">
+              <a:lnSpc>
+                <a:spcPct val="90000"/>
+              </a:lnSpc>
+              <a:spcBef>
+                <a:spcPts val="500"/>
+              </a:spcBef>
+              <a:buClr>
+                <a:srgbClr val="27A0F2"/>
+              </a:buClr>
+              <a:buFont typeface="Arial" panose="020B0604020202020204" pitchFamily="34" charset="0"/>
+              <a:buChar char="•"/>
+              <a:defRPr sz="2400" kern="1200">
+                <a:solidFill>
+                  <a:srgbClr val="3A3A3A"/>
+                </a:solidFill>
+                <a:latin typeface="Segoe UI" panose="020B0502040204020203" pitchFamily="34" charset="0"/>
+                <a:ea typeface="+mn-ea"/>
+                <a:cs typeface="Segoe UI" panose="020B0502040204020203" pitchFamily="34" charset="0"/>
+              </a:defRPr>
+            </a:lvl2pPr>
+            <a:lvl3pPr marL="1143000" indent="-228600" algn="l" defTabSz="914400" rtl="0" eaLnBrk="1" latinLnBrk="0" hangingPunct="1">
+              <a:lnSpc>
+                <a:spcPct val="90000"/>
+              </a:lnSpc>
+              <a:spcBef>
+                <a:spcPts val="500"/>
+              </a:spcBef>
+              <a:buClr>
+                <a:srgbClr val="27A0F2"/>
+              </a:buClr>
+              <a:buFont typeface="Arial" panose="020B0604020202020204" pitchFamily="34" charset="0"/>
+              <a:buChar char="•"/>
+              <a:defRPr sz="2000" kern="1200">
+                <a:solidFill>
+                  <a:srgbClr val="3A3A3A"/>
+                </a:solidFill>
+                <a:latin typeface="Segoe UI" panose="020B0502040204020203" pitchFamily="34" charset="0"/>
+                <a:ea typeface="+mn-ea"/>
+                <a:cs typeface="Segoe UI" panose="020B0502040204020203" pitchFamily="34" charset="0"/>
+              </a:defRPr>
+            </a:lvl3pPr>
+            <a:lvl4pPr marL="1600200" indent="-228600" algn="l" defTabSz="914400" rtl="0" eaLnBrk="1" latinLnBrk="0" hangingPunct="1">
+              <a:lnSpc>
+                <a:spcPct val="90000"/>
+              </a:lnSpc>
+              <a:spcBef>
+                <a:spcPts val="500"/>
+              </a:spcBef>
+              <a:buClr>
+                <a:srgbClr val="27A0F2"/>
+              </a:buClr>
+              <a:buFont typeface="Arial" panose="020B0604020202020204" pitchFamily="34" charset="0"/>
+              <a:buChar char="•"/>
+              <a:defRPr sz="1800" kern="1200">
+                <a:solidFill>
+                  <a:srgbClr val="3A3A3A"/>
+                </a:solidFill>
+                <a:latin typeface="Segoe UI" panose="020B0502040204020203" pitchFamily="34" charset="0"/>
+                <a:ea typeface="+mn-ea"/>
+                <a:cs typeface="Segoe UI" panose="020B0502040204020203" pitchFamily="34" charset="0"/>
+              </a:defRPr>
+            </a:lvl4pPr>
+            <a:lvl5pPr marL="2057400" indent="-228600" algn="l" defTabSz="914400" rtl="0" eaLnBrk="1" latinLnBrk="0" hangingPunct="1">
+              <a:lnSpc>
+                <a:spcPct val="90000"/>
+              </a:lnSpc>
+              <a:spcBef>
+                <a:spcPts val="500"/>
+              </a:spcBef>
+              <a:buClr>
+                <a:srgbClr val="27A0F2"/>
+              </a:buClr>
+              <a:buFont typeface="Arial" panose="020B0604020202020204" pitchFamily="34" charset="0"/>
+              <a:buChar char="•"/>
+              <a:defRPr sz="1800" kern="1200">
+                <a:solidFill>
+                  <a:srgbClr val="3A3A3A"/>
+                </a:solidFill>
+                <a:latin typeface="Segoe UI" panose="020B0502040204020203" pitchFamily="34" charset="0"/>
+                <a:ea typeface="+mn-ea"/>
+                <a:cs typeface="Segoe UI" panose="020B0502040204020203" pitchFamily="34" charset="0"/>
+              </a:defRPr>
+            </a:lvl5pPr>
+            <a:lvl6pPr marL="2514600" indent="-228600" algn="l" defTabSz="914400" rtl="0" eaLnBrk="1" latinLnBrk="0" hangingPunct="1">
+              <a:lnSpc>
+                <a:spcPct val="90000"/>
+              </a:lnSpc>
+              <a:spcBef>
+                <a:spcPts val="500"/>
+              </a:spcBef>
+              <a:buFont typeface="Arial" panose="020B0604020202020204" pitchFamily="34" charset="0"/>
+              <a:buChar char="•"/>
+              <a:defRPr sz="1800" kern="1200">
+                <a:solidFill>
+                  <a:schemeClr val="tx1"/>
+                </a:solidFill>
+                <a:latin typeface="+mn-lt"/>
+                <a:ea typeface="+mn-ea"/>
+                <a:cs typeface="+mn-cs"/>
+              </a:defRPr>
+            </a:lvl6pPr>
+            <a:lvl7pPr marL="2971800" indent="-228600" algn="l" defTabSz="914400" rtl="0" eaLnBrk="1" latinLnBrk="0" hangingPunct="1">
+              <a:lnSpc>
+                <a:spcPct val="90000"/>
+              </a:lnSpc>
+              <a:spcBef>
+                <a:spcPts val="500"/>
+              </a:spcBef>
+              <a:buFont typeface="Arial" panose="020B0604020202020204" pitchFamily="34" charset="0"/>
+              <a:buChar char="•"/>
+              <a:defRPr sz="1800" kern="1200">
+                <a:solidFill>
+                  <a:schemeClr val="tx1"/>
+                </a:solidFill>
+                <a:latin typeface="+mn-lt"/>
+                <a:ea typeface="+mn-ea"/>
+                <a:cs typeface="+mn-cs"/>
+              </a:defRPr>
+            </a:lvl7pPr>
+            <a:lvl8pPr marL="3429000" indent="-228600" algn="l" defTabSz="914400" rtl="0" eaLnBrk="1" latinLnBrk="0" hangingPunct="1">
+              <a:lnSpc>
+                <a:spcPct val="90000"/>
+              </a:lnSpc>
+              <a:spcBef>
+                <a:spcPts val="500"/>
+              </a:spcBef>
+              <a:buFont typeface="Arial" panose="020B0604020202020204" pitchFamily="34" charset="0"/>
+              <a:buChar char="•"/>
+              <a:defRPr sz="1800" kern="1200">
+                <a:solidFill>
+                  <a:schemeClr val="tx1"/>
+                </a:solidFill>
+                <a:latin typeface="+mn-lt"/>
+                <a:ea typeface="+mn-ea"/>
+                <a:cs typeface="+mn-cs"/>
+              </a:defRPr>
+            </a:lvl8pPr>
+            <a:lvl9pPr marL="3886200" indent="-228600" algn="l" defTabSz="914400" rtl="0" eaLnBrk="1" latinLnBrk="0" hangingPunct="1">
+              <a:lnSpc>
+                <a:spcPct val="90000"/>
+              </a:lnSpc>
+              <a:spcBef>
+                <a:spcPts val="500"/>
+              </a:spcBef>
+              <a:buFont typeface="Arial" panose="020B0604020202020204" pitchFamily="34" charset="0"/>
+              <a:buChar char="•"/>
+              <a:defRPr sz="1800" kern="1200">
+                <a:solidFill>
+                  <a:schemeClr val="tx1"/>
+                </a:solidFill>
+                <a:latin typeface="+mn-lt"/>
+                <a:ea typeface="+mn-ea"/>
+                <a:cs typeface="+mn-cs"/>
+              </a:defRPr>
+            </a:lvl9pPr>
+          </a:lstStyle>
+          <a:p>
+            <a:pPr marL="0" indent="0" algn="ctr">
+              <a:lnSpc>
+                <a:spcPct val="100000"/>
+              </a:lnSpc>
+              <a:buNone/>
+              <a:defRPr/>
+            </a:pPr>
+            <a:r>
+              <a:rPr lang="ja-JP" altLang="en-US" sz="1200" b="1" dirty="0" smtClean="0">
+                <a:solidFill>
+                  <a:schemeClr val="tx1"/>
+                </a:solidFill>
+                <a:latin typeface="ゴシック" panose="020B0609070205080204" pitchFamily="49" charset="-128"/>
+                <a:ea typeface="ゴシック" panose="020B0609070205080204" pitchFamily="49" charset="-128"/>
+              </a:rPr>
+              <a:t>公開</a:t>
+            </a:r>
+            <a:endParaRPr lang="sv-SE" sz="1200" b="1" dirty="0">
+              <a:solidFill>
+                <a:schemeClr val="tx1"/>
+              </a:solidFill>
+              <a:latin typeface="ゴシック" panose="020B0609070205080204" pitchFamily="49" charset="-128"/>
+              <a:ea typeface="ゴシック" panose="020B0609070205080204" pitchFamily="49" charset="-128"/>
+            </a:endParaRPr>
+          </a:p>
+        </p:txBody>
+      </p:sp>
+    </p:spTree>
+    <p:extLst>
+      <p:ext uri="{BB962C8B-B14F-4D97-AF65-F5344CB8AC3E}">
+        <p14:creationId xmlns:p14="http://schemas.microsoft.com/office/powerpoint/2010/main" val="2548084594"/>
+      </p:ext>
+    </p:extLst>
+  </p:cSld>
+  <p:clrMapOvr>
+    <a:masterClrMapping/>
+  </p:clrMapOvr>
+  <p:transition spd="slow">
+    <p:push dir="u"/>
+  </p:transition>
+  <p:timing>
+    <p:tnLst>
+      <p:par>
+        <p:cTn id="1" dur="indefinite" restart="never" nodeType="tmRoot"/>
+      </p:par>
+    </p:tnLst>
+  </p:timing>
+</p:sld>
+</file>
+
+<file path=ppt/slides/slide9.xml><?xml version="1.0" encoding="utf-8"?>
+<p:sld xmlns:a="http://schemas.openxmlformats.org/drawingml/2006/main" xmlns:r="http://schemas.openxmlformats.org/officeDocument/2006/relationships" xmlns:p="http://schemas.openxmlformats.org/presentationml/2006/main">
+  <p:cSld>
+    <p:spTree>
+      <p:nvGrpSpPr>
+        <p:cNvPr id="1" name=""/>
+        <p:cNvGrpSpPr/>
+        <p:nvPr/>
+      </p:nvGrpSpPr>
+      <p:grpSpPr>
+        <a:xfrm>
+          <a:off x="0" y="0"/>
+          <a:ext cx="0" cy="0"/>
+          <a:chOff x="0" y="0"/>
+          <a:chExt cx="0" cy="0"/>
+        </a:xfrm>
+      </p:grpSpPr>
+      <p:sp>
+        <p:nvSpPr>
           <p:cNvPr id="40" name="Rectangle 39"/>
           <p:cNvSpPr/>
           <p:nvPr/>
@@ -22164,7 +29314,7 @@
                 <a14:useLocalDpi xmlns:a14="http://schemas.microsoft.com/office/drawing/2010/main" val="0"/>
               </a:ext>
               <a:ext uri="{96DAC541-7B7A-43D3-8B79-37D633B846F1}">
-                <asvg:svgBlip xmlns="" xmlns:asvg="http://schemas.microsoft.com/office/drawing/2016/SVG/main" r:embed="rId25"/>
+                <asvg:svgBlip xmlns:asvg="http://schemas.microsoft.com/office/drawing/2016/SVG/main" xmlns="" r:embed="rId25"/>
               </a:ext>
             </a:extLst>
           </a:blip>
@@ -22372,1575 +29522,6 @@
     <p:extLst>
       <p:ext uri="{BB962C8B-B14F-4D97-AF65-F5344CB8AC3E}">
         <p14:creationId xmlns:p14="http://schemas.microsoft.com/office/powerpoint/2010/main" val="232843534"/>
-      </p:ext>
-    </p:extLst>
-  </p:cSld>
-  <p:clrMapOvr>
-    <a:masterClrMapping/>
-  </p:clrMapOvr>
-  <p:transition spd="slow">
-    <p:push dir="u"/>
-  </p:transition>
-  <p:timing>
-    <p:tnLst>
-      <p:par>
-        <p:cTn id="1" dur="indefinite" restart="never" nodeType="tmRoot"/>
-      </p:par>
-    </p:tnLst>
-  </p:timing>
-</p:sld>
-</file>
-
-<file path=ppt/slides/slide9.xml><?xml version="1.0" encoding="utf-8"?>
-<p:sld xmlns:a="http://schemas.openxmlformats.org/drawingml/2006/main" xmlns:r="http://schemas.openxmlformats.org/officeDocument/2006/relationships" xmlns:p="http://schemas.openxmlformats.org/presentationml/2006/main">
-  <p:cSld>
-    <p:spTree>
-      <p:nvGrpSpPr>
-        <p:cNvPr id="1" name=""/>
-        <p:cNvGrpSpPr/>
-        <p:nvPr/>
-      </p:nvGrpSpPr>
-      <p:grpSpPr>
-        <a:xfrm>
-          <a:off x="0" y="0"/>
-          <a:ext cx="0" cy="0"/>
-          <a:chOff x="0" y="0"/>
-          <a:chExt cx="0" cy="0"/>
-        </a:xfrm>
-      </p:grpSpPr>
-      <p:sp>
-        <p:nvSpPr>
-          <p:cNvPr id="40" name="Rectangle 39"/>
-          <p:cNvSpPr/>
-          <p:nvPr/>
-        </p:nvSpPr>
-        <p:spPr>
-          <a:xfrm>
-            <a:off x="1819275" y="209550"/>
-            <a:ext cx="7458076" cy="6286500"/>
-          </a:xfrm>
-          <a:prstGeom prst="rect">
-            <a:avLst/>
-          </a:prstGeom>
-          <a:ln w="28575">
-            <a:solidFill>
-              <a:srgbClr val="2CA4F2"/>
-            </a:solidFill>
-          </a:ln>
-        </p:spPr>
-        <p:style>
-          <a:lnRef idx="2">
-            <a:schemeClr val="accent1"/>
-          </a:lnRef>
-          <a:fillRef idx="1">
-            <a:schemeClr val="lt1"/>
-          </a:fillRef>
-          <a:effectRef idx="0">
-            <a:schemeClr val="accent1"/>
-          </a:effectRef>
-          <a:fontRef idx="minor">
-            <a:schemeClr val="dk1"/>
-          </a:fontRef>
-        </p:style>
-        <p:txBody>
-          <a:bodyPr rtlCol="0" anchor="ctr"/>
-          <a:lstStyle/>
-          <a:p>
-            <a:pPr algn="ctr"/>
-            <a:endParaRPr lang="en-US"/>
-          </a:p>
-        </p:txBody>
-      </p:sp>
-      <p:pic>
-        <p:nvPicPr>
-          <p:cNvPr id="12" name="Picture 11"/>
-          <p:cNvPicPr>
-            <a:picLocks noChangeAspect="1"/>
-          </p:cNvPicPr>
-          <p:nvPr/>
-        </p:nvPicPr>
-        <p:blipFill>
-          <a:blip r:embed="rId3" cstate="print">
-            <a:extLst>
-              <a:ext uri="{28A0092B-C50C-407E-A947-70E740481C1C}">
-                <a14:useLocalDpi xmlns:a14="http://schemas.microsoft.com/office/drawing/2010/main" val="0"/>
-              </a:ext>
-            </a:extLst>
-          </a:blip>
-          <a:stretch>
-            <a:fillRect/>
-          </a:stretch>
-        </p:blipFill>
-        <p:spPr>
-          <a:xfrm>
-            <a:off x="7004681" y="300949"/>
-            <a:ext cx="599948" cy="599948"/>
-          </a:xfrm>
-          <a:prstGeom prst="rect">
-            <a:avLst/>
-          </a:prstGeom>
-        </p:spPr>
-      </p:pic>
-      <p:sp>
-        <p:nvSpPr>
-          <p:cNvPr id="2" name="Arc 1"/>
-          <p:cNvSpPr/>
-          <p:nvPr/>
-        </p:nvSpPr>
-        <p:spPr>
-          <a:xfrm>
-            <a:off x="8346563" y="1148862"/>
-            <a:ext cx="588397" cy="633889"/>
-          </a:xfrm>
-          <a:prstGeom prst="arc">
-            <a:avLst/>
-          </a:prstGeom>
-          <a:ln w="19050">
-            <a:solidFill>
-              <a:schemeClr val="tx1"/>
-            </a:solidFill>
-          </a:ln>
-        </p:spPr>
-        <p:style>
-          <a:lnRef idx="1">
-            <a:schemeClr val="accent1"/>
-          </a:lnRef>
-          <a:fillRef idx="0">
-            <a:schemeClr val="accent1"/>
-          </a:fillRef>
-          <a:effectRef idx="0">
-            <a:schemeClr val="accent1"/>
-          </a:effectRef>
-          <a:fontRef idx="minor">
-            <a:schemeClr val="tx1"/>
-          </a:fontRef>
-        </p:style>
-        <p:txBody>
-          <a:bodyPr rtlCol="0" anchor="ctr"/>
-          <a:lstStyle/>
-          <a:p>
-            <a:pPr algn="ctr"/>
-            <a:endParaRPr lang="en-US"/>
-          </a:p>
-        </p:txBody>
-      </p:sp>
-      <p:cxnSp>
-        <p:nvCxnSpPr>
-          <p:cNvPr id="15" name="Straight Connector 14"/>
-          <p:cNvCxnSpPr>
-            <a:cxnSpLocks/>
-            <a:stCxn id="2" idx="0"/>
-            <a:endCxn id="21" idx="3"/>
-          </p:cNvCxnSpPr>
-          <p:nvPr/>
-        </p:nvCxnSpPr>
-        <p:spPr>
-          <a:xfrm flipH="1">
-            <a:off x="2760184" y="1148862"/>
-            <a:ext cx="5880577" cy="3714"/>
-          </a:xfrm>
-          <a:prstGeom prst="line">
-            <a:avLst/>
-          </a:prstGeom>
-          <a:ln w="19050">
-            <a:solidFill>
-              <a:schemeClr val="tx1"/>
-            </a:solidFill>
-          </a:ln>
-        </p:spPr>
-        <p:style>
-          <a:lnRef idx="1">
-            <a:schemeClr val="accent1"/>
-          </a:lnRef>
-          <a:fillRef idx="0">
-            <a:schemeClr val="accent1"/>
-          </a:fillRef>
-          <a:effectRef idx="0">
-            <a:schemeClr val="accent1"/>
-          </a:effectRef>
-          <a:fontRef idx="minor">
-            <a:schemeClr val="tx1"/>
-          </a:fontRef>
-        </p:style>
-      </p:cxnSp>
-      <p:cxnSp>
-        <p:nvCxnSpPr>
-          <p:cNvPr id="20" name="Straight Connector 19"/>
-          <p:cNvCxnSpPr>
-            <a:cxnSpLocks/>
-          </p:cNvCxnSpPr>
-          <p:nvPr/>
-        </p:nvCxnSpPr>
-        <p:spPr>
-          <a:xfrm>
-            <a:off x="8933023" y="1444382"/>
-            <a:ext cx="0" cy="1482681"/>
-          </a:xfrm>
-          <a:prstGeom prst="line">
-            <a:avLst/>
-          </a:prstGeom>
-          <a:ln w="19050">
-            <a:solidFill>
-              <a:schemeClr val="tx1"/>
-            </a:solidFill>
-          </a:ln>
-        </p:spPr>
-        <p:style>
-          <a:lnRef idx="1">
-            <a:schemeClr val="accent1"/>
-          </a:lnRef>
-          <a:fillRef idx="0">
-            <a:schemeClr val="accent1"/>
-          </a:fillRef>
-          <a:effectRef idx="0">
-            <a:schemeClr val="accent1"/>
-          </a:effectRef>
-          <a:fontRef idx="minor">
-            <a:schemeClr val="tx1"/>
-          </a:fontRef>
-        </p:style>
-      </p:cxnSp>
-      <p:sp>
-        <p:nvSpPr>
-          <p:cNvPr id="23" name="Arc 22"/>
-          <p:cNvSpPr/>
-          <p:nvPr/>
-        </p:nvSpPr>
-        <p:spPr>
-          <a:xfrm rot="5400000">
-            <a:off x="8321880" y="2607437"/>
-            <a:ext cx="588397" cy="633889"/>
-          </a:xfrm>
-          <a:prstGeom prst="arc">
-            <a:avLst/>
-          </a:prstGeom>
-          <a:ln w="19050">
-            <a:solidFill>
-              <a:schemeClr val="tx1"/>
-            </a:solidFill>
-          </a:ln>
-        </p:spPr>
-        <p:style>
-          <a:lnRef idx="1">
-            <a:schemeClr val="accent1"/>
-          </a:lnRef>
-          <a:fillRef idx="0">
-            <a:schemeClr val="accent1"/>
-          </a:fillRef>
-          <a:effectRef idx="0">
-            <a:schemeClr val="accent1"/>
-          </a:effectRef>
-          <a:fontRef idx="minor">
-            <a:schemeClr val="tx1"/>
-          </a:fontRef>
-        </p:style>
-        <p:txBody>
-          <a:bodyPr rtlCol="0" anchor="ctr"/>
-          <a:lstStyle/>
-          <a:p>
-            <a:pPr algn="ctr"/>
-            <a:endParaRPr lang="en-US"/>
-          </a:p>
-        </p:txBody>
-      </p:sp>
-      <p:cxnSp>
-        <p:nvCxnSpPr>
-          <p:cNvPr id="24" name="Straight Connector 23"/>
-          <p:cNvCxnSpPr>
-            <a:cxnSpLocks/>
-            <a:stCxn id="23" idx="2"/>
-          </p:cNvCxnSpPr>
-          <p:nvPr/>
-        </p:nvCxnSpPr>
-        <p:spPr>
-          <a:xfrm flipH="1">
-            <a:off x="2767674" y="3218580"/>
-            <a:ext cx="5848404" cy="0"/>
-          </a:xfrm>
-          <a:prstGeom prst="line">
-            <a:avLst/>
-          </a:prstGeom>
-          <a:ln w="19050">
-            <a:solidFill>
-              <a:schemeClr val="tx1"/>
-            </a:solidFill>
-          </a:ln>
-        </p:spPr>
-        <p:style>
-          <a:lnRef idx="1">
-            <a:schemeClr val="accent1"/>
-          </a:lnRef>
-          <a:fillRef idx="0">
-            <a:schemeClr val="accent1"/>
-          </a:fillRef>
-          <a:effectRef idx="0">
-            <a:schemeClr val="accent1"/>
-          </a:effectRef>
-          <a:fontRef idx="minor">
-            <a:schemeClr val="tx1"/>
-          </a:fontRef>
-        </p:style>
-      </p:cxnSp>
-      <p:sp>
-        <p:nvSpPr>
-          <p:cNvPr id="29" name="Arc 28"/>
-          <p:cNvSpPr/>
-          <p:nvPr/>
-        </p:nvSpPr>
-        <p:spPr>
-          <a:xfrm rot="16452913">
-            <a:off x="2473475" y="3193454"/>
-            <a:ext cx="588397" cy="633889"/>
-          </a:xfrm>
-          <a:prstGeom prst="arc">
-            <a:avLst/>
-          </a:prstGeom>
-          <a:ln w="19050">
-            <a:solidFill>
-              <a:schemeClr val="tx1"/>
-            </a:solidFill>
-          </a:ln>
-        </p:spPr>
-        <p:style>
-          <a:lnRef idx="1">
-            <a:schemeClr val="accent1"/>
-          </a:lnRef>
-          <a:fillRef idx="0">
-            <a:schemeClr val="accent1"/>
-          </a:fillRef>
-          <a:effectRef idx="0">
-            <a:schemeClr val="accent1"/>
-          </a:effectRef>
-          <a:fontRef idx="minor">
-            <a:schemeClr val="tx1"/>
-          </a:fontRef>
-        </p:style>
-        <p:txBody>
-          <a:bodyPr rtlCol="0" anchor="ctr"/>
-          <a:lstStyle/>
-          <a:p>
-            <a:pPr algn="ctr"/>
-            <a:endParaRPr lang="en-US" dirty="0"/>
-          </a:p>
-        </p:txBody>
-      </p:sp>
-      <p:cxnSp>
-        <p:nvCxnSpPr>
-          <p:cNvPr id="16" name="Straight Connector 15"/>
-          <p:cNvCxnSpPr>
-            <a:cxnSpLocks/>
-          </p:cNvCxnSpPr>
-          <p:nvPr/>
-        </p:nvCxnSpPr>
-        <p:spPr>
-          <a:xfrm>
-            <a:off x="2463461" y="3487103"/>
-            <a:ext cx="0" cy="1720278"/>
-          </a:xfrm>
-          <a:prstGeom prst="line">
-            <a:avLst/>
-          </a:prstGeom>
-          <a:ln w="19050">
-            <a:solidFill>
-              <a:schemeClr val="tx1"/>
-            </a:solidFill>
-          </a:ln>
-        </p:spPr>
-        <p:style>
-          <a:lnRef idx="1">
-            <a:schemeClr val="accent1"/>
-          </a:lnRef>
-          <a:fillRef idx="0">
-            <a:schemeClr val="accent1"/>
-          </a:fillRef>
-          <a:effectRef idx="0">
-            <a:schemeClr val="accent1"/>
-          </a:effectRef>
-          <a:fontRef idx="minor">
-            <a:schemeClr val="tx1"/>
-          </a:fontRef>
-        </p:style>
-      </p:cxnSp>
-      <p:pic>
-        <p:nvPicPr>
-          <p:cNvPr id="8" name="Picture 7"/>
-          <p:cNvPicPr>
-            <a:picLocks noChangeAspect="1"/>
-          </p:cNvPicPr>
-          <p:nvPr/>
-        </p:nvPicPr>
-        <p:blipFill>
-          <a:blip r:embed="rId4" cstate="print">
-            <a:extLst>
-              <a:ext uri="{28A0092B-C50C-407E-A947-70E740481C1C}">
-                <a14:useLocalDpi xmlns:a14="http://schemas.microsoft.com/office/drawing/2010/main" val="0"/>
-              </a:ext>
-            </a:extLst>
-          </a:blip>
-          <a:stretch>
-            <a:fillRect/>
-          </a:stretch>
-        </p:blipFill>
-        <p:spPr>
-          <a:xfrm>
-            <a:off x="3647446" y="398024"/>
-            <a:ext cx="674022" cy="674022"/>
-          </a:xfrm>
-          <a:prstGeom prst="rect">
-            <a:avLst/>
-          </a:prstGeom>
-        </p:spPr>
-      </p:pic>
-      <p:sp>
-        <p:nvSpPr>
-          <p:cNvPr id="58" name="TextBox 57"/>
-          <p:cNvSpPr txBox="1"/>
-          <p:nvPr/>
-        </p:nvSpPr>
-        <p:spPr>
-          <a:xfrm>
-            <a:off x="5798401" y="1445670"/>
-            <a:ext cx="2873914" cy="938719"/>
-          </a:xfrm>
-          <a:prstGeom prst="rect">
-            <a:avLst/>
-          </a:prstGeom>
-          <a:noFill/>
-        </p:spPr>
-        <p:txBody>
-          <a:bodyPr wrap="square" rtlCol="0">
-            <a:spAutoFit/>
-          </a:bodyPr>
-          <a:lstStyle>
-            <a:defPPr>
-              <a:defRPr lang="sv-SE"/>
-            </a:defPPr>
-            <a:lvl1pPr>
-              <a:defRPr sz="1100">
-                <a:latin typeface="メイリオ" panose="020B0604030504040204" pitchFamily="50" charset="-128"/>
-                <a:ea typeface="メイリオ" panose="020B0604030504040204" pitchFamily="50" charset="-128"/>
-                <a:cs typeface="メイリオ" panose="020B0604030504040204" pitchFamily="50" charset="-128"/>
-              </a:defRPr>
-            </a:lvl1pPr>
-          </a:lstStyle>
-          <a:p>
-            <a:r>
-              <a:rPr lang="ja-JP" altLang="en-US" dirty="0" smtClean="0"/>
-              <a:t>クラウドサーバーへのアップロードもしくは、監査人を招き実地作業によりソースコードを監査人に渡します（実地の場合、スキャン実施にローカルサーバの準備が必要となります）。</a:t>
-            </a:r>
-            <a:endParaRPr lang="sv-SE" dirty="0"/>
-          </a:p>
-        </p:txBody>
-      </p:sp>
-      <p:sp>
-        <p:nvSpPr>
-          <p:cNvPr id="59" name="TextBox 58"/>
-          <p:cNvSpPr txBox="1"/>
-          <p:nvPr/>
-        </p:nvSpPr>
-        <p:spPr>
-          <a:xfrm>
-            <a:off x="5998816" y="1224552"/>
-            <a:ext cx="2617261" cy="276999"/>
-          </a:xfrm>
-          <a:prstGeom prst="rect">
-            <a:avLst/>
-          </a:prstGeom>
-          <a:noFill/>
-        </p:spPr>
-        <p:txBody>
-          <a:bodyPr wrap="square" rtlCol="0">
-            <a:spAutoFit/>
-          </a:bodyPr>
-          <a:lstStyle>
-            <a:defPPr>
-              <a:defRPr lang="sv-SE"/>
-            </a:defPPr>
-            <a:lvl1pPr algn="ctr">
-              <a:defRPr sz="1200" b="1">
-                <a:latin typeface="メイリオ" panose="020B0604030504040204" pitchFamily="50" charset="-128"/>
-                <a:ea typeface="メイリオ" panose="020B0604030504040204" pitchFamily="50" charset="-128"/>
-                <a:cs typeface="メイリオ" panose="020B0604030504040204" pitchFamily="50" charset="-128"/>
-              </a:defRPr>
-            </a:lvl1pPr>
-          </a:lstStyle>
-          <a:p>
-            <a:r>
-              <a:rPr lang="ja-JP" altLang="en-US" dirty="0" smtClean="0"/>
-              <a:t>監査人へのコードの送付</a:t>
-            </a:r>
-            <a:endParaRPr lang="sv-SE" dirty="0"/>
-          </a:p>
-        </p:txBody>
-      </p:sp>
-      <p:pic>
-        <p:nvPicPr>
-          <p:cNvPr id="65" name="Picture 64"/>
-          <p:cNvPicPr>
-            <a:picLocks noChangeAspect="1"/>
-          </p:cNvPicPr>
-          <p:nvPr/>
-        </p:nvPicPr>
-        <p:blipFill>
-          <a:blip r:embed="rId5" cstate="print">
-            <a:extLst>
-              <a:ext uri="{28A0092B-C50C-407E-A947-70E740481C1C}">
-                <a14:useLocalDpi xmlns:a14="http://schemas.microsoft.com/office/drawing/2010/main" val="0"/>
-              </a:ext>
-            </a:extLst>
-          </a:blip>
-          <a:stretch>
-            <a:fillRect/>
-          </a:stretch>
-        </p:blipFill>
-        <p:spPr>
-          <a:xfrm>
-            <a:off x="6601603" y="539323"/>
-            <a:ext cx="569047" cy="569047"/>
-          </a:xfrm>
-          <a:prstGeom prst="rect">
-            <a:avLst/>
-          </a:prstGeom>
-        </p:spPr>
-      </p:pic>
-      <p:pic>
-        <p:nvPicPr>
-          <p:cNvPr id="94" name="Picture 93"/>
-          <p:cNvPicPr>
-            <a:picLocks noChangeAspect="1"/>
-          </p:cNvPicPr>
-          <p:nvPr/>
-        </p:nvPicPr>
-        <p:blipFill>
-          <a:blip r:embed="rId6" cstate="print">
-            <a:extLst>
-              <a:ext uri="{28A0092B-C50C-407E-A947-70E740481C1C}">
-                <a14:useLocalDpi xmlns:a14="http://schemas.microsoft.com/office/drawing/2010/main" val="0"/>
-              </a:ext>
-            </a:extLst>
-          </a:blip>
-          <a:stretch>
-            <a:fillRect/>
-          </a:stretch>
-        </p:blipFill>
-        <p:spPr>
-          <a:xfrm>
-            <a:off x="7210738" y="465346"/>
-            <a:ext cx="325707" cy="325707"/>
-          </a:xfrm>
-          <a:prstGeom prst="rect">
-            <a:avLst/>
-          </a:prstGeom>
-        </p:spPr>
-      </p:pic>
-      <p:pic>
-        <p:nvPicPr>
-          <p:cNvPr id="88" name="Picture 87"/>
-          <p:cNvPicPr>
-            <a:picLocks noChangeAspect="1"/>
-          </p:cNvPicPr>
-          <p:nvPr/>
-        </p:nvPicPr>
-        <p:blipFill>
-          <a:blip r:embed="rId7"/>
-          <a:stretch>
-            <a:fillRect/>
-          </a:stretch>
-        </p:blipFill>
-        <p:spPr>
-          <a:xfrm rot="2749760">
-            <a:off x="6912477" y="596873"/>
-            <a:ext cx="377309" cy="342273"/>
-          </a:xfrm>
-          <a:prstGeom prst="rect">
-            <a:avLst/>
-          </a:prstGeom>
-        </p:spPr>
-      </p:pic>
-      <p:pic>
-        <p:nvPicPr>
-          <p:cNvPr id="48" name="Picture 47"/>
-          <p:cNvPicPr>
-            <a:picLocks noChangeAspect="1"/>
-          </p:cNvPicPr>
-          <p:nvPr/>
-        </p:nvPicPr>
-        <p:blipFill>
-          <a:blip r:embed="rId8" cstate="print">
-            <a:extLst>
-              <a:ext uri="{28A0092B-C50C-407E-A947-70E740481C1C}">
-                <a14:useLocalDpi xmlns:a14="http://schemas.microsoft.com/office/drawing/2010/main" val="0"/>
-              </a:ext>
-            </a:extLst>
-          </a:blip>
-          <a:stretch>
-            <a:fillRect/>
-          </a:stretch>
-        </p:blipFill>
-        <p:spPr>
-          <a:xfrm>
-            <a:off x="6816845" y="2456549"/>
-            <a:ext cx="761204" cy="761204"/>
-          </a:xfrm>
-          <a:prstGeom prst="rect">
-            <a:avLst/>
-          </a:prstGeom>
-        </p:spPr>
-      </p:pic>
-      <p:sp>
-        <p:nvSpPr>
-          <p:cNvPr id="53" name="TextBox 52"/>
-          <p:cNvSpPr txBox="1"/>
-          <p:nvPr/>
-        </p:nvSpPr>
-        <p:spPr>
-          <a:xfrm>
-            <a:off x="6336386" y="3241240"/>
-            <a:ext cx="1797945" cy="276999"/>
-          </a:xfrm>
-          <a:prstGeom prst="rect">
-            <a:avLst/>
-          </a:prstGeom>
-          <a:noFill/>
-        </p:spPr>
-        <p:txBody>
-          <a:bodyPr wrap="square" rtlCol="0">
-            <a:spAutoFit/>
-          </a:bodyPr>
-          <a:lstStyle>
-            <a:defPPr>
-              <a:defRPr lang="sv-SE"/>
-            </a:defPPr>
-            <a:lvl1pPr algn="ctr">
-              <a:defRPr sz="1200" b="1">
-                <a:latin typeface="メイリオ" panose="020B0604030504040204" pitchFamily="50" charset="-128"/>
-                <a:ea typeface="メイリオ" panose="020B0604030504040204" pitchFamily="50" charset="-128"/>
-                <a:cs typeface="メイリオ" panose="020B0604030504040204" pitchFamily="50" charset="-128"/>
-              </a:defRPr>
-            </a:lvl1pPr>
-          </a:lstStyle>
-          <a:p>
-            <a:r>
-              <a:rPr lang="ja-JP" altLang="en-US" dirty="0" smtClean="0"/>
-              <a:t>監査の実行</a:t>
-            </a:r>
-            <a:endParaRPr lang="sv-SE" dirty="0"/>
-          </a:p>
-        </p:txBody>
-      </p:sp>
-      <p:sp>
-        <p:nvSpPr>
-          <p:cNvPr id="64" name="TextBox 63"/>
-          <p:cNvSpPr txBox="1"/>
-          <p:nvPr/>
-        </p:nvSpPr>
-        <p:spPr>
-          <a:xfrm>
-            <a:off x="5759364" y="3467762"/>
-            <a:ext cx="3173660" cy="784830"/>
-          </a:xfrm>
-          <a:prstGeom prst="rect">
-            <a:avLst/>
-          </a:prstGeom>
-          <a:noFill/>
-        </p:spPr>
-        <p:txBody>
-          <a:bodyPr wrap="square" rtlCol="0">
-            <a:spAutoFit/>
-          </a:bodyPr>
-          <a:lstStyle>
-            <a:defPPr>
-              <a:defRPr lang="sv-SE"/>
-            </a:defPPr>
-            <a:lvl1pPr>
-              <a:defRPr sz="1100">
-                <a:latin typeface="メイリオ" panose="020B0604030504040204" pitchFamily="50" charset="-128"/>
-                <a:ea typeface="メイリオ" panose="020B0604030504040204" pitchFamily="50" charset="-128"/>
-                <a:cs typeface="メイリオ" panose="020B0604030504040204" pitchFamily="50" charset="-128"/>
-              </a:defRPr>
-            </a:lvl1pPr>
-          </a:lstStyle>
-          <a:p>
-            <a:r>
-              <a:rPr lang="ja-JP" altLang="en-US" dirty="0"/>
-              <a:t>監査人はコードベースに対し監査を実施します。彼らは、オープンソースでない、コンポーネントから、オープンソースのコンポーネント、スニペットの起源やライセンスを特定します</a:t>
-            </a:r>
-            <a:r>
-              <a:rPr lang="en-US" altLang="ja-JP" dirty="0">
-                <a:solidFill>
-                  <a:srgbClr val="FF0000"/>
-                </a:solidFill>
-              </a:rPr>
-              <a:t>* </a:t>
-            </a:r>
-            <a:r>
-              <a:rPr lang="ja-JP" altLang="en-US" dirty="0" err="1"/>
-              <a:t>。</a:t>
-            </a:r>
-            <a:endParaRPr lang="sv-SE" dirty="0"/>
-          </a:p>
-        </p:txBody>
-      </p:sp>
-      <p:grpSp>
-        <p:nvGrpSpPr>
-          <p:cNvPr id="4" name="Group 3"/>
-          <p:cNvGrpSpPr/>
-          <p:nvPr/>
-        </p:nvGrpSpPr>
-        <p:grpSpPr>
-          <a:xfrm>
-            <a:off x="3573261" y="2455321"/>
-            <a:ext cx="711813" cy="657309"/>
-            <a:chOff x="4552630" y="2268979"/>
-            <a:chExt cx="788638" cy="798292"/>
-          </a:xfrm>
-        </p:grpSpPr>
-        <p:pic>
-          <p:nvPicPr>
-            <p:cNvPr id="67" name="Picture 66"/>
-            <p:cNvPicPr>
-              <a:picLocks noChangeAspect="1"/>
-            </p:cNvPicPr>
-            <p:nvPr/>
-          </p:nvPicPr>
-          <p:blipFill>
-            <a:blip r:embed="rId9" cstate="print">
-              <a:extLst>
-                <a:ext uri="{28A0092B-C50C-407E-A947-70E740481C1C}">
-                  <a14:useLocalDpi xmlns:a14="http://schemas.microsoft.com/office/drawing/2010/main" val="0"/>
-                </a:ext>
-              </a:extLst>
-            </a:blip>
-            <a:stretch>
-              <a:fillRect/>
-            </a:stretch>
-          </p:blipFill>
-          <p:spPr>
-            <a:xfrm>
-              <a:off x="4552630" y="2345745"/>
-              <a:ext cx="721526" cy="721526"/>
-            </a:xfrm>
-            <a:prstGeom prst="rect">
-              <a:avLst/>
-            </a:prstGeom>
-          </p:spPr>
-        </p:pic>
-        <p:pic>
-          <p:nvPicPr>
-            <p:cNvPr id="68" name="Picture 67"/>
-            <p:cNvPicPr>
-              <a:picLocks noChangeAspect="1"/>
-            </p:cNvPicPr>
-            <p:nvPr/>
-          </p:nvPicPr>
-          <p:blipFill>
-            <a:blip r:embed="rId10" cstate="print">
-              <a:extLst>
-                <a:ext uri="{28A0092B-C50C-407E-A947-70E740481C1C}">
-                  <a14:useLocalDpi xmlns:a14="http://schemas.microsoft.com/office/drawing/2010/main" val="0"/>
-                </a:ext>
-              </a:extLst>
-            </a:blip>
-            <a:stretch>
-              <a:fillRect/>
-            </a:stretch>
-          </p:blipFill>
-          <p:spPr>
-            <a:xfrm>
-              <a:off x="4938559" y="2268979"/>
-              <a:ext cx="402709" cy="402709"/>
-            </a:xfrm>
-            <a:prstGeom prst="rect">
-              <a:avLst/>
-            </a:prstGeom>
-          </p:spPr>
-        </p:pic>
-      </p:grpSp>
-      <p:pic>
-        <p:nvPicPr>
-          <p:cNvPr id="74" name="Picture 73"/>
-          <p:cNvPicPr>
-            <a:picLocks noChangeAspect="1"/>
-          </p:cNvPicPr>
-          <p:nvPr/>
-        </p:nvPicPr>
-        <p:blipFill>
-          <a:blip r:embed="rId11" cstate="print">
-            <a:extLst>
-              <a:ext uri="{28A0092B-C50C-407E-A947-70E740481C1C}">
-                <a14:useLocalDpi xmlns:a14="http://schemas.microsoft.com/office/drawing/2010/main" val="0"/>
-              </a:ext>
-            </a:extLst>
-          </a:blip>
-          <a:stretch>
-            <a:fillRect/>
-          </a:stretch>
-        </p:blipFill>
-        <p:spPr>
-          <a:xfrm>
-            <a:off x="3680976" y="4821479"/>
-            <a:ext cx="570655" cy="570655"/>
-          </a:xfrm>
-          <a:prstGeom prst="rect">
-            <a:avLst/>
-          </a:prstGeom>
-        </p:spPr>
-      </p:pic>
-      <p:sp>
-        <p:nvSpPr>
-          <p:cNvPr id="21" name="Rounded Rectangle 20"/>
-          <p:cNvSpPr/>
-          <p:nvPr/>
-        </p:nvSpPr>
-        <p:spPr>
-          <a:xfrm>
-            <a:off x="2021718" y="869547"/>
-            <a:ext cx="738466" cy="566057"/>
-          </a:xfrm>
-          <a:prstGeom prst="roundRect">
-            <a:avLst/>
-          </a:prstGeom>
-          <a:ln w="28575">
-            <a:solidFill>
-              <a:srgbClr val="2CA4F2"/>
-            </a:solidFill>
-          </a:ln>
-        </p:spPr>
-        <p:style>
-          <a:lnRef idx="2">
-            <a:schemeClr val="accent1"/>
-          </a:lnRef>
-          <a:fillRef idx="1">
-            <a:schemeClr val="lt1"/>
-          </a:fillRef>
-          <a:effectRef idx="0">
-            <a:schemeClr val="accent1"/>
-          </a:effectRef>
-          <a:fontRef idx="minor">
-            <a:schemeClr val="dk1"/>
-          </a:fontRef>
-        </p:style>
-        <p:txBody>
-          <a:bodyPr rtlCol="0" anchor="ctr"/>
-          <a:lstStyle/>
-          <a:p>
-            <a:pPr algn="ctr"/>
-            <a:r>
-              <a:rPr lang="ja-JP" altLang="en-US" sz="1400" b="1" dirty="0">
-                <a:solidFill>
-                  <a:schemeClr val="dk1"/>
-                </a:solidFill>
-                <a:latin typeface="メイリオ" panose="020B0604030504040204" pitchFamily="50" charset="-128"/>
-                <a:ea typeface="メイリオ" panose="020B0604030504040204" pitchFamily="50" charset="-128"/>
-                <a:cs typeface="メイリオ" panose="020B0604030504040204" pitchFamily="50" charset="-128"/>
-              </a:rPr>
-              <a:t>開始</a:t>
-            </a:r>
-            <a:endParaRPr lang="en-US" sz="1400" b="1" dirty="0">
-              <a:solidFill>
-                <a:schemeClr val="dk1"/>
-              </a:solidFill>
-              <a:latin typeface="メイリオ" panose="020B0604030504040204" pitchFamily="50" charset="-128"/>
-              <a:ea typeface="メイリオ" panose="020B0604030504040204" pitchFamily="50" charset="-128"/>
-              <a:cs typeface="メイリオ" panose="020B0604030504040204" pitchFamily="50" charset="-128"/>
-            </a:endParaRPr>
-          </a:p>
-        </p:txBody>
-      </p:sp>
-      <p:pic>
-        <p:nvPicPr>
-          <p:cNvPr id="32" name="Picture 2" descr="http://carrot-top.com/media/catalog/product/cache/1/image/9df78eab33525d08d6e5fb8d27136e95/a/s/as150_checkered.jpg"/>
-          <p:cNvPicPr>
-            <a:picLocks noChangeAspect="1" noChangeArrowheads="1"/>
-          </p:cNvPicPr>
-          <p:nvPr/>
-        </p:nvPicPr>
-        <p:blipFill>
-          <a:blip r:embed="rId12" cstate="print">
-            <a:extLst>
-              <a:ext uri="{28A0092B-C50C-407E-A947-70E740481C1C}">
-                <a14:useLocalDpi xmlns:a14="http://schemas.microsoft.com/office/drawing/2010/main" val="0"/>
-              </a:ext>
-            </a:extLst>
-          </a:blip>
-          <a:srcRect/>
-          <a:stretch>
-            <a:fillRect/>
-          </a:stretch>
-        </p:blipFill>
-        <p:spPr bwMode="auto">
-          <a:xfrm>
-            <a:off x="5523415" y="4535578"/>
-            <a:ext cx="740229" cy="740229"/>
-          </a:xfrm>
-          <a:prstGeom prst="rect">
-            <a:avLst/>
-          </a:prstGeom>
-          <a:noFill/>
-          <a:extLst>
-            <a:ext uri="{909E8E84-426E-40DD-AFC4-6F175D3DCCD1}">
-              <a14:hiddenFill xmlns:a14="http://schemas.microsoft.com/office/drawing/2010/main">
-                <a:solidFill>
-                  <a:srgbClr val="FFFFFF"/>
-                </a:solidFill>
-              </a14:hiddenFill>
-            </a:ext>
-          </a:extLst>
-        </p:spPr>
-      </p:pic>
-      <p:sp>
-        <p:nvSpPr>
-          <p:cNvPr id="33" name="Isosceles Triangle 32"/>
-          <p:cNvSpPr/>
-          <p:nvPr/>
-        </p:nvSpPr>
-        <p:spPr>
-          <a:xfrm rot="10800000">
-            <a:off x="8737080" y="2018970"/>
-            <a:ext cx="391886" cy="393374"/>
-          </a:xfrm>
-          <a:prstGeom prst="triangle">
-            <a:avLst/>
-          </a:prstGeom>
-          <a:solidFill>
-            <a:srgbClr val="2CA4F2"/>
-          </a:solidFill>
-          <a:ln w="28575">
-            <a:solidFill>
-              <a:schemeClr val="tx1"/>
-            </a:solidFill>
-          </a:ln>
-        </p:spPr>
-        <p:style>
-          <a:lnRef idx="2">
-            <a:schemeClr val="accent1">
-              <a:shade val="50000"/>
-            </a:schemeClr>
-          </a:lnRef>
-          <a:fillRef idx="1">
-            <a:schemeClr val="accent1"/>
-          </a:fillRef>
-          <a:effectRef idx="0">
-            <a:schemeClr val="accent1"/>
-          </a:effectRef>
-          <a:fontRef idx="minor">
-            <a:schemeClr val="lt1"/>
-          </a:fontRef>
-        </p:style>
-        <p:txBody>
-          <a:bodyPr rtlCol="0" anchor="ctr"/>
-          <a:lstStyle/>
-          <a:p>
-            <a:pPr algn="ctr"/>
-            <a:endParaRPr lang="en-US"/>
-          </a:p>
-        </p:txBody>
-      </p:sp>
-      <p:sp>
-        <p:nvSpPr>
-          <p:cNvPr id="35" name="Isosceles Triangle 34"/>
-          <p:cNvSpPr/>
-          <p:nvPr/>
-        </p:nvSpPr>
-        <p:spPr>
-          <a:xfrm rot="10800000">
-            <a:off x="2264017" y="4332186"/>
-            <a:ext cx="391886" cy="393374"/>
-          </a:xfrm>
-          <a:prstGeom prst="triangle">
-            <a:avLst/>
-          </a:prstGeom>
-          <a:solidFill>
-            <a:srgbClr val="2CA4F2"/>
-          </a:solidFill>
-          <a:ln w="28575">
-            <a:solidFill>
-              <a:schemeClr val="tx1"/>
-            </a:solidFill>
-          </a:ln>
-        </p:spPr>
-        <p:style>
-          <a:lnRef idx="2">
-            <a:schemeClr val="accent1">
-              <a:shade val="50000"/>
-            </a:schemeClr>
-          </a:lnRef>
-          <a:fillRef idx="1">
-            <a:schemeClr val="accent1"/>
-          </a:fillRef>
-          <a:effectRef idx="0">
-            <a:schemeClr val="accent1"/>
-          </a:effectRef>
-          <a:fontRef idx="minor">
-            <a:schemeClr val="lt1"/>
-          </a:fontRef>
-        </p:style>
-        <p:txBody>
-          <a:bodyPr rtlCol="0" anchor="ctr"/>
-          <a:lstStyle/>
-          <a:p>
-            <a:pPr algn="ctr"/>
-            <a:endParaRPr lang="en-US"/>
-          </a:p>
-        </p:txBody>
-      </p:sp>
-      <p:pic>
-        <p:nvPicPr>
-          <p:cNvPr id="36" name="Graphic 46"/>
-          <p:cNvPicPr>
-            <a:picLocks noChangeAspect="1"/>
-          </p:cNvPicPr>
-          <p:nvPr/>
-        </p:nvPicPr>
-        <p:blipFill>
-          <a:blip r:embed="rId13" cstate="print">
-            <a:extLst>
-              <a:ext uri="{28A0092B-C50C-407E-A947-70E740481C1C}">
-                <a14:useLocalDpi xmlns:a14="http://schemas.microsoft.com/office/drawing/2010/main" val="0"/>
-              </a:ext>
-              <a:ext uri="{96DAC541-7B7A-43D3-8B79-37D633B846F1}">
-                <asvg:svgBlip xmlns="" xmlns:asvg="http://schemas.microsoft.com/office/drawing/2016/SVG/main" r:embed="rId25"/>
-              </a:ext>
-            </a:extLst>
-          </a:blip>
-          <a:stretch>
-            <a:fillRect/>
-          </a:stretch>
-        </p:blipFill>
-        <p:spPr>
-          <a:xfrm>
-            <a:off x="7061566" y="2890048"/>
-            <a:ext cx="271762" cy="271762"/>
-          </a:xfrm>
-          <a:prstGeom prst="rect">
-            <a:avLst/>
-          </a:prstGeom>
-        </p:spPr>
-      </p:pic>
-      <p:cxnSp>
-        <p:nvCxnSpPr>
-          <p:cNvPr id="39" name="Straight Connector 38"/>
-          <p:cNvCxnSpPr>
-            <a:cxnSpLocks/>
-          </p:cNvCxnSpPr>
-          <p:nvPr/>
-        </p:nvCxnSpPr>
-        <p:spPr>
-          <a:xfrm flipH="1">
-            <a:off x="2725707" y="5502285"/>
-            <a:ext cx="2797708" cy="0"/>
-          </a:xfrm>
-          <a:prstGeom prst="line">
-            <a:avLst/>
-          </a:prstGeom>
-          <a:ln w="19050">
-            <a:solidFill>
-              <a:schemeClr val="tx1"/>
-            </a:solidFill>
-          </a:ln>
-        </p:spPr>
-        <p:style>
-          <a:lnRef idx="1">
-            <a:schemeClr val="accent1"/>
-          </a:lnRef>
-          <a:fillRef idx="0">
-            <a:schemeClr val="accent1"/>
-          </a:fillRef>
-          <a:effectRef idx="0">
-            <a:schemeClr val="accent1"/>
-          </a:effectRef>
-          <a:fontRef idx="minor">
-            <a:schemeClr val="tx1"/>
-          </a:fontRef>
-        </p:style>
-      </p:cxnSp>
-      <p:sp>
-        <p:nvSpPr>
-          <p:cNvPr id="42" name="TextBox 41"/>
-          <p:cNvSpPr txBox="1"/>
-          <p:nvPr/>
-        </p:nvSpPr>
-        <p:spPr>
-          <a:xfrm>
-            <a:off x="6816845" y="5833683"/>
-            <a:ext cx="2116178" cy="530915"/>
-          </a:xfrm>
-          <a:prstGeom prst="rect">
-            <a:avLst/>
-          </a:prstGeom>
-          <a:noFill/>
-          <a:ln w="12700">
-            <a:solidFill>
-              <a:schemeClr val="tx1">
-                <a:lumMod val="50000"/>
-                <a:lumOff val="50000"/>
-              </a:schemeClr>
-            </a:solidFill>
-            <a:prstDash val="sysDash"/>
-          </a:ln>
-        </p:spPr>
-        <p:txBody>
-          <a:bodyPr wrap="square" rtlCol="0">
-            <a:spAutoFit/>
-          </a:bodyPr>
-          <a:lstStyle/>
-          <a:p>
-            <a:r>
-              <a:rPr lang="en-US" sz="1050" i="1" dirty="0" smtClean="0">
-                <a:solidFill>
-                  <a:srgbClr val="FF0000"/>
-                </a:solidFill>
-                <a:latin typeface="メイリオ" panose="020B0604030504040204" pitchFamily="50" charset="-128"/>
-                <a:ea typeface="メイリオ" panose="020B0604030504040204" pitchFamily="50" charset="-128"/>
-                <a:cs typeface="メイリオ" panose="020B0604030504040204" pitchFamily="50" charset="-128"/>
-              </a:rPr>
-              <a:t>*</a:t>
-            </a:r>
-            <a:r>
-              <a:rPr lang="en-US" sz="900" i="1" dirty="0" smtClean="0">
-                <a:solidFill>
-                  <a:srgbClr val="FF0000"/>
-                </a:solidFill>
-                <a:latin typeface="メイリオ" panose="020B0604030504040204" pitchFamily="50" charset="-128"/>
-                <a:ea typeface="メイリオ" panose="020B0604030504040204" pitchFamily="50" charset="-128"/>
-                <a:cs typeface="メイリオ" panose="020B0604030504040204" pitchFamily="50" charset="-128"/>
-              </a:rPr>
-              <a:t> </a:t>
-            </a:r>
-            <a:r>
-              <a:rPr lang="ja-JP" altLang="en-US" sz="900" i="1" dirty="0" smtClean="0">
-                <a:latin typeface="メイリオ" panose="020B0604030504040204" pitchFamily="50" charset="-128"/>
-                <a:ea typeface="メイリオ" panose="020B0604030504040204" pitchFamily="50" charset="-128"/>
-                <a:cs typeface="メイリオ" panose="020B0604030504040204" pitchFamily="50" charset="-128"/>
-              </a:rPr>
-              <a:t>監査人によって対応できないものがあります。監査サービスプロバイダに確認ください。</a:t>
-            </a:r>
-            <a:endParaRPr lang="en-US" sz="900" i="1" dirty="0" smtClean="0">
-              <a:latin typeface="メイリオ" panose="020B0604030504040204" pitchFamily="50" charset="-128"/>
-              <a:ea typeface="メイリオ" panose="020B0604030504040204" pitchFamily="50" charset="-128"/>
-              <a:cs typeface="メイリオ" panose="020B0604030504040204" pitchFamily="50" charset="-128"/>
-            </a:endParaRPr>
-          </a:p>
-        </p:txBody>
-      </p:sp>
-      <p:sp>
-        <p:nvSpPr>
-          <p:cNvPr id="49" name="Rounded Rectangle 48"/>
-          <p:cNvSpPr/>
-          <p:nvPr/>
-        </p:nvSpPr>
-        <p:spPr>
-          <a:xfrm>
-            <a:off x="5523415" y="5207381"/>
-            <a:ext cx="602067" cy="566057"/>
-          </a:xfrm>
-          <a:prstGeom prst="roundRect">
-            <a:avLst/>
-          </a:prstGeom>
-          <a:ln w="28575">
-            <a:solidFill>
-              <a:srgbClr val="2CA4F2"/>
-            </a:solidFill>
-          </a:ln>
-        </p:spPr>
-        <p:style>
-          <a:lnRef idx="2">
-            <a:schemeClr val="accent1"/>
-          </a:lnRef>
-          <a:fillRef idx="1">
-            <a:schemeClr val="lt1"/>
-          </a:fillRef>
-          <a:effectRef idx="0">
-            <a:schemeClr val="accent1"/>
-          </a:effectRef>
-          <a:fontRef idx="minor">
-            <a:schemeClr val="dk1"/>
-          </a:fontRef>
-        </p:style>
-        <p:txBody>
-          <a:bodyPr rtlCol="0" anchor="ctr"/>
-          <a:lstStyle/>
-          <a:p>
-            <a:pPr algn="ctr"/>
-            <a:r>
-              <a:rPr lang="ja-JP" altLang="en-US" sz="1400" b="1" dirty="0">
-                <a:latin typeface="メイリオ" panose="020B0604030504040204" pitchFamily="50" charset="-128"/>
-                <a:ea typeface="メイリオ" panose="020B0604030504040204" pitchFamily="50" charset="-128"/>
-                <a:cs typeface="メイリオ" panose="020B0604030504040204" pitchFamily="50" charset="-128"/>
-              </a:rPr>
-              <a:t>終了</a:t>
-            </a:r>
-            <a:endParaRPr lang="en-US" sz="1400" b="1" dirty="0">
-              <a:solidFill>
-                <a:schemeClr val="dk1"/>
-              </a:solidFill>
-              <a:latin typeface="メイリオ" panose="020B0604030504040204" pitchFamily="50" charset="-128"/>
-              <a:ea typeface="メイリオ" panose="020B0604030504040204" pitchFamily="50" charset="-128"/>
-              <a:cs typeface="メイリオ" panose="020B0604030504040204" pitchFamily="50" charset="-128"/>
-            </a:endParaRPr>
-          </a:p>
-        </p:txBody>
-      </p:sp>
-      <p:sp>
-        <p:nvSpPr>
-          <p:cNvPr id="43" name="TextBox 39"/>
-          <p:cNvSpPr txBox="1"/>
-          <p:nvPr/>
-        </p:nvSpPr>
-        <p:spPr>
-          <a:xfrm>
-            <a:off x="2896935" y="1445670"/>
-            <a:ext cx="2485216" cy="600164"/>
-          </a:xfrm>
-          <a:prstGeom prst="rect">
-            <a:avLst/>
-          </a:prstGeom>
-          <a:noFill/>
-        </p:spPr>
-        <p:txBody>
-          <a:bodyPr wrap="square" rtlCol="0">
-            <a:spAutoFit/>
-          </a:bodyPr>
-          <a:lstStyle/>
-          <a:p>
-            <a:r>
-              <a:rPr lang="ja-JP" altLang="en-US" sz="1100" dirty="0" smtClean="0">
-                <a:latin typeface="メイリオ" panose="020B0604030504040204" pitchFamily="50" charset="-128"/>
-                <a:ea typeface="メイリオ" panose="020B0604030504040204" pitchFamily="50" charset="-128"/>
-                <a:cs typeface="メイリオ" panose="020B0604030504040204" pitchFamily="50" charset="-128"/>
-              </a:rPr>
-              <a:t>プロジェクトをキックオフし、すべての関係組織の窓口担当を紹介し換算に関する詳細情報を伝えます。</a:t>
-            </a:r>
-            <a:endParaRPr lang="sv-SE" sz="1100" dirty="0">
-              <a:latin typeface="メイリオ" panose="020B0604030504040204" pitchFamily="50" charset="-128"/>
-              <a:ea typeface="メイリオ" panose="020B0604030504040204" pitchFamily="50" charset="-128"/>
-              <a:cs typeface="メイリオ" panose="020B0604030504040204" pitchFamily="50" charset="-128"/>
-            </a:endParaRPr>
-          </a:p>
-        </p:txBody>
-      </p:sp>
-      <p:sp>
-        <p:nvSpPr>
-          <p:cNvPr id="44" name="TextBox 40"/>
-          <p:cNvSpPr txBox="1"/>
-          <p:nvPr/>
-        </p:nvSpPr>
-        <p:spPr>
-          <a:xfrm>
-            <a:off x="2906483" y="1224552"/>
-            <a:ext cx="2397260" cy="276999"/>
-          </a:xfrm>
-          <a:prstGeom prst="rect">
-            <a:avLst/>
-          </a:prstGeom>
-          <a:noFill/>
-        </p:spPr>
-        <p:txBody>
-          <a:bodyPr wrap="square" rtlCol="0">
-            <a:spAutoFit/>
-          </a:bodyPr>
-          <a:lstStyle/>
-          <a:p>
-            <a:pPr algn="ctr"/>
-            <a:r>
-              <a:rPr lang="ja-JP" altLang="en-US" sz="1200" b="1" dirty="0" smtClean="0">
-                <a:latin typeface="メイリオ" panose="020B0604030504040204" pitchFamily="50" charset="-128"/>
-                <a:ea typeface="メイリオ" panose="020B0604030504040204" pitchFamily="50" charset="-128"/>
-                <a:cs typeface="メイリオ" panose="020B0604030504040204" pitchFamily="50" charset="-128"/>
-              </a:rPr>
-              <a:t>立ち上げ時招集、ミーティング</a:t>
-            </a:r>
-            <a:endParaRPr lang="sv-SE" sz="1200" b="1" dirty="0">
-              <a:latin typeface="メイリオ" panose="020B0604030504040204" pitchFamily="50" charset="-128"/>
-              <a:ea typeface="メイリオ" panose="020B0604030504040204" pitchFamily="50" charset="-128"/>
-              <a:cs typeface="メイリオ" panose="020B0604030504040204" pitchFamily="50" charset="-128"/>
-            </a:endParaRPr>
-          </a:p>
-        </p:txBody>
-      </p:sp>
-      <p:sp>
-        <p:nvSpPr>
-          <p:cNvPr id="45" name="テキスト ボックス 44"/>
-          <p:cNvSpPr txBox="1"/>
-          <p:nvPr/>
-        </p:nvSpPr>
-        <p:spPr>
-          <a:xfrm>
-            <a:off x="152400" y="499987"/>
-            <a:ext cx="569387" cy="369332"/>
-          </a:xfrm>
-          <a:prstGeom prst="rect">
-            <a:avLst/>
-          </a:prstGeom>
-          <a:noFill/>
-        </p:spPr>
-        <p:txBody>
-          <a:bodyPr wrap="none" rtlCol="0">
-            <a:spAutoFit/>
-          </a:bodyPr>
-          <a:lstStyle/>
-          <a:p>
-            <a:r>
-              <a:rPr kumimoji="1" lang="en-US" altLang="ja-JP" dirty="0" smtClean="0"/>
-              <a:t>Fig6</a:t>
-            </a:r>
-            <a:endParaRPr kumimoji="1" lang="ja-JP" altLang="en-US" dirty="0"/>
-          </a:p>
-        </p:txBody>
-      </p:sp>
-      <p:sp>
-        <p:nvSpPr>
-          <p:cNvPr id="46" name="TextBox 72"/>
-          <p:cNvSpPr txBox="1"/>
-          <p:nvPr/>
-        </p:nvSpPr>
-        <p:spPr>
-          <a:xfrm>
-            <a:off x="2859457" y="5698487"/>
-            <a:ext cx="2277107" cy="769441"/>
-          </a:xfrm>
-          <a:prstGeom prst="rect">
-            <a:avLst/>
-          </a:prstGeom>
-          <a:noFill/>
-        </p:spPr>
-        <p:txBody>
-          <a:bodyPr wrap="square" rtlCol="0">
-            <a:spAutoFit/>
-          </a:bodyPr>
-          <a:lstStyle>
-            <a:defPPr>
-              <a:defRPr lang="sv-SE"/>
-            </a:defPPr>
-            <a:lvl1pPr>
-              <a:defRPr sz="1100">
-                <a:latin typeface="メイリオ" panose="020B0604030504040204" pitchFamily="50" charset="-128"/>
-                <a:ea typeface="メイリオ" panose="020B0604030504040204" pitchFamily="50" charset="-128"/>
-                <a:cs typeface="メイリオ" panose="020B0604030504040204" pitchFamily="50" charset="-128"/>
-              </a:defRPr>
-            </a:lvl1pPr>
-          </a:lstStyle>
-          <a:p>
-            <a:r>
-              <a:rPr lang="ja-JP" altLang="en-US" dirty="0"/>
-              <a:t>正式に監査結果が将来の買収先へと提示するための最終的な場を開催し、質疑やりとりを</a:t>
-            </a:r>
-            <a:r>
-              <a:rPr lang="ja-JP" altLang="en-US" dirty="0" smtClean="0"/>
-              <a:t>実施</a:t>
-            </a:r>
-            <a:r>
-              <a:rPr lang="ja-JP" altLang="en-US" dirty="0"/>
-              <a:t>します</a:t>
-            </a:r>
-            <a:r>
-              <a:rPr lang="ja-JP" altLang="en-US" dirty="0" smtClean="0"/>
-              <a:t>。</a:t>
-            </a:r>
-            <a:endParaRPr lang="sv-SE" dirty="0"/>
-          </a:p>
-        </p:txBody>
-      </p:sp>
-      <p:sp>
-        <p:nvSpPr>
-          <p:cNvPr id="50" name="TextBox 73"/>
-          <p:cNvSpPr txBox="1"/>
-          <p:nvPr/>
-        </p:nvSpPr>
-        <p:spPr>
-          <a:xfrm>
-            <a:off x="3130946" y="5525162"/>
-            <a:ext cx="1707022" cy="276999"/>
-          </a:xfrm>
-          <a:prstGeom prst="rect">
-            <a:avLst/>
-          </a:prstGeom>
-          <a:noFill/>
-        </p:spPr>
-        <p:txBody>
-          <a:bodyPr wrap="square" rtlCol="0">
-            <a:spAutoFit/>
-          </a:bodyPr>
-          <a:lstStyle>
-            <a:defPPr>
-              <a:defRPr lang="sv-SE"/>
-            </a:defPPr>
-            <a:lvl1pPr algn="ctr">
-              <a:defRPr sz="1200" b="1">
-                <a:latin typeface="メイリオ" panose="020B0604030504040204" pitchFamily="50" charset="-128"/>
-                <a:ea typeface="メイリオ" panose="020B0604030504040204" pitchFamily="50" charset="-128"/>
-                <a:cs typeface="メイリオ" panose="020B0604030504040204" pitchFamily="50" charset="-128"/>
-              </a:defRPr>
-            </a:lvl1pPr>
-          </a:lstStyle>
-          <a:p>
-            <a:r>
-              <a:rPr lang="ja-JP" altLang="en-US" dirty="0"/>
-              <a:t>最終的</a:t>
-            </a:r>
-            <a:r>
-              <a:rPr lang="ja-JP" altLang="en-US" dirty="0" smtClean="0"/>
-              <a:t>な招集</a:t>
-            </a:r>
-            <a:endParaRPr lang="sv-SE" dirty="0"/>
-          </a:p>
-        </p:txBody>
-      </p:sp>
-      <p:sp>
-        <p:nvSpPr>
-          <p:cNvPr id="55" name="TextBox 78"/>
-          <p:cNvSpPr txBox="1"/>
-          <p:nvPr/>
-        </p:nvSpPr>
-        <p:spPr>
-          <a:xfrm>
-            <a:off x="2866861" y="3467762"/>
-            <a:ext cx="2527676" cy="969496"/>
-          </a:xfrm>
-          <a:prstGeom prst="rect">
-            <a:avLst/>
-          </a:prstGeom>
-          <a:noFill/>
-        </p:spPr>
-        <p:txBody>
-          <a:bodyPr wrap="square" rtlCol="0">
-            <a:spAutoFit/>
-          </a:bodyPr>
-          <a:lstStyle>
-            <a:defPPr>
-              <a:defRPr lang="sv-SE"/>
-            </a:defPPr>
-            <a:lvl1pPr>
-              <a:defRPr sz="1100">
-                <a:latin typeface="メイリオ" panose="020B0604030504040204" pitchFamily="50" charset="-128"/>
-                <a:ea typeface="メイリオ" panose="020B0604030504040204" pitchFamily="50" charset="-128"/>
-                <a:cs typeface="メイリオ" panose="020B0604030504040204" pitchFamily="50" charset="-128"/>
-              </a:defRPr>
-            </a:lvl1pPr>
-          </a:lstStyle>
-          <a:p>
-            <a:r>
-              <a:rPr lang="ja-JP" altLang="en-US" dirty="0"/>
-              <a:t>対象企業とのレビュー後、最終的なレポートが将来の買収企業へレポートが、部品表（</a:t>
-            </a:r>
-            <a:r>
-              <a:rPr lang="en-US" altLang="ja-JP" dirty="0"/>
-              <a:t>Bill of Materials</a:t>
-            </a:r>
-            <a:r>
-              <a:rPr lang="ja-JP" altLang="en-US" dirty="0"/>
-              <a:t>）、</a:t>
-            </a:r>
-            <a:r>
-              <a:rPr lang="en-US" altLang="ja-JP" dirty="0"/>
-              <a:t>SPDX</a:t>
-            </a:r>
-            <a:r>
-              <a:rPr lang="ja-JP" altLang="en-US" dirty="0" err="1"/>
-              <a:t>、</a:t>
-            </a:r>
-            <a:r>
-              <a:rPr lang="ja-JP" altLang="en-US" dirty="0"/>
-              <a:t>エグゼクティブサマリと併せ送付</a:t>
-            </a:r>
-            <a:r>
-              <a:rPr lang="ja-JP" altLang="en-US" dirty="0" smtClean="0"/>
-              <a:t>されます。</a:t>
-            </a:r>
-            <a:endParaRPr lang="sv-SE" dirty="0"/>
-          </a:p>
-        </p:txBody>
-      </p:sp>
-      <p:sp>
-        <p:nvSpPr>
-          <p:cNvPr id="56" name="TextBox 79"/>
-          <p:cNvSpPr txBox="1"/>
-          <p:nvPr/>
-        </p:nvSpPr>
-        <p:spPr>
-          <a:xfrm>
-            <a:off x="2800335" y="3241240"/>
-            <a:ext cx="2397260" cy="276999"/>
-          </a:xfrm>
-          <a:prstGeom prst="rect">
-            <a:avLst/>
-          </a:prstGeom>
-          <a:noFill/>
-        </p:spPr>
-        <p:txBody>
-          <a:bodyPr wrap="square" rtlCol="0">
-            <a:spAutoFit/>
-          </a:bodyPr>
-          <a:lstStyle>
-            <a:defPPr>
-              <a:defRPr lang="sv-SE"/>
-            </a:defPPr>
-            <a:lvl1pPr algn="ctr">
-              <a:defRPr sz="1200" b="1">
-                <a:latin typeface="メイリオ" panose="020B0604030504040204" pitchFamily="50" charset="-128"/>
-                <a:ea typeface="メイリオ" panose="020B0604030504040204" pitchFamily="50" charset="-128"/>
-                <a:cs typeface="メイリオ" panose="020B0604030504040204" pitchFamily="50" charset="-128"/>
-              </a:defRPr>
-            </a:lvl1pPr>
-          </a:lstStyle>
-          <a:p>
-            <a:r>
-              <a:rPr lang="ja-JP" altLang="en-US" dirty="0"/>
-              <a:t>レポートの送付</a:t>
-            </a:r>
-            <a:endParaRPr lang="sv-SE" dirty="0"/>
-          </a:p>
-        </p:txBody>
-      </p:sp>
-      <p:sp>
-        <p:nvSpPr>
-          <p:cNvPr id="51" name="Arc 22"/>
-          <p:cNvSpPr>
-            <a:spLocks noChangeAspect="1"/>
-          </p:cNvSpPr>
-          <p:nvPr/>
-        </p:nvSpPr>
-        <p:spPr>
-          <a:xfrm rot="16200000" flipH="1">
-            <a:off x="2453711" y="4925415"/>
-            <a:ext cx="576000" cy="576000"/>
-          </a:xfrm>
-          <a:prstGeom prst="arc">
-            <a:avLst/>
-          </a:prstGeom>
-          <a:ln w="19050">
-            <a:solidFill>
-              <a:schemeClr val="tx1"/>
-            </a:solidFill>
-          </a:ln>
-        </p:spPr>
-        <p:style>
-          <a:lnRef idx="1">
-            <a:schemeClr val="accent1"/>
-          </a:lnRef>
-          <a:fillRef idx="0">
-            <a:schemeClr val="accent1"/>
-          </a:fillRef>
-          <a:effectRef idx="0">
-            <a:schemeClr val="accent1"/>
-          </a:effectRef>
-          <a:fontRef idx="minor">
-            <a:schemeClr val="tx1"/>
-          </a:fontRef>
-        </p:style>
-        <p:txBody>
-          <a:bodyPr rtlCol="0" anchor="ctr"/>
-          <a:lstStyle/>
-          <a:p>
-            <a:pPr algn="ctr"/>
-            <a:endParaRPr lang="en-US"/>
-          </a:p>
-        </p:txBody>
-      </p:sp>
-    </p:spTree>
-    <p:extLst>
-      <p:ext uri="{BB962C8B-B14F-4D97-AF65-F5344CB8AC3E}">
-        <p14:creationId xmlns:p14="http://schemas.microsoft.com/office/powerpoint/2010/main" val="830407156"/>
       </p:ext>
     </p:extLst>
   </p:cSld>
@@ -24215,7 +29796,7 @@
   <a:extraClrSchemeLst/>
   <a:extLst>
     <a:ext uri="{05A4C25C-085E-4340-85A3-A5531E510DB2}">
-      <thm15:themeFamily xmlns="" xmlns:thm15="http://schemas.microsoft.com/office/thememl/2012/main" name="Office Theme" id="{62F939B6-93AF-4DB8-9C6B-D6C7DFDC589F}" vid="{4A3C46E8-61CC-4603-A589-7422A47A8E4A}"/>
+      <thm15:themeFamily xmlns:thm15="http://schemas.microsoft.com/office/thememl/2012/main" xmlns="" name="Office Theme" id="{62F939B6-93AF-4DB8-9C6B-D6C7DFDC589F}" vid="{4A3C46E8-61CC-4603-A589-7422A47A8E4A}"/>
     </a:ext>
   </a:extLst>
 </a:theme>
@@ -24476,7 +30057,7 @@
   <a:extraClrSchemeLst/>
   <a:extLst>
     <a:ext uri="{05A4C25C-085E-4340-85A3-A5531E510DB2}">
-      <thm15:themeFamily xmlns="" xmlns:thm15="http://schemas.microsoft.com/office/thememl/2012/main" name="Office Theme" id="{62F939B6-93AF-4DB8-9C6B-D6C7DFDC589F}" vid="{4A3C46E8-61CC-4603-A589-7422A47A8E4A}"/>
+      <thm15:themeFamily xmlns:thm15="http://schemas.microsoft.com/office/thememl/2012/main" xmlns="" name="Office Theme" id="{62F939B6-93AF-4DB8-9C6B-D6C7DFDC589F}" vid="{4A3C46E8-61CC-4603-A589-7422A47A8E4A}"/>
     </a:ext>
   </a:extLst>
 </a:theme>
@@ -24737,7 +30318,7 @@
   <a:extraClrSchemeLst/>
   <a:extLst>
     <a:ext uri="{05A4C25C-085E-4340-85A3-A5531E510DB2}">
-      <thm15:themeFamily xmlns="" xmlns:thm15="http://schemas.microsoft.com/office/thememl/2012/main" name="Office Theme" id="{62F939B6-93AF-4DB8-9C6B-D6C7DFDC589F}" vid="{4A3C46E8-61CC-4603-A589-7422A47A8E4A}"/>
+      <thm15:themeFamily xmlns:thm15="http://schemas.microsoft.com/office/thememl/2012/main" xmlns="" name="Office Theme" id="{62F939B6-93AF-4DB8-9C6B-D6C7DFDC589F}" vid="{4A3C46E8-61CC-4603-A589-7422A47A8E4A}"/>
     </a:ext>
   </a:extLst>
 </a:theme>
